--- a/Part 2 - Equations of State/Powerpoint Slides/2-1 Ideal Gas.pptx
+++ b/Part 2 - Equations of State/Powerpoint Slides/2-1 Ideal Gas.pptx
@@ -173,7 +173,7 @@
   <pc:docChgLst>
     <pc:chgData name="Walker, Pierre" userId="5ec82070-fd5a-4f33-a108-a8f270b163b4" providerId="ADAL" clId="{6608373D-1995-DC42-81E2-77687DDAA82D}"/>
     <pc:docChg chg="undo redo custSel addSld delSld modSld sldOrd">
-      <pc:chgData name="Walker, Pierre" userId="5ec82070-fd5a-4f33-a108-a8f270b163b4" providerId="ADAL" clId="{6608373D-1995-DC42-81E2-77687DDAA82D}" dt="2022-08-25T01:24:26.476" v="4096" actId="20577"/>
+      <pc:chgData name="Walker, Pierre" userId="5ec82070-fd5a-4f33-a108-a8f270b163b4" providerId="ADAL" clId="{6608373D-1995-DC42-81E2-77687DDAA82D}" dt="2022-08-30T05:59:18.840" v="4097" actId="242"/>
       <pc:docMkLst>
         <pc:docMk/>
       </pc:docMkLst>
@@ -406,7 +406,7 @@
         </pc:spChg>
       </pc:sldChg>
       <pc:sldChg chg="modSp new mod">
-        <pc:chgData name="Walker, Pierre" userId="5ec82070-fd5a-4f33-a108-a8f270b163b4" providerId="ADAL" clId="{6608373D-1995-DC42-81E2-77687DDAA82D}" dt="2022-08-24T03:32:28.064" v="597" actId="403"/>
+        <pc:chgData name="Walker, Pierre" userId="5ec82070-fd5a-4f33-a108-a8f270b163b4" providerId="ADAL" clId="{6608373D-1995-DC42-81E2-77687DDAA82D}" dt="2022-08-30T05:59:18.840" v="4097" actId="242"/>
         <pc:sldMkLst>
           <pc:docMk/>
           <pc:sldMk cId="2300840774" sldId="384"/>
@@ -420,7 +420,7 @@
           </ac:spMkLst>
         </pc:spChg>
         <pc:spChg chg="mod">
-          <ac:chgData name="Walker, Pierre" userId="5ec82070-fd5a-4f33-a108-a8f270b163b4" providerId="ADAL" clId="{6608373D-1995-DC42-81E2-77687DDAA82D}" dt="2022-08-24T03:32:28.064" v="597" actId="403"/>
+          <ac:chgData name="Walker, Pierre" userId="5ec82070-fd5a-4f33-a108-a8f270b163b4" providerId="ADAL" clId="{6608373D-1995-DC42-81E2-77687DDAA82D}" dt="2022-08-30T05:59:18.840" v="4097" actId="242"/>
           <ac:spMkLst>
             <pc:docMk/>
             <pc:sldMk cId="2300840774" sldId="384"/>
@@ -2701,7 +2701,7 @@
           <a:p>
             <a:fld id="{6D2CC9D1-B559-0843-AD36-897B157130C2}" type="datetimeFigureOut">
               <a:rPr lang="en-US" smtClean="0"/>
-              <a:t>8/24/22</a:t>
+              <a:t>8/29/22</a:t>
             </a:fld>
             <a:endParaRPr lang="en-US"/>
           </a:p>
@@ -2868,7 +2868,7 @@
             <a:fld id="{21E07F8B-42E5-8848-9418-61648E606395}" type="datetimeFigureOut">
               <a:rPr lang="en-US" smtClean="0"/>
               <a:pPr/>
-              <a:t>8/24/22</a:t>
+              <a:t>8/29/22</a:t>
             </a:fld>
             <a:endParaRPr lang="en-US"/>
           </a:p>
@@ -12294,7 +12294,7 @@
         </p:nvSpPr>
         <p:spPr/>
         <p:txBody>
-          <a:bodyPr/>
+          <a:bodyPr anchor="ctr"/>
           <a:lstStyle/>
           <a:p>
             <a:pPr marL="0" indent="0">

--- a/Part 2 - Equations of State/Powerpoint Slides/2-1 Ideal Gas.pptx
+++ b/Part 2 - Equations of State/Powerpoint Slides/2-1 Ideal Gas.pptx
@@ -5,10 +5,10 @@
     <p:sldMasterId id="2147483648" r:id="rId1"/>
   </p:sldMasterIdLst>
   <p:notesMasterIdLst>
-    <p:notesMasterId r:id="rId20"/>
+    <p:notesMasterId r:id="rId19"/>
   </p:notesMasterIdLst>
   <p:handoutMasterIdLst>
-    <p:handoutMasterId r:id="rId21"/>
+    <p:handoutMasterId r:id="rId20"/>
   </p:handoutMasterIdLst>
   <p:sldIdLst>
     <p:sldId id="364" r:id="rId2"/>
@@ -20,15 +20,14 @@
     <p:sldId id="387" r:id="rId8"/>
     <p:sldId id="388" r:id="rId9"/>
     <p:sldId id="389" r:id="rId10"/>
-    <p:sldId id="390" r:id="rId11"/>
-    <p:sldId id="391" r:id="rId12"/>
-    <p:sldId id="392" r:id="rId13"/>
-    <p:sldId id="393" r:id="rId14"/>
-    <p:sldId id="394" r:id="rId15"/>
-    <p:sldId id="395" r:id="rId16"/>
-    <p:sldId id="396" r:id="rId17"/>
-    <p:sldId id="397" r:id="rId18"/>
-    <p:sldId id="398" r:id="rId19"/>
+    <p:sldId id="391" r:id="rId11"/>
+    <p:sldId id="392" r:id="rId12"/>
+    <p:sldId id="393" r:id="rId13"/>
+    <p:sldId id="394" r:id="rId14"/>
+    <p:sldId id="395" r:id="rId15"/>
+    <p:sldId id="396" r:id="rId16"/>
+    <p:sldId id="397" r:id="rId17"/>
+    <p:sldId id="398" r:id="rId18"/>
   </p:sldIdLst>
   <p:sldSz cx="9144000" cy="6858000" type="screen4x3"/>
   <p:notesSz cx="6858000" cy="9144000"/>
@@ -163,7 +162,7 @@
 <file path=ppt/revisionInfo.xml><?xml version="1.0" encoding="utf-8"?>
 <p1510:revInfo xmlns:a="http://schemas.openxmlformats.org/drawingml/2006/main" xmlns:r="http://schemas.openxmlformats.org/officeDocument/2006/relationships" xmlns:p1510="http://schemas.microsoft.com/office/powerpoint/2015/10/main">
   <p1510:revLst>
-    <p1510:client id="{6608373D-1995-DC42-81E2-77687DDAA82D}" v="966" dt="2022-08-24T22:23:12.223"/>
+    <p1510:client id="{6608373D-1995-DC42-81E2-77687DDAA82D}" v="1004" dt="2022-08-30T22:13:21.159"/>
   </p1510:revLst>
 </p1510:revInfo>
 </file>
@@ -173,7 +172,7 @@
   <pc:docChgLst>
     <pc:chgData name="Walker, Pierre" userId="5ec82070-fd5a-4f33-a108-a8f270b163b4" providerId="ADAL" clId="{6608373D-1995-DC42-81E2-77687DDAA82D}"/>
     <pc:docChg chg="undo redo custSel addSld delSld modSld sldOrd">
-      <pc:chgData name="Walker, Pierre" userId="5ec82070-fd5a-4f33-a108-a8f270b163b4" providerId="ADAL" clId="{6608373D-1995-DC42-81E2-77687DDAA82D}" dt="2022-08-30T05:59:18.840" v="4097" actId="242"/>
+      <pc:chgData name="Walker, Pierre" userId="5ec82070-fd5a-4f33-a108-a8f270b163b4" providerId="ADAL" clId="{6608373D-1995-DC42-81E2-77687DDAA82D}" dt="2022-08-30T22:13:21.159" v="4136"/>
       <pc:docMkLst>
         <pc:docMk/>
       </pc:docMkLst>
@@ -192,8 +191,8 @@
           </ac:spMkLst>
         </pc:spChg>
       </pc:sldChg>
-      <pc:sldChg chg="addSp delSp modSp mod chgLayout">
-        <pc:chgData name="Walker, Pierre" userId="5ec82070-fd5a-4f33-a108-a8f270b163b4" providerId="ADAL" clId="{6608373D-1995-DC42-81E2-77687DDAA82D}" dt="2022-08-24T03:31:26.233" v="388" actId="22"/>
+      <pc:sldChg chg="addSp delSp modSp mod modAnim chgLayout">
+        <pc:chgData name="Walker, Pierre" userId="5ec82070-fd5a-4f33-a108-a8f270b163b4" providerId="ADAL" clId="{6608373D-1995-DC42-81E2-77687DDAA82D}" dt="2022-08-30T22:09:16.192" v="4103"/>
         <pc:sldMkLst>
           <pc:docMk/>
           <pc:sldMk cId="4141028454" sldId="365"/>
@@ -247,8 +246,8 @@
           </ac:spMkLst>
         </pc:spChg>
       </pc:sldChg>
-      <pc:sldChg chg="addSp modSp mod">
-        <pc:chgData name="Walker, Pierre" userId="5ec82070-fd5a-4f33-a108-a8f270b163b4" providerId="ADAL" clId="{6608373D-1995-DC42-81E2-77687DDAA82D}" dt="2022-08-24T03:35:09.420" v="915" actId="1076"/>
+      <pc:sldChg chg="addSp modSp mod modAnim">
+        <pc:chgData name="Walker, Pierre" userId="5ec82070-fd5a-4f33-a108-a8f270b163b4" providerId="ADAL" clId="{6608373D-1995-DC42-81E2-77687DDAA82D}" dt="2022-08-30T22:10:01.259" v="4112"/>
         <pc:sldMkLst>
           <pc:docMk/>
           <pc:sldMk cId="2772920940" sldId="366"/>
@@ -405,8 +404,8 @@
           </ac:spMkLst>
         </pc:spChg>
       </pc:sldChg>
-      <pc:sldChg chg="modSp new mod">
-        <pc:chgData name="Walker, Pierre" userId="5ec82070-fd5a-4f33-a108-a8f270b163b4" providerId="ADAL" clId="{6608373D-1995-DC42-81E2-77687DDAA82D}" dt="2022-08-30T05:59:18.840" v="4097" actId="242"/>
+      <pc:sldChg chg="modSp new mod modAnim">
+        <pc:chgData name="Walker, Pierre" userId="5ec82070-fd5a-4f33-a108-a8f270b163b4" providerId="ADAL" clId="{6608373D-1995-DC42-81E2-77687DDAA82D}" dt="2022-08-30T22:09:26.442" v="4105"/>
         <pc:sldMkLst>
           <pc:docMk/>
           <pc:sldMk cId="2300840774" sldId="384"/>
@@ -428,8 +427,8 @@
           </ac:spMkLst>
         </pc:spChg>
       </pc:sldChg>
-      <pc:sldChg chg="delSp modSp add mod">
-        <pc:chgData name="Walker, Pierre" userId="5ec82070-fd5a-4f33-a108-a8f270b163b4" providerId="ADAL" clId="{6608373D-1995-DC42-81E2-77687DDAA82D}" dt="2022-08-24T03:37:37.100" v="1098" actId="20577"/>
+      <pc:sldChg chg="delSp modSp add mod modAnim">
+        <pc:chgData name="Walker, Pierre" userId="5ec82070-fd5a-4f33-a108-a8f270b163b4" providerId="ADAL" clId="{6608373D-1995-DC42-81E2-77687DDAA82D}" dt="2022-08-30T22:10:17.193" v="4114"/>
         <pc:sldMkLst>
           <pc:docMk/>
           <pc:sldMk cId="2350515734" sldId="385"/>
@@ -458,8 +457,8 @@
           <pc:sldMk cId="1141659360" sldId="386"/>
         </pc:sldMkLst>
       </pc:sldChg>
-      <pc:sldChg chg="modSp add mod">
-        <pc:chgData name="Walker, Pierre" userId="5ec82070-fd5a-4f33-a108-a8f270b163b4" providerId="ADAL" clId="{6608373D-1995-DC42-81E2-77687DDAA82D}" dt="2022-08-24T21:28:56.392" v="1820" actId="114"/>
+      <pc:sldChg chg="modSp add mod modAnim">
+        <pc:chgData name="Walker, Pierre" userId="5ec82070-fd5a-4f33-a108-a8f270b163b4" providerId="ADAL" clId="{6608373D-1995-DC42-81E2-77687DDAA82D}" dt="2022-08-30T22:10:31.561" v="4116"/>
         <pc:sldMkLst>
           <pc:docMk/>
           <pc:sldMk cId="4058133933" sldId="387"/>
@@ -473,8 +472,8 @@
           </ac:spMkLst>
         </pc:spChg>
       </pc:sldChg>
-      <pc:sldChg chg="modSp add mod">
-        <pc:chgData name="Walker, Pierre" userId="5ec82070-fd5a-4f33-a108-a8f270b163b4" providerId="ADAL" clId="{6608373D-1995-DC42-81E2-77687DDAA82D}" dt="2022-08-24T21:28:18.939" v="1793" actId="27636"/>
+      <pc:sldChg chg="modSp add mod modAnim">
+        <pc:chgData name="Walker, Pierre" userId="5ec82070-fd5a-4f33-a108-a8f270b163b4" providerId="ADAL" clId="{6608373D-1995-DC42-81E2-77687DDAA82D}" dt="2022-08-30T22:10:51.645" v="4118"/>
         <pc:sldMkLst>
           <pc:docMk/>
           <pc:sldMk cId="3604261467" sldId="388"/>
@@ -488,8 +487,8 @@
           </ac:spMkLst>
         </pc:spChg>
       </pc:sldChg>
-      <pc:sldChg chg="modSp add mod">
-        <pc:chgData name="Walker, Pierre" userId="5ec82070-fd5a-4f33-a108-a8f270b163b4" providerId="ADAL" clId="{6608373D-1995-DC42-81E2-77687DDAA82D}" dt="2022-08-24T21:30:30.722" v="1986" actId="20577"/>
+      <pc:sldChg chg="modSp add mod modAnim">
+        <pc:chgData name="Walker, Pierre" userId="5ec82070-fd5a-4f33-a108-a8f270b163b4" providerId="ADAL" clId="{6608373D-1995-DC42-81E2-77687DDAA82D}" dt="2022-08-30T22:11:15.694" v="4121"/>
         <pc:sldMkLst>
           <pc:docMk/>
           <pc:sldMk cId="3736019566" sldId="389"/>
@@ -503,8 +502,8 @@
           </ac:spMkLst>
         </pc:spChg>
       </pc:sldChg>
-      <pc:sldChg chg="add">
-        <pc:chgData name="Walker, Pierre" userId="5ec82070-fd5a-4f33-a108-a8f270b163b4" providerId="ADAL" clId="{6608373D-1995-DC42-81E2-77687DDAA82D}" dt="2022-08-24T21:30:33.247" v="1987"/>
+      <pc:sldChg chg="add del">
+        <pc:chgData name="Walker, Pierre" userId="5ec82070-fd5a-4f33-a108-a8f270b163b4" providerId="ADAL" clId="{6608373D-1995-DC42-81E2-77687DDAA82D}" dt="2022-08-30T22:11:21.030" v="4122" actId="2696"/>
         <pc:sldMkLst>
           <pc:docMk/>
           <pc:sldMk cId="3902716928" sldId="390"/>
@@ -541,8 +540,8 @@
           </ac:picMkLst>
         </pc:picChg>
       </pc:sldChg>
-      <pc:sldChg chg="delSp modSp add mod">
-        <pc:chgData name="Walker, Pierre" userId="5ec82070-fd5a-4f33-a108-a8f270b163b4" providerId="ADAL" clId="{6608373D-1995-DC42-81E2-77687DDAA82D}" dt="2022-08-24T21:36:24.561" v="2384" actId="20577"/>
+      <pc:sldChg chg="delSp modSp add mod modAnim">
+        <pc:chgData name="Walker, Pierre" userId="5ec82070-fd5a-4f33-a108-a8f270b163b4" providerId="ADAL" clId="{6608373D-1995-DC42-81E2-77687DDAA82D}" dt="2022-08-30T22:11:44.198" v="4123"/>
         <pc:sldMkLst>
           <pc:docMk/>
           <pc:sldMk cId="4222532685" sldId="392"/>
@@ -572,8 +571,8 @@
           </ac:picMkLst>
         </pc:picChg>
       </pc:sldChg>
-      <pc:sldChg chg="addSp modSp add mod">
-        <pc:chgData name="Walker, Pierre" userId="5ec82070-fd5a-4f33-a108-a8f270b163b4" providerId="ADAL" clId="{6608373D-1995-DC42-81E2-77687DDAA82D}" dt="2022-08-24T21:38:28.098" v="2562" actId="11"/>
+      <pc:sldChg chg="addSp modSp add mod modAnim">
+        <pc:chgData name="Walker, Pierre" userId="5ec82070-fd5a-4f33-a108-a8f270b163b4" providerId="ADAL" clId="{6608373D-1995-DC42-81E2-77687DDAA82D}" dt="2022-08-30T22:12:01.078" v="4125"/>
         <pc:sldMkLst>
           <pc:docMk/>
           <pc:sldMk cId="2314191116" sldId="393"/>
@@ -634,8 +633,8 @@
           </ac:picMkLst>
         </pc:picChg>
       </pc:sldChg>
-      <pc:sldChg chg="addSp delSp modSp add mod">
-        <pc:chgData name="Walker, Pierre" userId="5ec82070-fd5a-4f33-a108-a8f270b163b4" providerId="ADAL" clId="{6608373D-1995-DC42-81E2-77687DDAA82D}" dt="2022-08-24T21:46:48.008" v="3111" actId="208"/>
+      <pc:sldChg chg="addSp delSp modSp add mod modAnim">
+        <pc:chgData name="Walker, Pierre" userId="5ec82070-fd5a-4f33-a108-a8f270b163b4" providerId="ADAL" clId="{6608373D-1995-DC42-81E2-77687DDAA82D}" dt="2022-08-30T22:12:58.626" v="4132"/>
         <pc:sldMkLst>
           <pc:docMk/>
           <pc:sldMk cId="1815565672" sldId="395"/>
@@ -657,7 +656,7 @@
           </ac:spMkLst>
         </pc:spChg>
         <pc:spChg chg="add mod">
-          <ac:chgData name="Walker, Pierre" userId="5ec82070-fd5a-4f33-a108-a8f270b163b4" providerId="ADAL" clId="{6608373D-1995-DC42-81E2-77687DDAA82D}" dt="2022-08-24T21:46:03.125" v="3092" actId="208"/>
+          <ac:chgData name="Walker, Pierre" userId="5ec82070-fd5a-4f33-a108-a8f270b163b4" providerId="ADAL" clId="{6608373D-1995-DC42-81E2-77687DDAA82D}" dt="2022-08-30T22:12:38.710" v="4129" actId="164"/>
           <ac:spMkLst>
             <pc:docMk/>
             <pc:sldMk cId="1815565672" sldId="395"/>
@@ -665,7 +664,7 @@
           </ac:spMkLst>
         </pc:spChg>
         <pc:spChg chg="add mod">
-          <ac:chgData name="Walker, Pierre" userId="5ec82070-fd5a-4f33-a108-a8f270b163b4" providerId="ADAL" clId="{6608373D-1995-DC42-81E2-77687DDAA82D}" dt="2022-08-24T21:46:08.520" v="3093" actId="208"/>
+          <ac:chgData name="Walker, Pierre" userId="5ec82070-fd5a-4f33-a108-a8f270b163b4" providerId="ADAL" clId="{6608373D-1995-DC42-81E2-77687DDAA82D}" dt="2022-08-30T22:12:38.710" v="4129" actId="164"/>
           <ac:spMkLst>
             <pc:docMk/>
             <pc:sldMk cId="1815565672" sldId="395"/>
@@ -673,7 +672,7 @@
           </ac:spMkLst>
         </pc:spChg>
         <pc:spChg chg="add mod">
-          <ac:chgData name="Walker, Pierre" userId="5ec82070-fd5a-4f33-a108-a8f270b163b4" providerId="ADAL" clId="{6608373D-1995-DC42-81E2-77687DDAA82D}" dt="2022-08-24T21:46:08.520" v="3093" actId="208"/>
+          <ac:chgData name="Walker, Pierre" userId="5ec82070-fd5a-4f33-a108-a8f270b163b4" providerId="ADAL" clId="{6608373D-1995-DC42-81E2-77687DDAA82D}" dt="2022-08-30T22:12:38.710" v="4129" actId="164"/>
           <ac:spMkLst>
             <pc:docMk/>
             <pc:sldMk cId="1815565672" sldId="395"/>
@@ -681,7 +680,7 @@
           </ac:spMkLst>
         </pc:spChg>
         <pc:spChg chg="add mod">
-          <ac:chgData name="Walker, Pierre" userId="5ec82070-fd5a-4f33-a108-a8f270b163b4" providerId="ADAL" clId="{6608373D-1995-DC42-81E2-77687DDAA82D}" dt="2022-08-24T21:46:11.875" v="3094" actId="208"/>
+          <ac:chgData name="Walker, Pierre" userId="5ec82070-fd5a-4f33-a108-a8f270b163b4" providerId="ADAL" clId="{6608373D-1995-DC42-81E2-77687DDAA82D}" dt="2022-08-30T22:12:38.710" v="4129" actId="164"/>
           <ac:spMkLst>
             <pc:docMk/>
             <pc:sldMk cId="1815565672" sldId="395"/>
@@ -689,7 +688,7 @@
           </ac:spMkLst>
         </pc:spChg>
         <pc:spChg chg="add mod">
-          <ac:chgData name="Walker, Pierre" userId="5ec82070-fd5a-4f33-a108-a8f270b163b4" providerId="ADAL" clId="{6608373D-1995-DC42-81E2-77687DDAA82D}" dt="2022-08-24T21:46:24.072" v="3104" actId="1076"/>
+          <ac:chgData name="Walker, Pierre" userId="5ec82070-fd5a-4f33-a108-a8f270b163b4" providerId="ADAL" clId="{6608373D-1995-DC42-81E2-77687DDAA82D}" dt="2022-08-30T22:12:57.424" v="4131" actId="164"/>
           <ac:spMkLst>
             <pc:docMk/>
             <pc:sldMk cId="1815565672" sldId="395"/>
@@ -697,7 +696,7 @@
           </ac:spMkLst>
         </pc:spChg>
         <pc:spChg chg="add mod">
-          <ac:chgData name="Walker, Pierre" userId="5ec82070-fd5a-4f33-a108-a8f270b163b4" providerId="ADAL" clId="{6608373D-1995-DC42-81E2-77687DDAA82D}" dt="2022-08-24T21:46:30.772" v="3106" actId="1076"/>
+          <ac:chgData name="Walker, Pierre" userId="5ec82070-fd5a-4f33-a108-a8f270b163b4" providerId="ADAL" clId="{6608373D-1995-DC42-81E2-77687DDAA82D}" dt="2022-08-30T22:12:47.593" v="4130" actId="164"/>
           <ac:spMkLst>
             <pc:docMk/>
             <pc:sldMk cId="1815565672" sldId="395"/>
@@ -705,7 +704,7 @@
           </ac:spMkLst>
         </pc:spChg>
         <pc:spChg chg="add mod">
-          <ac:chgData name="Walker, Pierre" userId="5ec82070-fd5a-4f33-a108-a8f270b163b4" providerId="ADAL" clId="{6608373D-1995-DC42-81E2-77687DDAA82D}" dt="2022-08-24T21:46:30.772" v="3106" actId="1076"/>
+          <ac:chgData name="Walker, Pierre" userId="5ec82070-fd5a-4f33-a108-a8f270b163b4" providerId="ADAL" clId="{6608373D-1995-DC42-81E2-77687DDAA82D}" dt="2022-08-30T22:12:47.593" v="4130" actId="164"/>
           <ac:spMkLst>
             <pc:docMk/>
             <pc:sldMk cId="1815565672" sldId="395"/>
@@ -713,7 +712,7 @@
           </ac:spMkLst>
         </pc:spChg>
         <pc:spChg chg="add mod">
-          <ac:chgData name="Walker, Pierre" userId="5ec82070-fd5a-4f33-a108-a8f270b163b4" providerId="ADAL" clId="{6608373D-1995-DC42-81E2-77687DDAA82D}" dt="2022-08-24T21:46:48.008" v="3111" actId="208"/>
+          <ac:chgData name="Walker, Pierre" userId="5ec82070-fd5a-4f33-a108-a8f270b163b4" providerId="ADAL" clId="{6608373D-1995-DC42-81E2-77687DDAA82D}" dt="2022-08-30T22:12:47.593" v="4130" actId="164"/>
           <ac:spMkLst>
             <pc:docMk/>
             <pc:sldMk cId="1815565672" sldId="395"/>
@@ -728,8 +727,32 @@
             <ac:spMk id="17" creationId="{774AD4BB-8CA5-D649-EFF2-0DCB96EB896E}"/>
           </ac:spMkLst>
         </pc:spChg>
+        <pc:grpChg chg="add mod">
+          <ac:chgData name="Walker, Pierre" userId="5ec82070-fd5a-4f33-a108-a8f270b163b4" providerId="ADAL" clId="{6608373D-1995-DC42-81E2-77687DDAA82D}" dt="2022-08-30T22:12:57.424" v="4131" actId="164"/>
+          <ac:grpSpMkLst>
+            <pc:docMk/>
+            <pc:sldMk cId="1815565672" sldId="395"/>
+            <ac:grpSpMk id="7" creationId="{899C1493-A21E-4709-1D5D-DA676ACBDC65}"/>
+          </ac:grpSpMkLst>
+        </pc:grpChg>
+        <pc:grpChg chg="add mod">
+          <ac:chgData name="Walker, Pierre" userId="5ec82070-fd5a-4f33-a108-a8f270b163b4" providerId="ADAL" clId="{6608373D-1995-DC42-81E2-77687DDAA82D}" dt="2022-08-30T22:12:57.424" v="4131" actId="164"/>
+          <ac:grpSpMkLst>
+            <pc:docMk/>
+            <pc:sldMk cId="1815565672" sldId="395"/>
+            <ac:grpSpMk id="17" creationId="{405E524A-C19E-0FDE-12CC-651075409081}"/>
+          </ac:grpSpMkLst>
+        </pc:grpChg>
+        <pc:grpChg chg="add mod">
+          <ac:chgData name="Walker, Pierre" userId="5ec82070-fd5a-4f33-a108-a8f270b163b4" providerId="ADAL" clId="{6608373D-1995-DC42-81E2-77687DDAA82D}" dt="2022-08-30T22:12:57.424" v="4131" actId="164"/>
+          <ac:grpSpMkLst>
+            <pc:docMk/>
+            <pc:sldMk cId="1815565672" sldId="395"/>
+            <ac:grpSpMk id="18" creationId="{42CAE188-B822-FA79-22BE-08657961A1E1}"/>
+          </ac:grpSpMkLst>
+        </pc:grpChg>
         <pc:picChg chg="add mod modCrop">
-          <ac:chgData name="Walker, Pierre" userId="5ec82070-fd5a-4f33-a108-a8f270b163b4" providerId="ADAL" clId="{6608373D-1995-DC42-81E2-77687DDAA82D}" dt="2022-08-24T21:45:42.677" v="3081" actId="1076"/>
+          <ac:chgData name="Walker, Pierre" userId="5ec82070-fd5a-4f33-a108-a8f270b163b4" providerId="ADAL" clId="{6608373D-1995-DC42-81E2-77687DDAA82D}" dt="2022-08-30T22:12:38.710" v="4129" actId="164"/>
           <ac:picMkLst>
             <pc:docMk/>
             <pc:sldMk cId="1815565672" sldId="395"/>
@@ -737,7 +760,7 @@
           </ac:picMkLst>
         </pc:picChg>
         <pc:picChg chg="add mod">
-          <ac:chgData name="Walker, Pierre" userId="5ec82070-fd5a-4f33-a108-a8f270b163b4" providerId="ADAL" clId="{6608373D-1995-DC42-81E2-77687DDAA82D}" dt="2022-08-24T21:46:30.772" v="3106" actId="1076"/>
+          <ac:chgData name="Walker, Pierre" userId="5ec82070-fd5a-4f33-a108-a8f270b163b4" providerId="ADAL" clId="{6608373D-1995-DC42-81E2-77687DDAA82D}" dt="2022-08-30T22:12:47.593" v="4130" actId="164"/>
           <ac:picMkLst>
             <pc:docMk/>
             <pc:sldMk cId="1815565672" sldId="395"/>
@@ -887,8 +910,8 @@
           </ac:spMkLst>
         </pc:spChg>
       </pc:sldChg>
-      <pc:sldChg chg="modSp new mod">
-        <pc:chgData name="Walker, Pierre" userId="5ec82070-fd5a-4f33-a108-a8f270b163b4" providerId="ADAL" clId="{6608373D-1995-DC42-81E2-77687DDAA82D}" dt="2022-08-25T01:24:26.476" v="4096" actId="20577"/>
+      <pc:sldChg chg="modSp new mod modAnim">
+        <pc:chgData name="Walker, Pierre" userId="5ec82070-fd5a-4f33-a108-a8f270b163b4" providerId="ADAL" clId="{6608373D-1995-DC42-81E2-77687DDAA82D}" dt="2022-08-30T22:13:21.159" v="4136"/>
         <pc:sldMkLst>
           <pc:docMk/>
           <pc:sldMk cId="518288994" sldId="398"/>
@@ -2701,7 +2724,7 @@
           <a:p>
             <a:fld id="{6D2CC9D1-B559-0843-AD36-897B157130C2}" type="datetimeFigureOut">
               <a:rPr lang="en-US" smtClean="0"/>
-              <a:t>8/29/22</a:t>
+              <a:t>8/30/22</a:t>
             </a:fld>
             <a:endParaRPr lang="en-US"/>
           </a:p>
@@ -2868,7 +2891,7 @@
             <a:fld id="{21E07F8B-42E5-8848-9418-61648E606395}" type="datetimeFigureOut">
               <a:rPr lang="en-US" smtClean="0"/>
               <a:pPr/>
-              <a:t>8/29/22</a:t>
+              <a:t>8/30/22</a:t>
             </a:fld>
             <a:endParaRPr lang="en-US"/>
           </a:p>
@@ -3215,6 +3238,91 @@
     <p:extLst>
       <p:ext uri="{BB962C8B-B14F-4D97-AF65-F5344CB8AC3E}">
         <p14:creationId xmlns:p14="http://schemas.microsoft.com/office/powerpoint/2010/main" val="2863727847"/>
+      </p:ext>
+    </p:extLst>
+  </p:cSld>
+  <p:clrMapOvr>
+    <a:masterClrMapping/>
+  </p:clrMapOvr>
+</p:notes>
+</file>
+
+<file path=ppt/notesSlides/notesSlide2.xml><?xml version="1.0" encoding="utf-8"?>
+<p:notes xmlns:a="http://schemas.openxmlformats.org/drawingml/2006/main" xmlns:r="http://schemas.openxmlformats.org/officeDocument/2006/relationships" xmlns:p="http://schemas.openxmlformats.org/presentationml/2006/main">
+  <p:cSld>
+    <p:spTree>
+      <p:nvGrpSpPr>
+        <p:cNvPr id="1" name=""/>
+        <p:cNvGrpSpPr/>
+        <p:nvPr/>
+      </p:nvGrpSpPr>
+      <p:grpSpPr>
+        <a:xfrm>
+          <a:off x="0" y="0"/>
+          <a:ext cx="0" cy="0"/>
+          <a:chOff x="0" y="0"/>
+          <a:chExt cx="0" cy="0"/>
+        </a:xfrm>
+      </p:grpSpPr>
+      <p:sp>
+        <p:nvSpPr>
+          <p:cNvPr id="2" name="Slide Image Placeholder 1"/>
+          <p:cNvSpPr>
+            <a:spLocks noGrp="1" noRot="1" noChangeAspect="1"/>
+          </p:cNvSpPr>
+          <p:nvPr>
+            <p:ph type="sldImg"/>
+          </p:nvPr>
+        </p:nvSpPr>
+        <p:spPr/>
+      </p:sp>
+      <p:sp>
+        <p:nvSpPr>
+          <p:cNvPr id="3" name="Notes Placeholder 2"/>
+          <p:cNvSpPr>
+            <a:spLocks noGrp="1"/>
+          </p:cNvSpPr>
+          <p:nvPr>
+            <p:ph type="body" idx="1"/>
+          </p:nvPr>
+        </p:nvSpPr>
+        <p:spPr/>
+        <p:txBody>
+          <a:bodyPr/>
+          <a:lstStyle/>
+          <a:p>
+            <a:endParaRPr lang="en-US" dirty="0"/>
+          </a:p>
+        </p:txBody>
+      </p:sp>
+      <p:sp>
+        <p:nvSpPr>
+          <p:cNvPr id="4" name="Slide Number Placeholder 3"/>
+          <p:cNvSpPr>
+            <a:spLocks noGrp="1"/>
+          </p:cNvSpPr>
+          <p:nvPr>
+            <p:ph type="sldNum" sz="quarter" idx="5"/>
+          </p:nvPr>
+        </p:nvSpPr>
+        <p:spPr/>
+        <p:txBody>
+          <a:bodyPr/>
+          <a:lstStyle/>
+          <a:p>
+            <a:fld id="{03652605-0564-D447-8592-4B3916BD2E72}" type="slidenum">
+              <a:rPr lang="en-US" smtClean="0"/>
+              <a:pPr/>
+              <a:t>14</a:t>
+            </a:fld>
+            <a:endParaRPr lang="en-US"/>
+          </a:p>
+        </p:txBody>
+      </p:sp>
+    </p:spTree>
+    <p:extLst>
+      <p:ext uri="{BB962C8B-B14F-4D97-AF65-F5344CB8AC3E}">
+        <p14:creationId xmlns:p14="http://schemas.microsoft.com/office/powerpoint/2010/main" val="3414254698"/>
       </p:ext>
     </p:extLst>
   </p:cSld>
@@ -7780,948 +7888,6 @@
               </a:bodyPr>
               <a:lstStyle/>
               <a:p>
-                <a:r>
-                  <a:rPr lang="en-GB" b="0" dirty="0"/>
-                  <a:t>Integrating:</a:t>
-                </a:r>
-                <a:br>
-                  <a:rPr lang="en-GB" b="0" dirty="0"/>
-                </a:br>
-                <a14:m>
-                  <m:oMath xmlns:m="http://schemas.openxmlformats.org/officeDocument/2006/math">
-                    <m:f>
-                      <m:fPr>
-                        <m:ctrlPr>
-                          <a:rPr lang="en-US" b="0" i="1" smtClean="0">
-                            <a:latin typeface="Cambria Math" panose="02040503050406030204" pitchFamily="18" charset="0"/>
-                          </a:rPr>
-                        </m:ctrlPr>
-                      </m:fPr>
-                      <m:num>
-                        <m:r>
-                          <a:rPr lang="en-US" b="0" i="1" smtClean="0">
-                            <a:latin typeface="Cambria Math" panose="02040503050406030204" pitchFamily="18" charset="0"/>
-                          </a:rPr>
-                          <m:t>𝐴</m:t>
-                        </m:r>
-                      </m:num>
-                      <m:den>
-                        <m:r>
-                          <a:rPr lang="en-US" b="0" i="1" smtClean="0">
-                            <a:latin typeface="Cambria Math" panose="02040503050406030204" pitchFamily="18" charset="0"/>
-                          </a:rPr>
-                          <m:t>𝑁</m:t>
-                        </m:r>
-                        <m:sSub>
-                          <m:sSubPr>
-                            <m:ctrlPr>
-                              <a:rPr lang="en-US" b="0" i="1" smtClean="0">
-                                <a:latin typeface="Cambria Math" panose="02040503050406030204" pitchFamily="18" charset="0"/>
-                              </a:rPr>
-                            </m:ctrlPr>
-                          </m:sSubPr>
-                          <m:e>
-                            <m:r>
-                              <a:rPr lang="en-US" b="0" i="1" smtClean="0">
-                                <a:latin typeface="Cambria Math" panose="02040503050406030204" pitchFamily="18" charset="0"/>
-                              </a:rPr>
-                              <m:t>𝑘</m:t>
-                            </m:r>
-                          </m:e>
-                          <m:sub>
-                            <m:r>
-                              <m:rPr>
-                                <m:sty m:val="p"/>
-                              </m:rPr>
-                              <a:rPr lang="en-US" b="0" i="0" smtClean="0">
-                                <a:latin typeface="Cambria Math" panose="02040503050406030204" pitchFamily="18" charset="0"/>
-                              </a:rPr>
-                              <m:t>B</m:t>
-                            </m:r>
-                          </m:sub>
-                        </m:sSub>
-                        <m:r>
-                          <a:rPr lang="en-US" b="0" i="1" smtClean="0">
-                            <a:latin typeface="Cambria Math" panose="02040503050406030204" pitchFamily="18" charset="0"/>
-                          </a:rPr>
-                          <m:t>𝑇</m:t>
-                        </m:r>
-                      </m:den>
-                    </m:f>
-                    <m:r>
-                      <a:rPr lang="en-US" b="0" i="1" smtClean="0">
-                        <a:latin typeface="Cambria Math" panose="02040503050406030204" pitchFamily="18" charset="0"/>
-                      </a:rPr>
-                      <m:t>=</m:t>
-                    </m:r>
-                    <m:func>
-                      <m:funcPr>
-                        <m:ctrlPr>
-                          <a:rPr lang="en-US" b="0" i="1" smtClean="0">
-                            <a:latin typeface="Cambria Math" panose="02040503050406030204" pitchFamily="18" charset="0"/>
-                          </a:rPr>
-                        </m:ctrlPr>
-                      </m:funcPr>
-                      <m:fName>
-                        <m:r>
-                          <m:rPr>
-                            <m:sty m:val="p"/>
-                          </m:rPr>
-                          <a:rPr lang="en-US" b="0" i="0" smtClean="0">
-                            <a:latin typeface="Cambria Math" panose="02040503050406030204" pitchFamily="18" charset="0"/>
-                          </a:rPr>
-                          <m:t>ln</m:t>
-                        </m:r>
-                      </m:fName>
-                      <m:e>
-                        <m:f>
-                          <m:fPr>
-                            <m:ctrlPr>
-                              <a:rPr lang="en-US" b="0" i="1" smtClean="0">
-                                <a:latin typeface="Cambria Math" panose="02040503050406030204" pitchFamily="18" charset="0"/>
-                              </a:rPr>
-                            </m:ctrlPr>
-                          </m:fPr>
-                          <m:num>
-                            <m:sSub>
-                              <m:sSubPr>
-                                <m:ctrlPr>
-                                  <a:rPr lang="en-US" b="0" i="1" smtClean="0">
-                                    <a:latin typeface="Cambria Math" panose="02040503050406030204" pitchFamily="18" charset="0"/>
-                                  </a:rPr>
-                                </m:ctrlPr>
-                              </m:sSubPr>
-                              <m:e>
-                                <m:r>
-                                  <a:rPr lang="en-US" b="0" i="1" smtClean="0">
-                                    <a:latin typeface="Cambria Math" panose="02040503050406030204" pitchFamily="18" charset="0"/>
-                                  </a:rPr>
-                                  <m:t>𝑉</m:t>
-                                </m:r>
-                              </m:e>
-                              <m:sub>
-                                <m:r>
-                                  <a:rPr lang="en-US" b="0" i="1" smtClean="0">
-                                    <a:latin typeface="Cambria Math" panose="02040503050406030204" pitchFamily="18" charset="0"/>
-                                  </a:rPr>
-                                  <m:t>0</m:t>
-                                </m:r>
-                              </m:sub>
-                            </m:sSub>
-                          </m:num>
-                          <m:den>
-                            <m:r>
-                              <a:rPr lang="en-US" b="0" i="1" smtClean="0">
-                                <a:latin typeface="Cambria Math" panose="02040503050406030204" pitchFamily="18" charset="0"/>
-                              </a:rPr>
-                              <m:t>𝑉</m:t>
-                            </m:r>
-                          </m:den>
-                        </m:f>
-                      </m:e>
-                    </m:func>
-                    <m:r>
-                      <a:rPr lang="en-US" b="0" i="1" smtClean="0">
-                        <a:latin typeface="Cambria Math" panose="02040503050406030204" pitchFamily="18" charset="0"/>
-                      </a:rPr>
-                      <m:t>+</m:t>
-                    </m:r>
-                    <m:f>
-                      <m:fPr>
-                        <m:ctrlPr>
-                          <a:rPr lang="en-US" b="0" i="1" smtClean="0">
-                            <a:latin typeface="Cambria Math" panose="02040503050406030204" pitchFamily="18" charset="0"/>
-                          </a:rPr>
-                        </m:ctrlPr>
-                      </m:fPr>
-                      <m:num>
-                        <m:r>
-                          <a:rPr lang="en-US" b="0" i="1" smtClean="0">
-                            <a:latin typeface="Cambria Math" panose="02040503050406030204" pitchFamily="18" charset="0"/>
-                          </a:rPr>
-                          <m:t>1</m:t>
-                        </m:r>
-                      </m:num>
-                      <m:den>
-                        <m:r>
-                          <a:rPr lang="en-US" b="0" i="1" smtClean="0">
-                            <a:latin typeface="Cambria Math" panose="02040503050406030204" pitchFamily="18" charset="0"/>
-                          </a:rPr>
-                          <m:t>𝑁</m:t>
-                        </m:r>
-                        <m:sSub>
-                          <m:sSubPr>
-                            <m:ctrlPr>
-                              <a:rPr lang="en-US" b="0" i="1" smtClean="0">
-                                <a:latin typeface="Cambria Math" panose="02040503050406030204" pitchFamily="18" charset="0"/>
-                              </a:rPr>
-                            </m:ctrlPr>
-                          </m:sSubPr>
-                          <m:e>
-                            <m:r>
-                              <a:rPr lang="en-US" b="0" i="1" smtClean="0">
-                                <a:latin typeface="Cambria Math" panose="02040503050406030204" pitchFamily="18" charset="0"/>
-                              </a:rPr>
-                              <m:t>𝑘</m:t>
-                            </m:r>
-                          </m:e>
-                          <m:sub>
-                            <m:r>
-                              <m:rPr>
-                                <m:sty m:val="p"/>
-                              </m:rPr>
-                              <a:rPr lang="en-US" b="0" i="0" smtClean="0">
-                                <a:latin typeface="Cambria Math" panose="02040503050406030204" pitchFamily="18" charset="0"/>
-                              </a:rPr>
-                              <m:t>B</m:t>
-                            </m:r>
-                          </m:sub>
-                        </m:sSub>
-                        <m:r>
-                          <a:rPr lang="en-US" b="0" i="1" smtClean="0">
-                            <a:latin typeface="Cambria Math" panose="02040503050406030204" pitchFamily="18" charset="0"/>
-                          </a:rPr>
-                          <m:t>𝑇</m:t>
-                        </m:r>
-                      </m:den>
-                    </m:f>
-                    <m:nary>
-                      <m:naryPr>
-                        <m:ctrlPr>
-                          <a:rPr lang="en-US" b="0" i="1" smtClean="0">
-                            <a:latin typeface="Cambria Math" panose="02040503050406030204" pitchFamily="18" charset="0"/>
-                          </a:rPr>
-                        </m:ctrlPr>
-                      </m:naryPr>
-                      <m:sub>
-                        <m:sSub>
-                          <m:sSubPr>
-                            <m:ctrlPr>
-                              <a:rPr lang="en-US" b="0" i="1" smtClean="0">
-                                <a:latin typeface="Cambria Math" panose="02040503050406030204" pitchFamily="18" charset="0"/>
-                              </a:rPr>
-                            </m:ctrlPr>
-                          </m:sSubPr>
-                          <m:e>
-                            <m:r>
-                              <a:rPr lang="en-US" b="0" i="1" smtClean="0">
-                                <a:latin typeface="Cambria Math" panose="02040503050406030204" pitchFamily="18" charset="0"/>
-                              </a:rPr>
-                              <m:t>𝑇</m:t>
-                            </m:r>
-                          </m:e>
-                          <m:sub>
-                            <m:r>
-                              <a:rPr lang="en-US" b="0" i="1" smtClean="0">
-                                <a:latin typeface="Cambria Math" panose="02040503050406030204" pitchFamily="18" charset="0"/>
-                              </a:rPr>
-                              <m:t>0</m:t>
-                            </m:r>
-                          </m:sub>
-                        </m:sSub>
-                      </m:sub>
-                      <m:sup>
-                        <m:r>
-                          <a:rPr lang="en-US" b="0" i="1" smtClean="0">
-                            <a:latin typeface="Cambria Math" panose="02040503050406030204" pitchFamily="18" charset="0"/>
-                          </a:rPr>
-                          <m:t>𝑇</m:t>
-                        </m:r>
-                      </m:sup>
-                      <m:e>
-                        <m:sSub>
-                          <m:sSubPr>
-                            <m:ctrlPr>
-                              <a:rPr lang="en-US" b="0" i="1" smtClean="0">
-                                <a:latin typeface="Cambria Math" panose="02040503050406030204" pitchFamily="18" charset="0"/>
-                              </a:rPr>
-                            </m:ctrlPr>
-                          </m:sSubPr>
-                          <m:e>
-                            <m:r>
-                              <a:rPr lang="en-US" b="0" i="1" smtClean="0">
-                                <a:latin typeface="Cambria Math" panose="02040503050406030204" pitchFamily="18" charset="0"/>
-                              </a:rPr>
-                              <m:t>𝐶</m:t>
-                            </m:r>
-                          </m:e>
-                          <m:sub>
-                            <m:r>
-                              <a:rPr lang="en-US" b="0" i="1" smtClean="0">
-                                <a:latin typeface="Cambria Math" panose="02040503050406030204" pitchFamily="18" charset="0"/>
-                              </a:rPr>
-                              <m:t>𝑝</m:t>
-                            </m:r>
-                          </m:sub>
-                        </m:sSub>
-                        <m:r>
-                          <a:rPr lang="en-US" b="0" i="1" smtClean="0">
-                            <a:latin typeface="Cambria Math" panose="02040503050406030204" pitchFamily="18" charset="0"/>
-                          </a:rPr>
-                          <m:t>𝑑𝑇</m:t>
-                        </m:r>
-                      </m:e>
-                    </m:nary>
-                    <m:r>
-                      <a:rPr lang="en-US" b="0" i="1" smtClean="0">
-                        <a:latin typeface="Cambria Math" panose="02040503050406030204" pitchFamily="18" charset="0"/>
-                      </a:rPr>
-                      <m:t>+</m:t>
-                    </m:r>
-                    <m:f>
-                      <m:fPr>
-                        <m:ctrlPr>
-                          <a:rPr lang="en-US" b="0" i="1" smtClean="0">
-                            <a:latin typeface="Cambria Math" panose="02040503050406030204" pitchFamily="18" charset="0"/>
-                          </a:rPr>
-                        </m:ctrlPr>
-                      </m:fPr>
-                      <m:num>
-                        <m:sSub>
-                          <m:sSubPr>
-                            <m:ctrlPr>
-                              <a:rPr lang="en-US" b="0" i="1" smtClean="0">
-                                <a:latin typeface="Cambria Math" panose="02040503050406030204" pitchFamily="18" charset="0"/>
-                              </a:rPr>
-                            </m:ctrlPr>
-                          </m:sSubPr>
-                          <m:e>
-                            <m:r>
-                              <a:rPr lang="en-US" b="0" i="1" smtClean="0">
-                                <a:latin typeface="Cambria Math" panose="02040503050406030204" pitchFamily="18" charset="0"/>
-                              </a:rPr>
-                              <m:t>𝐻</m:t>
-                            </m:r>
-                          </m:e>
-                          <m:sub>
-                            <m:r>
-                              <a:rPr lang="en-US" b="0" i="1" smtClean="0">
-                                <a:latin typeface="Cambria Math" panose="02040503050406030204" pitchFamily="18" charset="0"/>
-                              </a:rPr>
-                              <m:t>0</m:t>
-                            </m:r>
-                          </m:sub>
-                        </m:sSub>
-                      </m:num>
-                      <m:den>
-                        <m:r>
-                          <a:rPr lang="en-US" b="0" i="1" smtClean="0">
-                            <a:latin typeface="Cambria Math" panose="02040503050406030204" pitchFamily="18" charset="0"/>
-                          </a:rPr>
-                          <m:t>𝑁</m:t>
-                        </m:r>
-                        <m:sSub>
-                          <m:sSubPr>
-                            <m:ctrlPr>
-                              <a:rPr lang="en-US" b="0" i="1" smtClean="0">
-                                <a:latin typeface="Cambria Math" panose="02040503050406030204" pitchFamily="18" charset="0"/>
-                              </a:rPr>
-                            </m:ctrlPr>
-                          </m:sSubPr>
-                          <m:e>
-                            <m:r>
-                              <a:rPr lang="en-US" b="0" i="1" smtClean="0">
-                                <a:latin typeface="Cambria Math" panose="02040503050406030204" pitchFamily="18" charset="0"/>
-                              </a:rPr>
-                              <m:t>𝑘</m:t>
-                            </m:r>
-                          </m:e>
-                          <m:sub>
-                            <m:r>
-                              <m:rPr>
-                                <m:sty m:val="p"/>
-                              </m:rPr>
-                              <a:rPr lang="en-US" b="0" i="0" smtClean="0">
-                                <a:latin typeface="Cambria Math" panose="02040503050406030204" pitchFamily="18" charset="0"/>
-                              </a:rPr>
-                              <m:t>B</m:t>
-                            </m:r>
-                          </m:sub>
-                        </m:sSub>
-                        <m:r>
-                          <a:rPr lang="en-US" b="0" i="1" smtClean="0">
-                            <a:latin typeface="Cambria Math" panose="02040503050406030204" pitchFamily="18" charset="0"/>
-                          </a:rPr>
-                          <m:t>𝑇</m:t>
-                        </m:r>
-                      </m:den>
-                    </m:f>
-                  </m:oMath>
-                </a14:m>
-                <a:br>
-                  <a:rPr lang="en-US" b="0" dirty="0"/>
-                </a:br>
-                <a14:m>
-                  <m:oMath xmlns:m="http://schemas.openxmlformats.org/officeDocument/2006/math">
-                    <m:r>
-                      <a:rPr lang="en-US" b="0" dirty="0" smtClean="0">
-                        <a:latin typeface="Cambria Math" panose="02040503050406030204" pitchFamily="18" charset="0"/>
-                      </a:rPr>
-                      <m:t>	</m:t>
-                    </m:r>
-                    <m:r>
-                      <a:rPr lang="en-US" b="0" i="1">
-                        <a:latin typeface="Cambria Math" panose="02040503050406030204" pitchFamily="18" charset="0"/>
-                      </a:rPr>
-                      <m:t>−</m:t>
-                    </m:r>
-                    <m:f>
-                      <m:fPr>
-                        <m:ctrlPr>
-                          <a:rPr lang="en-US" b="0" i="1">
-                            <a:latin typeface="Cambria Math" panose="02040503050406030204" pitchFamily="18" charset="0"/>
-                          </a:rPr>
-                        </m:ctrlPr>
-                      </m:fPr>
-                      <m:num>
-                        <m:r>
-                          <a:rPr lang="en-US" b="0" i="1">
-                            <a:latin typeface="Cambria Math" panose="02040503050406030204" pitchFamily="18" charset="0"/>
-                          </a:rPr>
-                          <m:t>1</m:t>
-                        </m:r>
-                      </m:num>
-                      <m:den>
-                        <m:r>
-                          <a:rPr lang="en-US" b="0" i="1">
-                            <a:latin typeface="Cambria Math" panose="02040503050406030204" pitchFamily="18" charset="0"/>
-                          </a:rPr>
-                          <m:t>𝑁</m:t>
-                        </m:r>
-                        <m:sSub>
-                          <m:sSubPr>
-                            <m:ctrlPr>
-                              <a:rPr lang="en-US" b="0" i="1">
-                                <a:latin typeface="Cambria Math" panose="02040503050406030204" pitchFamily="18" charset="0"/>
-                              </a:rPr>
-                            </m:ctrlPr>
-                          </m:sSubPr>
-                          <m:e>
-                            <m:r>
-                              <a:rPr lang="en-US" b="0" i="1">
-                                <a:latin typeface="Cambria Math" panose="02040503050406030204" pitchFamily="18" charset="0"/>
-                              </a:rPr>
-                              <m:t>𝑘</m:t>
-                            </m:r>
-                          </m:e>
-                          <m:sub>
-                            <m:r>
-                              <m:rPr>
-                                <m:sty m:val="p"/>
-                              </m:rPr>
-                              <a:rPr lang="en-US" b="0">
-                                <a:latin typeface="Cambria Math" panose="02040503050406030204" pitchFamily="18" charset="0"/>
-                              </a:rPr>
-                              <m:t>B</m:t>
-                            </m:r>
-                          </m:sub>
-                        </m:sSub>
-                      </m:den>
-                    </m:f>
-                    <m:nary>
-                      <m:naryPr>
-                        <m:ctrlPr>
-                          <a:rPr lang="en-US" b="0" i="1">
-                            <a:latin typeface="Cambria Math" panose="02040503050406030204" pitchFamily="18" charset="0"/>
-                          </a:rPr>
-                        </m:ctrlPr>
-                      </m:naryPr>
-                      <m:sub>
-                        <m:sSub>
-                          <m:sSubPr>
-                            <m:ctrlPr>
-                              <a:rPr lang="en-US" b="0" i="1">
-                                <a:latin typeface="Cambria Math" panose="02040503050406030204" pitchFamily="18" charset="0"/>
-                              </a:rPr>
-                            </m:ctrlPr>
-                          </m:sSubPr>
-                          <m:e>
-                            <m:r>
-                              <a:rPr lang="en-US" b="0" i="1">
-                                <a:latin typeface="Cambria Math" panose="02040503050406030204" pitchFamily="18" charset="0"/>
-                              </a:rPr>
-                              <m:t>𝑇</m:t>
-                            </m:r>
-                          </m:e>
-                          <m:sub>
-                            <m:r>
-                              <a:rPr lang="en-US" b="0" i="1">
-                                <a:latin typeface="Cambria Math" panose="02040503050406030204" pitchFamily="18" charset="0"/>
-                              </a:rPr>
-                              <m:t>0</m:t>
-                            </m:r>
-                          </m:sub>
-                        </m:sSub>
-                      </m:sub>
-                      <m:sup>
-                        <m:r>
-                          <a:rPr lang="en-US" b="0" i="1">
-                            <a:latin typeface="Cambria Math" panose="02040503050406030204" pitchFamily="18" charset="0"/>
-                          </a:rPr>
-                          <m:t>𝑇</m:t>
-                        </m:r>
-                      </m:sup>
-                      <m:e>
-                        <m:f>
-                          <m:fPr>
-                            <m:ctrlPr>
-                              <a:rPr lang="en-US" b="0" i="1" smtClean="0">
-                                <a:latin typeface="Cambria Math" panose="02040503050406030204" pitchFamily="18" charset="0"/>
-                              </a:rPr>
-                            </m:ctrlPr>
-                          </m:fPr>
-                          <m:num>
-                            <m:sSub>
-                              <m:sSubPr>
-                                <m:ctrlPr>
-                                  <a:rPr lang="en-US" b="0" i="1">
-                                    <a:latin typeface="Cambria Math" panose="02040503050406030204" pitchFamily="18" charset="0"/>
-                                  </a:rPr>
-                                </m:ctrlPr>
-                              </m:sSubPr>
-                              <m:e>
-                                <m:r>
-                                  <a:rPr lang="en-US" b="0" i="1">
-                                    <a:latin typeface="Cambria Math" panose="02040503050406030204" pitchFamily="18" charset="0"/>
-                                  </a:rPr>
-                                  <m:t>𝐶</m:t>
-                                </m:r>
-                              </m:e>
-                              <m:sub>
-                                <m:r>
-                                  <a:rPr lang="en-US" b="0" i="1">
-                                    <a:latin typeface="Cambria Math" panose="02040503050406030204" pitchFamily="18" charset="0"/>
-                                  </a:rPr>
-                                  <m:t>𝑝</m:t>
-                                </m:r>
-                              </m:sub>
-                            </m:sSub>
-                          </m:num>
-                          <m:den>
-                            <m:r>
-                              <a:rPr lang="en-US" b="0" i="1" smtClean="0">
-                                <a:latin typeface="Cambria Math" panose="02040503050406030204" pitchFamily="18" charset="0"/>
-                              </a:rPr>
-                              <m:t>𝑇</m:t>
-                            </m:r>
-                          </m:den>
-                        </m:f>
-                        <m:r>
-                          <a:rPr lang="en-US" b="0" i="1">
-                            <a:latin typeface="Cambria Math" panose="02040503050406030204" pitchFamily="18" charset="0"/>
-                          </a:rPr>
-                          <m:t>𝑑𝑇</m:t>
-                        </m:r>
-                      </m:e>
-                    </m:nary>
-                    <m:r>
-                      <a:rPr lang="en-US" b="0" i="1" smtClean="0">
-                        <a:latin typeface="Cambria Math" panose="02040503050406030204" pitchFamily="18" charset="0"/>
-                      </a:rPr>
-                      <m:t>−</m:t>
-                    </m:r>
-                    <m:func>
-                      <m:funcPr>
-                        <m:ctrlPr>
-                          <a:rPr lang="en-US" b="0" i="1" smtClean="0">
-                            <a:latin typeface="Cambria Math" panose="02040503050406030204" pitchFamily="18" charset="0"/>
-                          </a:rPr>
-                        </m:ctrlPr>
-                      </m:funcPr>
-                      <m:fName>
-                        <m:r>
-                          <m:rPr>
-                            <m:sty m:val="p"/>
-                          </m:rPr>
-                          <a:rPr lang="en-US" b="0" i="0" smtClean="0">
-                            <a:latin typeface="Cambria Math" panose="02040503050406030204" pitchFamily="18" charset="0"/>
-                          </a:rPr>
-                          <m:t>ln</m:t>
-                        </m:r>
-                      </m:fName>
-                      <m:e>
-                        <m:f>
-                          <m:fPr>
-                            <m:ctrlPr>
-                              <a:rPr lang="en-US" b="0" i="1" smtClean="0">
-                                <a:latin typeface="Cambria Math" panose="02040503050406030204" pitchFamily="18" charset="0"/>
-                              </a:rPr>
-                            </m:ctrlPr>
-                          </m:fPr>
-                          <m:num>
-                            <m:r>
-                              <a:rPr lang="en-US" b="0" i="1" smtClean="0">
-                                <a:latin typeface="Cambria Math" panose="02040503050406030204" pitchFamily="18" charset="0"/>
-                              </a:rPr>
-                              <m:t>𝑇</m:t>
-                            </m:r>
-                          </m:num>
-                          <m:den>
-                            <m:sSub>
-                              <m:sSubPr>
-                                <m:ctrlPr>
-                                  <a:rPr lang="en-US" b="0" i="1" smtClean="0">
-                                    <a:latin typeface="Cambria Math" panose="02040503050406030204" pitchFamily="18" charset="0"/>
-                                  </a:rPr>
-                                </m:ctrlPr>
-                              </m:sSubPr>
-                              <m:e>
-                                <m:r>
-                                  <a:rPr lang="en-US" b="0" i="1" smtClean="0">
-                                    <a:latin typeface="Cambria Math" panose="02040503050406030204" pitchFamily="18" charset="0"/>
-                                  </a:rPr>
-                                  <m:t>𝑇</m:t>
-                                </m:r>
-                              </m:e>
-                              <m:sub>
-                                <m:r>
-                                  <a:rPr lang="en-US" b="0" i="1" smtClean="0">
-                                    <a:latin typeface="Cambria Math" panose="02040503050406030204" pitchFamily="18" charset="0"/>
-                                  </a:rPr>
-                                  <m:t>0</m:t>
-                                </m:r>
-                              </m:sub>
-                            </m:sSub>
-                          </m:den>
-                        </m:f>
-                      </m:e>
-                    </m:func>
-                    <m:r>
-                      <a:rPr lang="en-US" b="0" i="1" smtClean="0">
-                        <a:latin typeface="Cambria Math" panose="02040503050406030204" pitchFamily="18" charset="0"/>
-                      </a:rPr>
-                      <m:t>−</m:t>
-                    </m:r>
-                    <m:f>
-                      <m:fPr>
-                        <m:ctrlPr>
-                          <a:rPr lang="en-US" b="0" i="1" smtClean="0">
-                            <a:latin typeface="Cambria Math" panose="02040503050406030204" pitchFamily="18" charset="0"/>
-                          </a:rPr>
-                        </m:ctrlPr>
-                      </m:fPr>
-                      <m:num>
-                        <m:sSub>
-                          <m:sSubPr>
-                            <m:ctrlPr>
-                              <a:rPr lang="en-US" b="0" i="1" smtClean="0">
-                                <a:latin typeface="Cambria Math" panose="02040503050406030204" pitchFamily="18" charset="0"/>
-                              </a:rPr>
-                            </m:ctrlPr>
-                          </m:sSubPr>
-                          <m:e>
-                            <m:r>
-                              <a:rPr lang="en-US" b="0" i="1" smtClean="0">
-                                <a:latin typeface="Cambria Math" panose="02040503050406030204" pitchFamily="18" charset="0"/>
-                              </a:rPr>
-                              <m:t>𝑆</m:t>
-                            </m:r>
-                          </m:e>
-                          <m:sub>
-                            <m:r>
-                              <a:rPr lang="en-US" b="0" i="1" smtClean="0">
-                                <a:latin typeface="Cambria Math" panose="02040503050406030204" pitchFamily="18" charset="0"/>
-                              </a:rPr>
-                              <m:t>0</m:t>
-                            </m:r>
-                          </m:sub>
-                        </m:sSub>
-                      </m:num>
-                      <m:den>
-                        <m:r>
-                          <a:rPr lang="en-US" b="0" i="1" smtClean="0">
-                            <a:latin typeface="Cambria Math" panose="02040503050406030204" pitchFamily="18" charset="0"/>
-                          </a:rPr>
-                          <m:t>𝑁</m:t>
-                        </m:r>
-                        <m:sSub>
-                          <m:sSubPr>
-                            <m:ctrlPr>
-                              <a:rPr lang="en-US" b="0" i="1" smtClean="0">
-                                <a:latin typeface="Cambria Math" panose="02040503050406030204" pitchFamily="18" charset="0"/>
-                              </a:rPr>
-                            </m:ctrlPr>
-                          </m:sSubPr>
-                          <m:e>
-                            <m:r>
-                              <a:rPr lang="en-US" b="0" i="1" smtClean="0">
-                                <a:latin typeface="Cambria Math" panose="02040503050406030204" pitchFamily="18" charset="0"/>
-                              </a:rPr>
-                              <m:t>𝑘</m:t>
-                            </m:r>
-                          </m:e>
-                          <m:sub>
-                            <m:r>
-                              <m:rPr>
-                                <m:sty m:val="p"/>
-                              </m:rPr>
-                              <a:rPr lang="en-US" b="0" i="0" smtClean="0">
-                                <a:latin typeface="Cambria Math" panose="02040503050406030204" pitchFamily="18" charset="0"/>
-                              </a:rPr>
-                              <m:t>B</m:t>
-                            </m:r>
-                          </m:sub>
-                        </m:sSub>
-                      </m:den>
-                    </m:f>
-                    <m:r>
-                      <a:rPr lang="en-US" b="0" i="1" smtClean="0">
-                        <a:latin typeface="Cambria Math" panose="02040503050406030204" pitchFamily="18" charset="0"/>
-                      </a:rPr>
-                      <m:t>−1</m:t>
-                    </m:r>
-                  </m:oMath>
-                </a14:m>
-                <a:br>
-                  <a:rPr lang="en-US" b="0" dirty="0"/>
-                </a:br>
-                <a:r>
-                  <a:rPr lang="en-US" b="0" dirty="0"/>
-                  <a:t>Note: subscripts 0 denote the </a:t>
-                </a:r>
-                <a:r>
-                  <a:rPr lang="en-US" b="0" i="1" dirty="0"/>
-                  <a:t>reference state.</a:t>
-                </a:r>
-                <a:r>
-                  <a:rPr lang="en-US" b="0" dirty="0"/>
-                  <a:t> Can be neglected for most properties.</a:t>
-                </a:r>
-              </a:p>
-              <a:p>
-                <a14:m>
-                  <m:oMath xmlns:m="http://schemas.openxmlformats.org/officeDocument/2006/math">
-                    <m:sSub>
-                      <m:sSubPr>
-                        <m:ctrlPr>
-                          <a:rPr lang="en-US" b="0" i="1" smtClean="0">
-                            <a:latin typeface="Cambria Math" panose="02040503050406030204" pitchFamily="18" charset="0"/>
-                          </a:rPr>
-                        </m:ctrlPr>
-                      </m:sSubPr>
-                      <m:e>
-                        <m:r>
-                          <a:rPr lang="en-US" b="0" i="1" smtClean="0">
-                            <a:latin typeface="Cambria Math" panose="02040503050406030204" pitchFamily="18" charset="0"/>
-                          </a:rPr>
-                          <m:t>𝐶</m:t>
-                        </m:r>
-                      </m:e>
-                      <m:sub>
-                        <m:r>
-                          <a:rPr lang="en-US" b="0" i="1" smtClean="0">
-                            <a:latin typeface="Cambria Math" panose="02040503050406030204" pitchFamily="18" charset="0"/>
-                          </a:rPr>
-                          <m:t>𝑝</m:t>
-                        </m:r>
-                      </m:sub>
-                    </m:sSub>
-                  </m:oMath>
-                </a14:m>
-                <a:r>
-                  <a:rPr lang="en-GB" b="0" dirty="0"/>
-                  <a:t> can usually be obtained from correlations (but need to be careful)</a:t>
-                </a:r>
-              </a:p>
-            </p:txBody>
-          </p:sp>
-        </mc:Choice>
-        <mc:Fallback xmlns="">
-          <p:sp>
-            <p:nvSpPr>
-              <p:cNvPr id="3" name="Content Placeholder 2">
-                <a:extLst>
-                  <a:ext uri="{FF2B5EF4-FFF2-40B4-BE49-F238E27FC236}">
-                    <a16:creationId xmlns:a16="http://schemas.microsoft.com/office/drawing/2014/main" id="{B4C10D14-3C69-30BA-73F7-7700B21FC459}"/>
-                  </a:ext>
-                </a:extLst>
-              </p:cNvPr>
-              <p:cNvSpPr>
-                <a:spLocks noGrp="1" noRot="1" noChangeAspect="1" noMove="1" noResize="1" noEditPoints="1" noAdjustHandles="1" noChangeArrowheads="1" noChangeShapeType="1" noTextEdit="1"/>
-              </p:cNvSpPr>
-              <p:nvPr>
-                <p:ph idx="1"/>
-              </p:nvPr>
-            </p:nvSpPr>
-            <p:spPr>
-              <a:xfrm>
-                <a:off x="346844" y="1625600"/>
-                <a:ext cx="8526223" cy="4818599"/>
-              </a:xfrm>
-              <a:blipFill>
-                <a:blip r:embed="rId2"/>
-                <a:stretch>
-                  <a:fillRect l="-1339" t="-27105" r="-2232" b="-4737"/>
-                </a:stretch>
-              </a:blipFill>
-            </p:spPr>
-            <p:txBody>
-              <a:bodyPr/>
-              <a:lstStyle/>
-              <a:p>
-                <a:r>
-                  <a:rPr lang="en-US">
-                    <a:noFill/>
-                  </a:rPr>
-                  <a:t> </a:t>
-                </a:r>
-              </a:p>
-            </p:txBody>
-          </p:sp>
-        </mc:Fallback>
-      </mc:AlternateContent>
-      <p:sp>
-        <p:nvSpPr>
-          <p:cNvPr id="4" name="Footer Placeholder 3">
-            <a:extLst>
-              <a:ext uri="{FF2B5EF4-FFF2-40B4-BE49-F238E27FC236}">
-                <a16:creationId xmlns:a16="http://schemas.microsoft.com/office/drawing/2014/main" id="{8DF7973F-552F-9233-7E26-9B492978E5BA}"/>
-              </a:ext>
-            </a:extLst>
-          </p:cNvPr>
-          <p:cNvSpPr>
-            <a:spLocks noGrp="1"/>
-          </p:cNvSpPr>
-          <p:nvPr>
-            <p:ph type="ftr" sz="quarter" idx="3"/>
-          </p:nvPr>
-        </p:nvSpPr>
-        <p:spPr/>
-        <p:txBody>
-          <a:bodyPr/>
-          <a:lstStyle/>
-          <a:p>
-            <a:r>
-              <a:rPr lang="en-GB"/>
-              <a:t>© Imperial College London</a:t>
-            </a:r>
-            <a:endParaRPr lang="en-US" dirty="0"/>
-          </a:p>
-        </p:txBody>
-      </p:sp>
-      <p:sp>
-        <p:nvSpPr>
-          <p:cNvPr id="5" name="Slide Number Placeholder 4">
-            <a:extLst>
-              <a:ext uri="{FF2B5EF4-FFF2-40B4-BE49-F238E27FC236}">
-                <a16:creationId xmlns:a16="http://schemas.microsoft.com/office/drawing/2014/main" id="{54312D90-79CA-26A1-B197-B212681C0EFD}"/>
-              </a:ext>
-            </a:extLst>
-          </p:cNvPr>
-          <p:cNvSpPr>
-            <a:spLocks noGrp="1"/>
-          </p:cNvSpPr>
-          <p:nvPr>
-            <p:ph type="sldNum" sz="quarter" idx="4"/>
-          </p:nvPr>
-        </p:nvSpPr>
-        <p:spPr/>
-        <p:txBody>
-          <a:bodyPr/>
-          <a:lstStyle/>
-          <a:p>
-            <a:pPr algn="ctr"/>
-            <a:r>
-              <a:rPr lang="en-US"/>
-              <a:t>Slide </a:t>
-            </a:r>
-            <a:fld id="{3C70A08B-371D-5A4D-978C-9F5470823ED6}" type="slidenum">
-              <a:rPr lang="en-US" smtClean="0"/>
-              <a:pPr algn="ctr"/>
-              <a:t>10</a:t>
-            </a:fld>
-            <a:endParaRPr lang="en-US" dirty="0"/>
-          </a:p>
-        </p:txBody>
-      </p:sp>
-    </p:spTree>
-    <p:extLst>
-      <p:ext uri="{BB962C8B-B14F-4D97-AF65-F5344CB8AC3E}">
-        <p14:creationId xmlns:p14="http://schemas.microsoft.com/office/powerpoint/2010/main" val="3902716928"/>
-      </p:ext>
-    </p:extLst>
-  </p:cSld>
-  <p:clrMapOvr>
-    <a:masterClrMapping/>
-  </p:clrMapOvr>
-</p:sld>
-</file>
-
-<file path=ppt/slides/slide11.xml><?xml version="1.0" encoding="utf-8"?>
-<p:sld xmlns:a="http://schemas.openxmlformats.org/drawingml/2006/main" xmlns:r="http://schemas.openxmlformats.org/officeDocument/2006/relationships" xmlns:p="http://schemas.openxmlformats.org/presentationml/2006/main">
-  <p:cSld>
-    <p:spTree>
-      <p:nvGrpSpPr>
-        <p:cNvPr id="1" name=""/>
-        <p:cNvGrpSpPr/>
-        <p:nvPr/>
-      </p:nvGrpSpPr>
-      <p:grpSpPr>
-        <a:xfrm>
-          <a:off x="0" y="0"/>
-          <a:ext cx="0" cy="0"/>
-          <a:chOff x="0" y="0"/>
-          <a:chExt cx="0" cy="0"/>
-        </a:xfrm>
-      </p:grpSpPr>
-      <p:sp>
-        <p:nvSpPr>
-          <p:cNvPr id="2" name="Title 1">
-            <a:extLst>
-              <a:ext uri="{FF2B5EF4-FFF2-40B4-BE49-F238E27FC236}">
-                <a16:creationId xmlns:a16="http://schemas.microsoft.com/office/drawing/2014/main" id="{7B8E600C-ED71-DB01-9319-122CDA0B4D10}"/>
-              </a:ext>
-            </a:extLst>
-          </p:cNvPr>
-          <p:cNvSpPr>
-            <a:spLocks noGrp="1"/>
-          </p:cNvSpPr>
-          <p:nvPr>
-            <p:ph type="title"/>
-          </p:nvPr>
-        </p:nvSpPr>
-        <p:spPr/>
-        <p:txBody>
-          <a:bodyPr/>
-          <a:lstStyle/>
-          <a:p>
-            <a:r>
-              <a:rPr lang="en-GB" dirty="0"/>
-              <a:t>Ideal Gas Equation</a:t>
-            </a:r>
-          </a:p>
-        </p:txBody>
-      </p:sp>
-      <mc:AlternateContent xmlns:mc="http://schemas.openxmlformats.org/markup-compatibility/2006" xmlns:a14="http://schemas.microsoft.com/office/drawing/2010/main">
-        <mc:Choice Requires="a14">
-          <p:sp>
-            <p:nvSpPr>
-              <p:cNvPr id="3" name="Content Placeholder 2">
-                <a:extLst>
-                  <a:ext uri="{FF2B5EF4-FFF2-40B4-BE49-F238E27FC236}">
-                    <a16:creationId xmlns:a16="http://schemas.microsoft.com/office/drawing/2014/main" id="{B4C10D14-3C69-30BA-73F7-7700B21FC459}"/>
-                  </a:ext>
-                </a:extLst>
-              </p:cNvPr>
-              <p:cNvSpPr>
-                <a:spLocks noGrp="1"/>
-              </p:cNvSpPr>
-              <p:nvPr>
-                <p:ph idx="1"/>
-              </p:nvPr>
-            </p:nvSpPr>
-            <p:spPr>
-              <a:xfrm>
-                <a:off x="346844" y="1625600"/>
-                <a:ext cx="8526223" cy="4818599"/>
-              </a:xfrm>
-            </p:spPr>
-            <p:txBody>
-              <a:bodyPr>
-                <a:normAutofit/>
-              </a:bodyPr>
-              <a:lstStyle/>
-              <a:p>
                 <a14:m>
                   <m:oMath xmlns:m="http://schemas.openxmlformats.org/officeDocument/2006/math">
                     <m:sSub>
@@ -8861,7 +8027,7 @@
             <a:fld id="{3C70A08B-371D-5A4D-978C-9F5470823ED6}" type="slidenum">
               <a:rPr lang="en-US" smtClean="0"/>
               <a:pPr algn="ctr"/>
-              <a:t>11</a:t>
+              <a:t>10</a:t>
             </a:fld>
             <a:endParaRPr lang="en-US" dirty="0"/>
           </a:p>
@@ -8956,7 +8122,7 @@
 </p:sld>
 </file>
 
-<file path=ppt/slides/slide12.xml><?xml version="1.0" encoding="utf-8"?>
+<file path=ppt/slides/slide11.xml><?xml version="1.0" encoding="utf-8"?>
 <p:sld xmlns:a="http://schemas.openxmlformats.org/drawingml/2006/main" xmlns:r="http://schemas.openxmlformats.org/officeDocument/2006/relationships" xmlns:p="http://schemas.openxmlformats.org/presentationml/2006/main">
   <p:cSld>
     <p:spTree>
@@ -9302,7 +8468,7 @@
             <a:fld id="{3C70A08B-371D-5A4D-978C-9F5470823ED6}" type="slidenum">
               <a:rPr lang="en-US" smtClean="0"/>
               <a:pPr algn="ctr"/>
-              <a:t>12</a:t>
+              <a:t>11</a:t>
             </a:fld>
             <a:endParaRPr lang="en-US" dirty="0"/>
           </a:p>
@@ -9318,10 +8484,143 @@
   <p:clrMapOvr>
     <a:masterClrMapping/>
   </p:clrMapOvr>
+  <p:timing>
+    <p:tnLst>
+      <p:par>
+        <p:cTn id="1" dur="indefinite" restart="never" nodeType="tmRoot">
+          <p:childTnLst>
+            <p:seq concurrent="1" nextAc="seek">
+              <p:cTn id="2" dur="indefinite" nodeType="mainSeq">
+                <p:childTnLst>
+                  <p:par>
+                    <p:cTn id="3" fill="hold">
+                      <p:stCondLst>
+                        <p:cond delay="indefinite"/>
+                      </p:stCondLst>
+                      <p:childTnLst>
+                        <p:par>
+                          <p:cTn id="4" fill="hold">
+                            <p:stCondLst>
+                              <p:cond delay="0"/>
+                            </p:stCondLst>
+                            <p:childTnLst>
+                              <p:par>
+                                <p:cTn id="5" presetID="2" presetClass="entr" presetSubtype="4" fill="hold" nodeType="clickEffect">
+                                  <p:stCondLst>
+                                    <p:cond delay="0"/>
+                                  </p:stCondLst>
+                                  <p:childTnLst>
+                                    <p:set>
+                                      <p:cBhvr>
+                                        <p:cTn id="6" dur="1" fill="hold">
+                                          <p:stCondLst>
+                                            <p:cond delay="0"/>
+                                          </p:stCondLst>
+                                        </p:cTn>
+                                        <p:tgtEl>
+                                          <p:spTgt spid="3">
+                                            <p:txEl>
+                                              <p:pRg st="1" end="1"/>
+                                            </p:txEl>
+                                          </p:spTgt>
+                                        </p:tgtEl>
+                                        <p:attrNameLst>
+                                          <p:attrName>style.visibility</p:attrName>
+                                        </p:attrNameLst>
+                                      </p:cBhvr>
+                                      <p:to>
+                                        <p:strVal val="visible"/>
+                                      </p:to>
+                                    </p:set>
+                                    <p:anim calcmode="lin" valueType="num">
+                                      <p:cBhvr additive="base">
+                                        <p:cTn id="7" dur="500" fill="hold"/>
+                                        <p:tgtEl>
+                                          <p:spTgt spid="3">
+                                            <p:txEl>
+                                              <p:pRg st="1" end="1"/>
+                                            </p:txEl>
+                                          </p:spTgt>
+                                        </p:tgtEl>
+                                        <p:attrNameLst>
+                                          <p:attrName>ppt_x</p:attrName>
+                                        </p:attrNameLst>
+                                      </p:cBhvr>
+                                      <p:tavLst>
+                                        <p:tav tm="0">
+                                          <p:val>
+                                            <p:strVal val="#ppt_x"/>
+                                          </p:val>
+                                        </p:tav>
+                                        <p:tav tm="100000">
+                                          <p:val>
+                                            <p:strVal val="#ppt_x"/>
+                                          </p:val>
+                                        </p:tav>
+                                      </p:tavLst>
+                                    </p:anim>
+                                    <p:anim calcmode="lin" valueType="num">
+                                      <p:cBhvr additive="base">
+                                        <p:cTn id="8" dur="500" fill="hold"/>
+                                        <p:tgtEl>
+                                          <p:spTgt spid="3">
+                                            <p:txEl>
+                                              <p:pRg st="1" end="1"/>
+                                            </p:txEl>
+                                          </p:spTgt>
+                                        </p:tgtEl>
+                                        <p:attrNameLst>
+                                          <p:attrName>ppt_y</p:attrName>
+                                        </p:attrNameLst>
+                                      </p:cBhvr>
+                                      <p:tavLst>
+                                        <p:tav tm="0">
+                                          <p:val>
+                                            <p:strVal val="1+#ppt_h/2"/>
+                                          </p:val>
+                                        </p:tav>
+                                        <p:tav tm="100000">
+                                          <p:val>
+                                            <p:strVal val="#ppt_y"/>
+                                          </p:val>
+                                        </p:tav>
+                                      </p:tavLst>
+                                    </p:anim>
+                                  </p:childTnLst>
+                                </p:cTn>
+                              </p:par>
+                            </p:childTnLst>
+                          </p:cTn>
+                        </p:par>
+                      </p:childTnLst>
+                    </p:cTn>
+                  </p:par>
+                </p:childTnLst>
+              </p:cTn>
+              <p:prevCondLst>
+                <p:cond evt="onPrev" delay="0">
+                  <p:tgtEl>
+                    <p:sldTgt/>
+                  </p:tgtEl>
+                </p:cond>
+              </p:prevCondLst>
+              <p:nextCondLst>
+                <p:cond evt="onNext" delay="0">
+                  <p:tgtEl>
+                    <p:sldTgt/>
+                  </p:tgtEl>
+                </p:cond>
+              </p:nextCondLst>
+            </p:seq>
+          </p:childTnLst>
+        </p:cTn>
+      </p:par>
+    </p:tnLst>
+  </p:timing>
 </p:sld>
 </file>
 
-<file path=ppt/slides/slide13.xml><?xml version="1.0" encoding="utf-8"?>
+<file path=ppt/slides/slide12.xml><?xml version="1.0" encoding="utf-8"?>
 <p:sld xmlns:a="http://schemas.openxmlformats.org/drawingml/2006/main" xmlns:r="http://schemas.openxmlformats.org/officeDocument/2006/relationships" xmlns:p="http://schemas.openxmlformats.org/presentationml/2006/main">
   <p:cSld>
     <p:spTree>
@@ -9494,7 +8793,7 @@
             <a:fld id="{3C70A08B-371D-5A4D-978C-9F5470823ED6}" type="slidenum">
               <a:rPr lang="en-US" smtClean="0"/>
               <a:pPr algn="ctr"/>
-              <a:t>13</a:t>
+              <a:t>12</a:t>
             </a:fld>
             <a:endParaRPr lang="en-US" dirty="0"/>
           </a:p>
@@ -9540,10 +8839,196 @@
   <p:clrMapOvr>
     <a:masterClrMapping/>
   </p:clrMapOvr>
+  <p:timing>
+    <p:tnLst>
+      <p:par>
+        <p:cTn id="1" dur="indefinite" restart="never" nodeType="tmRoot">
+          <p:childTnLst>
+            <p:seq concurrent="1" nextAc="seek">
+              <p:cTn id="2" dur="indefinite" nodeType="mainSeq">
+                <p:childTnLst>
+                  <p:par>
+                    <p:cTn id="3" fill="hold">
+                      <p:stCondLst>
+                        <p:cond delay="indefinite"/>
+                      </p:stCondLst>
+                      <p:childTnLst>
+                        <p:par>
+                          <p:cTn id="4" fill="hold">
+                            <p:stCondLst>
+                              <p:cond delay="0"/>
+                            </p:stCondLst>
+                            <p:childTnLst>
+                              <p:par>
+                                <p:cTn id="5" presetID="2" presetClass="entr" presetSubtype="4" fill="hold" nodeType="clickEffect">
+                                  <p:stCondLst>
+                                    <p:cond delay="0"/>
+                                  </p:stCondLst>
+                                  <p:childTnLst>
+                                    <p:set>
+                                      <p:cBhvr>
+                                        <p:cTn id="6" dur="1" fill="hold">
+                                          <p:stCondLst>
+                                            <p:cond delay="0"/>
+                                          </p:stCondLst>
+                                        </p:cTn>
+                                        <p:tgtEl>
+                                          <p:spTgt spid="3">
+                                            <p:txEl>
+                                              <p:pRg st="1" end="1"/>
+                                            </p:txEl>
+                                          </p:spTgt>
+                                        </p:tgtEl>
+                                        <p:attrNameLst>
+                                          <p:attrName>style.visibility</p:attrName>
+                                        </p:attrNameLst>
+                                      </p:cBhvr>
+                                      <p:to>
+                                        <p:strVal val="visible"/>
+                                      </p:to>
+                                    </p:set>
+                                    <p:anim calcmode="lin" valueType="num">
+                                      <p:cBhvr additive="base">
+                                        <p:cTn id="7" dur="500" fill="hold"/>
+                                        <p:tgtEl>
+                                          <p:spTgt spid="3">
+                                            <p:txEl>
+                                              <p:pRg st="1" end="1"/>
+                                            </p:txEl>
+                                          </p:spTgt>
+                                        </p:tgtEl>
+                                        <p:attrNameLst>
+                                          <p:attrName>ppt_x</p:attrName>
+                                        </p:attrNameLst>
+                                      </p:cBhvr>
+                                      <p:tavLst>
+                                        <p:tav tm="0">
+                                          <p:val>
+                                            <p:strVal val="#ppt_x"/>
+                                          </p:val>
+                                        </p:tav>
+                                        <p:tav tm="100000">
+                                          <p:val>
+                                            <p:strVal val="#ppt_x"/>
+                                          </p:val>
+                                        </p:tav>
+                                      </p:tavLst>
+                                    </p:anim>
+                                    <p:anim calcmode="lin" valueType="num">
+                                      <p:cBhvr additive="base">
+                                        <p:cTn id="8" dur="500" fill="hold"/>
+                                        <p:tgtEl>
+                                          <p:spTgt spid="3">
+                                            <p:txEl>
+                                              <p:pRg st="1" end="1"/>
+                                            </p:txEl>
+                                          </p:spTgt>
+                                        </p:tgtEl>
+                                        <p:attrNameLst>
+                                          <p:attrName>ppt_y</p:attrName>
+                                        </p:attrNameLst>
+                                      </p:cBhvr>
+                                      <p:tavLst>
+                                        <p:tav tm="0">
+                                          <p:val>
+                                            <p:strVal val="1+#ppt_h/2"/>
+                                          </p:val>
+                                        </p:tav>
+                                        <p:tav tm="100000">
+                                          <p:val>
+                                            <p:strVal val="#ppt_y"/>
+                                          </p:val>
+                                        </p:tav>
+                                      </p:tavLst>
+                                    </p:anim>
+                                  </p:childTnLst>
+                                </p:cTn>
+                              </p:par>
+                            </p:childTnLst>
+                          </p:cTn>
+                        </p:par>
+                      </p:childTnLst>
+                    </p:cTn>
+                  </p:par>
+                  <p:par>
+                    <p:cTn id="9" fill="hold">
+                      <p:stCondLst>
+                        <p:cond delay="indefinite"/>
+                      </p:stCondLst>
+                      <p:childTnLst>
+                        <p:par>
+                          <p:cTn id="10" fill="hold">
+                            <p:stCondLst>
+                              <p:cond delay="0"/>
+                            </p:stCondLst>
+                            <p:childTnLst>
+                              <p:par>
+                                <p:cTn id="11" presetID="9" presetClass="entr" presetSubtype="0" fill="hold" nodeType="clickEffect">
+                                  <p:stCondLst>
+                                    <p:cond delay="0"/>
+                                  </p:stCondLst>
+                                  <p:childTnLst>
+                                    <p:set>
+                                      <p:cBhvr>
+                                        <p:cTn id="12" dur="1" fill="hold">
+                                          <p:stCondLst>
+                                            <p:cond delay="0"/>
+                                          </p:stCondLst>
+                                        </p:cTn>
+                                        <p:tgtEl>
+                                          <p:spTgt spid="7"/>
+                                        </p:tgtEl>
+                                        <p:attrNameLst>
+                                          <p:attrName>style.visibility</p:attrName>
+                                        </p:attrNameLst>
+                                      </p:cBhvr>
+                                      <p:to>
+                                        <p:strVal val="visible"/>
+                                      </p:to>
+                                    </p:set>
+                                    <p:animEffect transition="in" filter="dissolve">
+                                      <p:cBhvr>
+                                        <p:cTn id="13" dur="500"/>
+                                        <p:tgtEl>
+                                          <p:spTgt spid="7"/>
+                                        </p:tgtEl>
+                                      </p:cBhvr>
+                                    </p:animEffect>
+                                  </p:childTnLst>
+                                </p:cTn>
+                              </p:par>
+                            </p:childTnLst>
+                          </p:cTn>
+                        </p:par>
+                      </p:childTnLst>
+                    </p:cTn>
+                  </p:par>
+                </p:childTnLst>
+              </p:cTn>
+              <p:prevCondLst>
+                <p:cond evt="onPrev" delay="0">
+                  <p:tgtEl>
+                    <p:sldTgt/>
+                  </p:tgtEl>
+                </p:cond>
+              </p:prevCondLst>
+              <p:nextCondLst>
+                <p:cond evt="onNext" delay="0">
+                  <p:tgtEl>
+                    <p:sldTgt/>
+                  </p:tgtEl>
+                </p:cond>
+              </p:nextCondLst>
+            </p:seq>
+          </p:childTnLst>
+        </p:cTn>
+      </p:par>
+    </p:tnLst>
+  </p:timing>
 </p:sld>
 </file>
 
-<file path=ppt/slides/slide14.xml><?xml version="1.0" encoding="utf-8"?>
+<file path=ppt/slides/slide13.xml><?xml version="1.0" encoding="utf-8"?>
 <p:sld xmlns:a="http://schemas.openxmlformats.org/drawingml/2006/main" xmlns:r="http://schemas.openxmlformats.org/officeDocument/2006/relationships" xmlns:p="http://schemas.openxmlformats.org/presentationml/2006/main">
   <p:cSld>
     <p:spTree>
@@ -10370,7 +9855,7 @@
             <a:fld id="{3C70A08B-371D-5A4D-978C-9F5470823ED6}" type="slidenum">
               <a:rPr lang="en-US" smtClean="0"/>
               <a:pPr algn="ctr"/>
-              <a:t>14</a:t>
+              <a:t>13</a:t>
             </a:fld>
             <a:endParaRPr lang="en-US" dirty="0"/>
           </a:p>
@@ -10389,7 +9874,7 @@
 </p:sld>
 </file>
 
-<file path=ppt/slides/slide15.xml><?xml version="1.0" encoding="utf-8"?>
+<file path=ppt/slides/slide14.xml><?xml version="1.0" encoding="utf-8"?>
 <p:sld xmlns:a="http://schemas.openxmlformats.org/drawingml/2006/main" xmlns:r="http://schemas.openxmlformats.org/officeDocument/2006/relationships" xmlns:p="http://schemas.openxmlformats.org/presentationml/2006/main">
   <p:cSld>
     <p:spTree>
@@ -10573,503 +10058,566 @@
             <a:fld id="{3C70A08B-371D-5A4D-978C-9F5470823ED6}" type="slidenum">
               <a:rPr lang="en-US" smtClean="0"/>
               <a:pPr algn="ctr"/>
-              <a:t>15</a:t>
+              <a:t>14</a:t>
             </a:fld>
             <a:endParaRPr lang="en-US" dirty="0"/>
           </a:p>
         </p:txBody>
       </p:sp>
-      <p:pic>
-        <p:nvPicPr>
-          <p:cNvPr id="6" name="Picture 5">
+      <p:grpSp>
+        <p:nvGrpSpPr>
+          <p:cNvPr id="18" name="Group 17">
             <a:extLst>
               <a:ext uri="{FF2B5EF4-FFF2-40B4-BE49-F238E27FC236}">
-                <a16:creationId xmlns:a16="http://schemas.microsoft.com/office/drawing/2014/main" id="{5D33F808-897E-6B10-45B5-F4237CD9B365}"/>
+                <a16:creationId xmlns:a16="http://schemas.microsoft.com/office/drawing/2014/main" id="{42CAE188-B822-FA79-22BE-08657961A1E1}"/>
               </a:ext>
             </a:extLst>
           </p:cNvPr>
-          <p:cNvPicPr>
-            <a:picLocks noChangeAspect="1"/>
-          </p:cNvPicPr>
+          <p:cNvGrpSpPr/>
           <p:nvPr/>
-        </p:nvPicPr>
-        <p:blipFill rotWithShape="1">
-          <a:blip r:embed="rId2">
-            <a:clrChange>
-              <a:clrFrom>
-                <a:srgbClr val="000000">
-                  <a:alpha val="0"/>
-                </a:srgbClr>
-              </a:clrFrom>
-              <a:clrTo>
-                <a:srgbClr val="000000">
-                  <a:alpha val="0"/>
-                </a:srgbClr>
-              </a:clrTo>
-            </a:clrChange>
-          </a:blip>
-          <a:srcRect l="69861" b="34635"/>
-          <a:stretch/>
-        </p:blipFill>
-        <p:spPr>
+        </p:nvGrpSpPr>
+        <p:grpSpPr>
           <a:xfrm>
-            <a:off x="1335711" y="4803268"/>
-            <a:ext cx="2342489" cy="1270114"/>
+            <a:off x="1260761" y="4701678"/>
+            <a:ext cx="6269457" cy="1451299"/>
+            <a:chOff x="1260761" y="4701678"/>
+            <a:chExt cx="6269457" cy="1451299"/>
           </a:xfrm>
-          <a:prstGeom prst="rect">
-            <a:avLst/>
-          </a:prstGeom>
-        </p:spPr>
-      </p:pic>
-      <p:sp>
-        <p:nvSpPr>
-          <p:cNvPr id="8" name="Oval 7">
-            <a:extLst>
-              <a:ext uri="{FF2B5EF4-FFF2-40B4-BE49-F238E27FC236}">
-                <a16:creationId xmlns:a16="http://schemas.microsoft.com/office/drawing/2014/main" id="{40DD1737-0C64-B20D-FC86-2FEEB639E352}"/>
-              </a:ext>
-            </a:extLst>
-          </p:cNvPr>
-          <p:cNvSpPr/>
-          <p:nvPr/>
-        </p:nvSpPr>
-        <p:spPr>
-          <a:xfrm rot="1932321">
-            <a:off x="1260761" y="4799728"/>
-            <a:ext cx="914400" cy="1001465"/>
-          </a:xfrm>
-          <a:prstGeom prst="ellipse">
-            <a:avLst/>
-          </a:prstGeom>
-          <a:noFill/>
-          <a:ln w="28575">
-            <a:solidFill>
-              <a:srgbClr val="0070C0"/>
-            </a:solidFill>
-            <a:prstDash val="dash"/>
-          </a:ln>
-          <a:effectLst/>
-        </p:spPr>
-        <p:style>
-          <a:lnRef idx="1">
-            <a:schemeClr val="accent1"/>
-          </a:lnRef>
-          <a:fillRef idx="3">
-            <a:schemeClr val="accent1"/>
-          </a:fillRef>
-          <a:effectRef idx="2">
-            <a:schemeClr val="accent1"/>
-          </a:effectRef>
-          <a:fontRef idx="minor">
-            <a:schemeClr val="lt1"/>
-          </a:fontRef>
-        </p:style>
-        <p:txBody>
-          <a:bodyPr rtlCol="0" anchor="ctr"/>
-          <a:lstStyle/>
-          <a:p>
-            <a:pPr algn="ctr"/>
-            <a:endParaRPr lang="en-US"/>
-          </a:p>
-        </p:txBody>
-      </p:sp>
-      <p:sp>
-        <p:nvSpPr>
-          <p:cNvPr id="9" name="Oval 8">
-            <a:extLst>
-              <a:ext uri="{FF2B5EF4-FFF2-40B4-BE49-F238E27FC236}">
-                <a16:creationId xmlns:a16="http://schemas.microsoft.com/office/drawing/2014/main" id="{3D963874-EAAD-56D1-654F-F6F04D2C6047}"/>
-              </a:ext>
-            </a:extLst>
-          </p:cNvPr>
-          <p:cNvSpPr/>
-          <p:nvPr/>
-        </p:nvSpPr>
-        <p:spPr>
-          <a:xfrm>
-            <a:off x="1873577" y="5310527"/>
-            <a:ext cx="846318" cy="842450"/>
-          </a:xfrm>
-          <a:prstGeom prst="ellipse">
-            <a:avLst/>
-          </a:prstGeom>
-          <a:noFill/>
-          <a:ln w="28575">
-            <a:solidFill>
-              <a:srgbClr val="00B050"/>
-            </a:solidFill>
-            <a:prstDash val="dash"/>
-          </a:ln>
-          <a:effectLst/>
-        </p:spPr>
-        <p:style>
-          <a:lnRef idx="1">
-            <a:schemeClr val="accent1"/>
-          </a:lnRef>
-          <a:fillRef idx="3">
-            <a:schemeClr val="accent1"/>
-          </a:fillRef>
-          <a:effectRef idx="2">
-            <a:schemeClr val="accent1"/>
-          </a:effectRef>
-          <a:fontRef idx="minor">
-            <a:schemeClr val="lt1"/>
-          </a:fontRef>
-        </p:style>
-        <p:txBody>
-          <a:bodyPr rtlCol="0" anchor="ctr"/>
-          <a:lstStyle/>
-          <a:p>
-            <a:pPr algn="ctr"/>
-            <a:endParaRPr lang="en-US"/>
-          </a:p>
-        </p:txBody>
-      </p:sp>
-      <p:sp>
-        <p:nvSpPr>
-          <p:cNvPr id="10" name="Oval 9">
-            <a:extLst>
-              <a:ext uri="{FF2B5EF4-FFF2-40B4-BE49-F238E27FC236}">
-                <a16:creationId xmlns:a16="http://schemas.microsoft.com/office/drawing/2014/main" id="{368A9F83-EF45-4517-0A11-D47DD1C25583}"/>
-              </a:ext>
-            </a:extLst>
-          </p:cNvPr>
-          <p:cNvSpPr/>
-          <p:nvPr/>
-        </p:nvSpPr>
-        <p:spPr>
-          <a:xfrm>
-            <a:off x="2296736" y="4701678"/>
-            <a:ext cx="846318" cy="842450"/>
-          </a:xfrm>
-          <a:prstGeom prst="ellipse">
-            <a:avLst/>
-          </a:prstGeom>
-          <a:noFill/>
-          <a:ln w="28575">
-            <a:solidFill>
-              <a:srgbClr val="00B050"/>
-            </a:solidFill>
-            <a:prstDash val="dash"/>
-          </a:ln>
-          <a:effectLst/>
-        </p:spPr>
-        <p:style>
-          <a:lnRef idx="1">
-            <a:schemeClr val="accent1"/>
-          </a:lnRef>
-          <a:fillRef idx="3">
-            <a:schemeClr val="accent1"/>
-          </a:fillRef>
-          <a:effectRef idx="2">
-            <a:schemeClr val="accent1"/>
-          </a:effectRef>
-          <a:fontRef idx="minor">
-            <a:schemeClr val="lt1"/>
-          </a:fontRef>
-        </p:style>
-        <p:txBody>
-          <a:bodyPr rtlCol="0" anchor="ctr"/>
-          <a:lstStyle/>
-          <a:p>
-            <a:pPr algn="ctr"/>
-            <a:endParaRPr lang="en-US"/>
-          </a:p>
-        </p:txBody>
-      </p:sp>
-      <p:sp>
-        <p:nvSpPr>
-          <p:cNvPr id="11" name="Oval 10">
-            <a:extLst>
-              <a:ext uri="{FF2B5EF4-FFF2-40B4-BE49-F238E27FC236}">
-                <a16:creationId xmlns:a16="http://schemas.microsoft.com/office/drawing/2014/main" id="{D1E963BA-A46B-8B05-5C2D-C1EFE49BEB73}"/>
-              </a:ext>
-            </a:extLst>
-          </p:cNvPr>
-          <p:cNvSpPr/>
-          <p:nvPr/>
-        </p:nvSpPr>
-        <p:spPr>
-          <a:xfrm rot="19782221">
-            <a:off x="2834603" y="5051467"/>
-            <a:ext cx="846318" cy="697195"/>
-          </a:xfrm>
-          <a:prstGeom prst="ellipse">
-            <a:avLst/>
-          </a:prstGeom>
-          <a:noFill/>
-          <a:ln w="28575">
-            <a:solidFill>
-              <a:srgbClr val="FF0000"/>
-            </a:solidFill>
-            <a:prstDash val="dash"/>
-          </a:ln>
-          <a:effectLst/>
-        </p:spPr>
-        <p:style>
-          <a:lnRef idx="1">
-            <a:schemeClr val="accent1"/>
-          </a:lnRef>
-          <a:fillRef idx="3">
-            <a:schemeClr val="accent1"/>
-          </a:fillRef>
-          <a:effectRef idx="2">
-            <a:schemeClr val="accent1"/>
-          </a:effectRef>
-          <a:fontRef idx="minor">
-            <a:schemeClr val="lt1"/>
-          </a:fontRef>
-        </p:style>
-        <p:txBody>
-          <a:bodyPr rtlCol="0" anchor="ctr"/>
-          <a:lstStyle/>
-          <a:p>
-            <a:pPr algn="ctr"/>
-            <a:endParaRPr lang="en-US"/>
-          </a:p>
-        </p:txBody>
-      </p:sp>
-      <p:sp>
-        <p:nvSpPr>
-          <p:cNvPr id="12" name="TextBox 11">
-            <a:extLst>
-              <a:ext uri="{FF2B5EF4-FFF2-40B4-BE49-F238E27FC236}">
-                <a16:creationId xmlns:a16="http://schemas.microsoft.com/office/drawing/2014/main" id="{7F19BC28-C390-2E77-A18F-1B04AE800209}"/>
-              </a:ext>
-            </a:extLst>
-          </p:cNvPr>
-          <p:cNvSpPr txBox="1"/>
-          <p:nvPr/>
-        </p:nvSpPr>
-        <p:spPr>
-          <a:xfrm>
-            <a:off x="3986582" y="4970790"/>
-            <a:ext cx="585418" cy="523220"/>
-          </a:xfrm>
-          <a:prstGeom prst="rect">
-            <a:avLst/>
-          </a:prstGeom>
-          <a:noFill/>
-        </p:spPr>
-        <p:txBody>
-          <a:bodyPr wrap="none" rtlCol="0">
-            <a:spAutoFit/>
-          </a:bodyPr>
-          <a:lstStyle/>
-          <a:p>
-            <a:pPr algn="ctr"/>
-            <a:r>
-              <a:rPr lang="en-US" sz="2800" b="1" dirty="0">
+        </p:grpSpPr>
+        <p:grpSp>
+          <p:nvGrpSpPr>
+            <p:cNvPr id="7" name="Group 6">
+              <a:extLst>
+                <a:ext uri="{FF2B5EF4-FFF2-40B4-BE49-F238E27FC236}">
+                  <a16:creationId xmlns:a16="http://schemas.microsoft.com/office/drawing/2014/main" id="{899C1493-A21E-4709-1D5D-DA676ACBDC65}"/>
+                </a:ext>
+              </a:extLst>
+            </p:cNvPr>
+            <p:cNvGrpSpPr/>
+            <p:nvPr/>
+          </p:nvGrpSpPr>
+          <p:grpSpPr>
+            <a:xfrm>
+              <a:off x="1260761" y="4701678"/>
+              <a:ext cx="2420160" cy="1451299"/>
+              <a:chOff x="1260761" y="4701678"/>
+              <a:chExt cx="2420160" cy="1451299"/>
+            </a:xfrm>
+          </p:grpSpPr>
+          <p:pic>
+            <p:nvPicPr>
+              <p:cNvPr id="6" name="Picture 5">
+                <a:extLst>
+                  <a:ext uri="{FF2B5EF4-FFF2-40B4-BE49-F238E27FC236}">
+                    <a16:creationId xmlns:a16="http://schemas.microsoft.com/office/drawing/2014/main" id="{5D33F808-897E-6B10-45B5-F4237CD9B365}"/>
+                  </a:ext>
+                </a:extLst>
+              </p:cNvPr>
+              <p:cNvPicPr>
+                <a:picLocks noChangeAspect="1"/>
+              </p:cNvPicPr>
+              <p:nvPr/>
+            </p:nvPicPr>
+            <p:blipFill rotWithShape="1">
+              <a:blip r:embed="rId3">
+                <a:clrChange>
+                  <a:clrFrom>
+                    <a:srgbClr val="000000">
+                      <a:alpha val="0"/>
+                    </a:srgbClr>
+                  </a:clrFrom>
+                  <a:clrTo>
+                    <a:srgbClr val="000000">
+                      <a:alpha val="0"/>
+                    </a:srgbClr>
+                  </a:clrTo>
+                </a:clrChange>
+              </a:blip>
+              <a:srcRect l="69861" b="34635"/>
+              <a:stretch/>
+            </p:blipFill>
+            <p:spPr>
+              <a:xfrm>
+                <a:off x="1335711" y="4803268"/>
+                <a:ext cx="2342489" cy="1270114"/>
+              </a:xfrm>
+              <a:prstGeom prst="rect">
+                <a:avLst/>
+              </a:prstGeom>
+            </p:spPr>
+          </p:pic>
+          <p:sp>
+            <p:nvSpPr>
+              <p:cNvPr id="8" name="Oval 7">
+                <a:extLst>
+                  <a:ext uri="{FF2B5EF4-FFF2-40B4-BE49-F238E27FC236}">
+                    <a16:creationId xmlns:a16="http://schemas.microsoft.com/office/drawing/2014/main" id="{40DD1737-0C64-B20D-FC86-2FEEB639E352}"/>
+                  </a:ext>
+                </a:extLst>
+              </p:cNvPr>
+              <p:cNvSpPr/>
+              <p:nvPr/>
+            </p:nvSpPr>
+            <p:spPr>
+              <a:xfrm rot="1932321">
+                <a:off x="1260761" y="4799728"/>
+                <a:ext cx="914400" cy="1001465"/>
+              </a:xfrm>
+              <a:prstGeom prst="ellipse">
+                <a:avLst/>
+              </a:prstGeom>
+              <a:noFill/>
+              <a:ln w="28575">
+                <a:solidFill>
+                  <a:srgbClr val="0070C0"/>
+                </a:solidFill>
+                <a:prstDash val="dash"/>
+              </a:ln>
+              <a:effectLst/>
+            </p:spPr>
+            <p:style>
+              <a:lnRef idx="1">
+                <a:schemeClr val="accent1"/>
+              </a:lnRef>
+              <a:fillRef idx="3">
+                <a:schemeClr val="accent1"/>
+              </a:fillRef>
+              <a:effectRef idx="2">
+                <a:schemeClr val="accent1"/>
+              </a:effectRef>
+              <a:fontRef idx="minor">
+                <a:schemeClr val="lt1"/>
+              </a:fontRef>
+            </p:style>
+            <p:txBody>
+              <a:bodyPr rtlCol="0" anchor="ctr"/>
+              <a:lstStyle/>
+              <a:p>
+                <a:pPr algn="ctr"/>
+                <a:endParaRPr lang="en-US"/>
+              </a:p>
+            </p:txBody>
+          </p:sp>
+          <p:sp>
+            <p:nvSpPr>
+              <p:cNvPr id="9" name="Oval 8">
+                <a:extLst>
+                  <a:ext uri="{FF2B5EF4-FFF2-40B4-BE49-F238E27FC236}">
+                    <a16:creationId xmlns:a16="http://schemas.microsoft.com/office/drawing/2014/main" id="{3D963874-EAAD-56D1-654F-F6F04D2C6047}"/>
+                  </a:ext>
+                </a:extLst>
+              </p:cNvPr>
+              <p:cNvSpPr/>
+              <p:nvPr/>
+            </p:nvSpPr>
+            <p:spPr>
+              <a:xfrm>
+                <a:off x="1873577" y="5310527"/>
+                <a:ext cx="846318" cy="842450"/>
+              </a:xfrm>
+              <a:prstGeom prst="ellipse">
+                <a:avLst/>
+              </a:prstGeom>
+              <a:noFill/>
+              <a:ln w="28575">
+                <a:solidFill>
+                  <a:srgbClr val="00B050"/>
+                </a:solidFill>
+                <a:prstDash val="dash"/>
+              </a:ln>
+              <a:effectLst/>
+            </p:spPr>
+            <p:style>
+              <a:lnRef idx="1">
+                <a:schemeClr val="accent1"/>
+              </a:lnRef>
+              <a:fillRef idx="3">
+                <a:schemeClr val="accent1"/>
+              </a:fillRef>
+              <a:effectRef idx="2">
+                <a:schemeClr val="accent1"/>
+              </a:effectRef>
+              <a:fontRef idx="minor">
+                <a:schemeClr val="lt1"/>
+              </a:fontRef>
+            </p:style>
+            <p:txBody>
+              <a:bodyPr rtlCol="0" anchor="ctr"/>
+              <a:lstStyle/>
+              <a:p>
+                <a:pPr algn="ctr"/>
+                <a:endParaRPr lang="en-US"/>
+              </a:p>
+            </p:txBody>
+          </p:sp>
+          <p:sp>
+            <p:nvSpPr>
+              <p:cNvPr id="10" name="Oval 9">
+                <a:extLst>
+                  <a:ext uri="{FF2B5EF4-FFF2-40B4-BE49-F238E27FC236}">
+                    <a16:creationId xmlns:a16="http://schemas.microsoft.com/office/drawing/2014/main" id="{368A9F83-EF45-4517-0A11-D47DD1C25583}"/>
+                  </a:ext>
+                </a:extLst>
+              </p:cNvPr>
+              <p:cNvSpPr/>
+              <p:nvPr/>
+            </p:nvSpPr>
+            <p:spPr>
+              <a:xfrm>
+                <a:off x="2296736" y="4701678"/>
+                <a:ext cx="846318" cy="842450"/>
+              </a:xfrm>
+              <a:prstGeom prst="ellipse">
+                <a:avLst/>
+              </a:prstGeom>
+              <a:noFill/>
+              <a:ln w="28575">
+                <a:solidFill>
+                  <a:srgbClr val="00B050"/>
+                </a:solidFill>
+                <a:prstDash val="dash"/>
+              </a:ln>
+              <a:effectLst/>
+            </p:spPr>
+            <p:style>
+              <a:lnRef idx="1">
+                <a:schemeClr val="accent1"/>
+              </a:lnRef>
+              <a:fillRef idx="3">
+                <a:schemeClr val="accent1"/>
+              </a:fillRef>
+              <a:effectRef idx="2">
+                <a:schemeClr val="accent1"/>
+              </a:effectRef>
+              <a:fontRef idx="minor">
+                <a:schemeClr val="lt1"/>
+              </a:fontRef>
+            </p:style>
+            <p:txBody>
+              <a:bodyPr rtlCol="0" anchor="ctr"/>
+              <a:lstStyle/>
+              <a:p>
+                <a:pPr algn="ctr"/>
+                <a:endParaRPr lang="en-US"/>
+              </a:p>
+            </p:txBody>
+          </p:sp>
+          <p:sp>
+            <p:nvSpPr>
+              <p:cNvPr id="11" name="Oval 10">
+                <a:extLst>
+                  <a:ext uri="{FF2B5EF4-FFF2-40B4-BE49-F238E27FC236}">
+                    <a16:creationId xmlns:a16="http://schemas.microsoft.com/office/drawing/2014/main" id="{D1E963BA-A46B-8B05-5C2D-C1EFE49BEB73}"/>
+                  </a:ext>
+                </a:extLst>
+              </p:cNvPr>
+              <p:cNvSpPr/>
+              <p:nvPr/>
+            </p:nvSpPr>
+            <p:spPr>
+              <a:xfrm rot="19782221">
+                <a:off x="2834603" y="5051467"/>
+                <a:ext cx="846318" cy="697195"/>
+              </a:xfrm>
+              <a:prstGeom prst="ellipse">
+                <a:avLst/>
+              </a:prstGeom>
+              <a:noFill/>
+              <a:ln w="28575">
+                <a:solidFill>
+                  <a:srgbClr val="FF0000"/>
+                </a:solidFill>
+                <a:prstDash val="dash"/>
+              </a:ln>
+              <a:effectLst/>
+            </p:spPr>
+            <p:style>
+              <a:lnRef idx="1">
+                <a:schemeClr val="accent1"/>
+              </a:lnRef>
+              <a:fillRef idx="3">
+                <a:schemeClr val="accent1"/>
+              </a:fillRef>
+              <a:effectRef idx="2">
+                <a:schemeClr val="accent1"/>
+              </a:effectRef>
+              <a:fontRef idx="minor">
+                <a:schemeClr val="lt1"/>
+              </a:fontRef>
+            </p:style>
+            <p:txBody>
+              <a:bodyPr rtlCol="0" anchor="ctr"/>
+              <a:lstStyle/>
+              <a:p>
+                <a:pPr algn="ctr"/>
+                <a:endParaRPr lang="en-US"/>
+              </a:p>
+            </p:txBody>
+          </p:sp>
+        </p:grpSp>
+        <p:sp>
+          <p:nvSpPr>
+            <p:cNvPr id="12" name="TextBox 11">
+              <a:extLst>
+                <a:ext uri="{FF2B5EF4-FFF2-40B4-BE49-F238E27FC236}">
+                  <a16:creationId xmlns:a16="http://schemas.microsoft.com/office/drawing/2014/main" id="{7F19BC28-C390-2E77-A18F-1B04AE800209}"/>
+                </a:ext>
+              </a:extLst>
+            </p:cNvPr>
+            <p:cNvSpPr txBox="1"/>
+            <p:nvPr/>
+          </p:nvSpPr>
+          <p:spPr>
+            <a:xfrm>
+              <a:off x="3986582" y="4970790"/>
+              <a:ext cx="585418" cy="523220"/>
+            </a:xfrm>
+            <a:prstGeom prst="rect">
+              <a:avLst/>
+            </a:prstGeom>
+            <a:noFill/>
+          </p:spPr>
+          <p:txBody>
+            <a:bodyPr wrap="none" rtlCol="0">
+              <a:spAutoFit/>
+            </a:bodyPr>
+            <a:lstStyle/>
+            <a:p>
+              <a:pPr algn="ctr"/>
+              <a:r>
+                <a:rPr lang="en-US" sz="2800" b="1" dirty="0">
+                  <a:latin typeface="Arial"/>
+                  <a:cs typeface="Arial"/>
+                </a:rPr>
+                <a:t>vs</a:t>
+              </a:r>
+              <a:endParaRPr lang="en-US" b="1" dirty="0">
                 <a:latin typeface="Arial"/>
                 <a:cs typeface="Arial"/>
-              </a:rPr>
-              <a:t>vs</a:t>
-            </a:r>
-            <a:endParaRPr lang="en-US" b="1" dirty="0">
-              <a:latin typeface="Arial"/>
-              <a:cs typeface="Arial"/>
-            </a:endParaRPr>
-          </a:p>
-        </p:txBody>
-      </p:sp>
-      <p:pic>
-        <p:nvPicPr>
-          <p:cNvPr id="13" name="Picture 12">
-            <a:extLst>
-              <a:ext uri="{FF2B5EF4-FFF2-40B4-BE49-F238E27FC236}">
-                <a16:creationId xmlns:a16="http://schemas.microsoft.com/office/drawing/2014/main" id="{BC572A6E-258A-539B-51E2-32823A343704}"/>
-              </a:ext>
-            </a:extLst>
-          </p:cNvPr>
-          <p:cNvPicPr>
-            <a:picLocks noChangeAspect="1"/>
-          </p:cNvPicPr>
-          <p:nvPr/>
-        </p:nvPicPr>
-        <p:blipFill rotWithShape="1">
-          <a:blip r:embed="rId2">
-            <a:clrChange>
-              <a:clrFrom>
-                <a:srgbClr val="000000">
-                  <a:alpha val="0"/>
-                </a:srgbClr>
-              </a:clrFrom>
-              <a:clrTo>
-                <a:srgbClr val="000000">
-                  <a:alpha val="0"/>
-                </a:srgbClr>
-              </a:clrTo>
-            </a:clrChange>
-          </a:blip>
-          <a:srcRect l="69861" b="34635"/>
-          <a:stretch/>
-        </p:blipFill>
-        <p:spPr>
-          <a:xfrm>
-            <a:off x="5181839" y="4773923"/>
-            <a:ext cx="2342489" cy="1270114"/>
-          </a:xfrm>
-          <a:prstGeom prst="rect">
-            <a:avLst/>
-          </a:prstGeom>
-        </p:spPr>
-      </p:pic>
-      <p:sp>
-        <p:nvSpPr>
-          <p:cNvPr id="14" name="Oval 13">
-            <a:extLst>
-              <a:ext uri="{FF2B5EF4-FFF2-40B4-BE49-F238E27FC236}">
-                <a16:creationId xmlns:a16="http://schemas.microsoft.com/office/drawing/2014/main" id="{ABF43FFD-7BF0-F91E-62F3-4C61B4B06BF4}"/>
-              </a:ext>
-            </a:extLst>
-          </p:cNvPr>
-          <p:cNvSpPr/>
-          <p:nvPr/>
-        </p:nvSpPr>
-        <p:spPr>
-          <a:xfrm rot="1932321">
-            <a:off x="5106889" y="4770383"/>
-            <a:ext cx="914400" cy="1001465"/>
-          </a:xfrm>
-          <a:prstGeom prst="ellipse">
-            <a:avLst/>
-          </a:prstGeom>
-          <a:noFill/>
-          <a:ln w="28575">
-            <a:solidFill>
-              <a:srgbClr val="0070C0"/>
-            </a:solidFill>
-            <a:prstDash val="dash"/>
-          </a:ln>
-          <a:effectLst/>
-        </p:spPr>
-        <p:style>
-          <a:lnRef idx="1">
-            <a:schemeClr val="accent1"/>
-          </a:lnRef>
-          <a:fillRef idx="3">
-            <a:schemeClr val="accent1"/>
-          </a:fillRef>
-          <a:effectRef idx="2">
-            <a:schemeClr val="accent1"/>
-          </a:effectRef>
-          <a:fontRef idx="minor">
-            <a:schemeClr val="lt1"/>
-          </a:fontRef>
-        </p:style>
-        <p:txBody>
-          <a:bodyPr rtlCol="0" anchor="ctr"/>
-          <a:lstStyle/>
-          <a:p>
-            <a:pPr algn="ctr"/>
-            <a:endParaRPr lang="en-US"/>
-          </a:p>
-        </p:txBody>
-      </p:sp>
-      <p:sp>
-        <p:nvSpPr>
-          <p:cNvPr id="15" name="Oval 14">
-            <a:extLst>
-              <a:ext uri="{FF2B5EF4-FFF2-40B4-BE49-F238E27FC236}">
-                <a16:creationId xmlns:a16="http://schemas.microsoft.com/office/drawing/2014/main" id="{413ECCB7-7A4D-F862-246E-06E37959F65B}"/>
-              </a:ext>
-            </a:extLst>
-          </p:cNvPr>
-          <p:cNvSpPr/>
-          <p:nvPr/>
-        </p:nvSpPr>
-        <p:spPr>
-          <a:xfrm>
-            <a:off x="5719705" y="5281182"/>
-            <a:ext cx="846318" cy="842450"/>
-          </a:xfrm>
-          <a:prstGeom prst="ellipse">
-            <a:avLst/>
-          </a:prstGeom>
-          <a:noFill/>
-          <a:ln w="28575">
-            <a:solidFill>
-              <a:srgbClr val="00B050"/>
-            </a:solidFill>
-            <a:prstDash val="dash"/>
-          </a:ln>
-          <a:effectLst/>
-        </p:spPr>
-        <p:style>
-          <a:lnRef idx="1">
-            <a:schemeClr val="accent1"/>
-          </a:lnRef>
-          <a:fillRef idx="3">
-            <a:schemeClr val="accent1"/>
-          </a:fillRef>
-          <a:effectRef idx="2">
-            <a:schemeClr val="accent1"/>
-          </a:effectRef>
-          <a:fontRef idx="minor">
-            <a:schemeClr val="lt1"/>
-          </a:fontRef>
-        </p:style>
-        <p:txBody>
-          <a:bodyPr rtlCol="0" anchor="ctr"/>
-          <a:lstStyle/>
-          <a:p>
-            <a:pPr algn="ctr"/>
-            <a:endParaRPr lang="en-US"/>
-          </a:p>
-        </p:txBody>
-      </p:sp>
-      <p:sp>
-        <p:nvSpPr>
-          <p:cNvPr id="16" name="Oval 15">
-            <a:extLst>
-              <a:ext uri="{FF2B5EF4-FFF2-40B4-BE49-F238E27FC236}">
-                <a16:creationId xmlns:a16="http://schemas.microsoft.com/office/drawing/2014/main" id="{461E9F2E-FA0D-83E8-22E3-762851C0163B}"/>
-              </a:ext>
-            </a:extLst>
-          </p:cNvPr>
-          <p:cNvSpPr/>
-          <p:nvPr/>
-        </p:nvSpPr>
-        <p:spPr>
-          <a:xfrm rot="1469567">
-            <a:off x="6117373" y="4789768"/>
-            <a:ext cx="1412845" cy="842450"/>
-          </a:xfrm>
-          <a:prstGeom prst="ellipse">
-            <a:avLst/>
-          </a:prstGeom>
-          <a:noFill/>
-          <a:ln w="28575">
-            <a:solidFill>
-              <a:srgbClr val="FFC000"/>
-            </a:solidFill>
-            <a:prstDash val="dash"/>
-          </a:ln>
-          <a:effectLst/>
-        </p:spPr>
-        <p:style>
-          <a:lnRef idx="1">
-            <a:schemeClr val="accent1"/>
-          </a:lnRef>
-          <a:fillRef idx="3">
-            <a:schemeClr val="accent1"/>
-          </a:fillRef>
-          <a:effectRef idx="2">
-            <a:schemeClr val="accent1"/>
-          </a:effectRef>
-          <a:fontRef idx="minor">
-            <a:schemeClr val="lt1"/>
-          </a:fontRef>
-        </p:style>
-        <p:txBody>
-          <a:bodyPr rtlCol="0" anchor="ctr"/>
-          <a:lstStyle/>
-          <a:p>
-            <a:pPr algn="ctr"/>
-            <a:endParaRPr lang="en-US"/>
-          </a:p>
-        </p:txBody>
-      </p:sp>
+              </a:endParaRPr>
+            </a:p>
+          </p:txBody>
+        </p:sp>
+        <p:grpSp>
+          <p:nvGrpSpPr>
+            <p:cNvPr id="17" name="Group 16">
+              <a:extLst>
+                <a:ext uri="{FF2B5EF4-FFF2-40B4-BE49-F238E27FC236}">
+                  <a16:creationId xmlns:a16="http://schemas.microsoft.com/office/drawing/2014/main" id="{405E524A-C19E-0FDE-12CC-651075409081}"/>
+                </a:ext>
+              </a:extLst>
+            </p:cNvPr>
+            <p:cNvGrpSpPr/>
+            <p:nvPr/>
+          </p:nvGrpSpPr>
+          <p:grpSpPr>
+            <a:xfrm>
+              <a:off x="5106889" y="4770383"/>
+              <a:ext cx="2423329" cy="1353249"/>
+              <a:chOff x="5106889" y="4770383"/>
+              <a:chExt cx="2423329" cy="1353249"/>
+            </a:xfrm>
+          </p:grpSpPr>
+          <p:pic>
+            <p:nvPicPr>
+              <p:cNvPr id="13" name="Picture 12">
+                <a:extLst>
+                  <a:ext uri="{FF2B5EF4-FFF2-40B4-BE49-F238E27FC236}">
+                    <a16:creationId xmlns:a16="http://schemas.microsoft.com/office/drawing/2014/main" id="{BC572A6E-258A-539B-51E2-32823A343704}"/>
+                  </a:ext>
+                </a:extLst>
+              </p:cNvPr>
+              <p:cNvPicPr>
+                <a:picLocks noChangeAspect="1"/>
+              </p:cNvPicPr>
+              <p:nvPr/>
+            </p:nvPicPr>
+            <p:blipFill rotWithShape="1">
+              <a:blip r:embed="rId3">
+                <a:clrChange>
+                  <a:clrFrom>
+                    <a:srgbClr val="000000">
+                      <a:alpha val="0"/>
+                    </a:srgbClr>
+                  </a:clrFrom>
+                  <a:clrTo>
+                    <a:srgbClr val="000000">
+                      <a:alpha val="0"/>
+                    </a:srgbClr>
+                  </a:clrTo>
+                </a:clrChange>
+              </a:blip>
+              <a:srcRect l="69861" b="34635"/>
+              <a:stretch/>
+            </p:blipFill>
+            <p:spPr>
+              <a:xfrm>
+                <a:off x="5181839" y="4773923"/>
+                <a:ext cx="2342489" cy="1270114"/>
+              </a:xfrm>
+              <a:prstGeom prst="rect">
+                <a:avLst/>
+              </a:prstGeom>
+            </p:spPr>
+          </p:pic>
+          <p:sp>
+            <p:nvSpPr>
+              <p:cNvPr id="14" name="Oval 13">
+                <a:extLst>
+                  <a:ext uri="{FF2B5EF4-FFF2-40B4-BE49-F238E27FC236}">
+                    <a16:creationId xmlns:a16="http://schemas.microsoft.com/office/drawing/2014/main" id="{ABF43FFD-7BF0-F91E-62F3-4C61B4B06BF4}"/>
+                  </a:ext>
+                </a:extLst>
+              </p:cNvPr>
+              <p:cNvSpPr/>
+              <p:nvPr/>
+            </p:nvSpPr>
+            <p:spPr>
+              <a:xfrm rot="1932321">
+                <a:off x="5106889" y="4770383"/>
+                <a:ext cx="914400" cy="1001465"/>
+              </a:xfrm>
+              <a:prstGeom prst="ellipse">
+                <a:avLst/>
+              </a:prstGeom>
+              <a:noFill/>
+              <a:ln w="28575">
+                <a:solidFill>
+                  <a:srgbClr val="0070C0"/>
+                </a:solidFill>
+                <a:prstDash val="dash"/>
+              </a:ln>
+              <a:effectLst/>
+            </p:spPr>
+            <p:style>
+              <a:lnRef idx="1">
+                <a:schemeClr val="accent1"/>
+              </a:lnRef>
+              <a:fillRef idx="3">
+                <a:schemeClr val="accent1"/>
+              </a:fillRef>
+              <a:effectRef idx="2">
+                <a:schemeClr val="accent1"/>
+              </a:effectRef>
+              <a:fontRef idx="minor">
+                <a:schemeClr val="lt1"/>
+              </a:fontRef>
+            </p:style>
+            <p:txBody>
+              <a:bodyPr rtlCol="0" anchor="ctr"/>
+              <a:lstStyle/>
+              <a:p>
+                <a:pPr algn="ctr"/>
+                <a:endParaRPr lang="en-US"/>
+              </a:p>
+            </p:txBody>
+          </p:sp>
+          <p:sp>
+            <p:nvSpPr>
+              <p:cNvPr id="15" name="Oval 14">
+                <a:extLst>
+                  <a:ext uri="{FF2B5EF4-FFF2-40B4-BE49-F238E27FC236}">
+                    <a16:creationId xmlns:a16="http://schemas.microsoft.com/office/drawing/2014/main" id="{413ECCB7-7A4D-F862-246E-06E37959F65B}"/>
+                  </a:ext>
+                </a:extLst>
+              </p:cNvPr>
+              <p:cNvSpPr/>
+              <p:nvPr/>
+            </p:nvSpPr>
+            <p:spPr>
+              <a:xfrm>
+                <a:off x="5719705" y="5281182"/>
+                <a:ext cx="846318" cy="842450"/>
+              </a:xfrm>
+              <a:prstGeom prst="ellipse">
+                <a:avLst/>
+              </a:prstGeom>
+              <a:noFill/>
+              <a:ln w="28575">
+                <a:solidFill>
+                  <a:srgbClr val="00B050"/>
+                </a:solidFill>
+                <a:prstDash val="dash"/>
+              </a:ln>
+              <a:effectLst/>
+            </p:spPr>
+            <p:style>
+              <a:lnRef idx="1">
+                <a:schemeClr val="accent1"/>
+              </a:lnRef>
+              <a:fillRef idx="3">
+                <a:schemeClr val="accent1"/>
+              </a:fillRef>
+              <a:effectRef idx="2">
+                <a:schemeClr val="accent1"/>
+              </a:effectRef>
+              <a:fontRef idx="minor">
+                <a:schemeClr val="lt1"/>
+              </a:fontRef>
+            </p:style>
+            <p:txBody>
+              <a:bodyPr rtlCol="0" anchor="ctr"/>
+              <a:lstStyle/>
+              <a:p>
+                <a:pPr algn="ctr"/>
+                <a:endParaRPr lang="en-US"/>
+              </a:p>
+            </p:txBody>
+          </p:sp>
+          <p:sp>
+            <p:nvSpPr>
+              <p:cNvPr id="16" name="Oval 15">
+                <a:extLst>
+                  <a:ext uri="{FF2B5EF4-FFF2-40B4-BE49-F238E27FC236}">
+                    <a16:creationId xmlns:a16="http://schemas.microsoft.com/office/drawing/2014/main" id="{461E9F2E-FA0D-83E8-22E3-762851C0163B}"/>
+                  </a:ext>
+                </a:extLst>
+              </p:cNvPr>
+              <p:cNvSpPr/>
+              <p:nvPr/>
+            </p:nvSpPr>
+            <p:spPr>
+              <a:xfrm rot="1469567">
+                <a:off x="6117373" y="4789768"/>
+                <a:ext cx="1412845" cy="842450"/>
+              </a:xfrm>
+              <a:prstGeom prst="ellipse">
+                <a:avLst/>
+              </a:prstGeom>
+              <a:noFill/>
+              <a:ln w="28575">
+                <a:solidFill>
+                  <a:srgbClr val="FFC000"/>
+                </a:solidFill>
+                <a:prstDash val="dash"/>
+              </a:ln>
+              <a:effectLst/>
+            </p:spPr>
+            <p:style>
+              <a:lnRef idx="1">
+                <a:schemeClr val="accent1"/>
+              </a:lnRef>
+              <a:fillRef idx="3">
+                <a:schemeClr val="accent1"/>
+              </a:fillRef>
+              <a:effectRef idx="2">
+                <a:schemeClr val="accent1"/>
+              </a:effectRef>
+              <a:fontRef idx="minor">
+                <a:schemeClr val="lt1"/>
+              </a:fontRef>
+            </p:style>
+            <p:txBody>
+              <a:bodyPr rtlCol="0" anchor="ctr"/>
+              <a:lstStyle/>
+              <a:p>
+                <a:pPr algn="ctr"/>
+                <a:endParaRPr lang="en-US"/>
+              </a:p>
+            </p:txBody>
+          </p:sp>
+        </p:grpSp>
+      </p:grpSp>
     </p:spTree>
     <p:extLst>
       <p:ext uri="{BB962C8B-B14F-4D97-AF65-F5344CB8AC3E}">
@@ -11080,10 +10628,402 @@
   <p:clrMapOvr>
     <a:masterClrMapping/>
   </p:clrMapOvr>
+  <p:timing>
+    <p:tnLst>
+      <p:par>
+        <p:cTn id="1" dur="indefinite" restart="never" nodeType="tmRoot">
+          <p:childTnLst>
+            <p:seq concurrent="1" nextAc="seek">
+              <p:cTn id="2" dur="indefinite" nodeType="mainSeq">
+                <p:childTnLst>
+                  <p:par>
+                    <p:cTn id="3" fill="hold">
+                      <p:stCondLst>
+                        <p:cond delay="indefinite"/>
+                      </p:stCondLst>
+                      <p:childTnLst>
+                        <p:par>
+                          <p:cTn id="4" fill="hold">
+                            <p:stCondLst>
+                              <p:cond delay="0"/>
+                            </p:stCondLst>
+                            <p:childTnLst>
+                              <p:par>
+                                <p:cTn id="5" presetID="2" presetClass="entr" presetSubtype="4" fill="hold" nodeType="clickEffect">
+                                  <p:stCondLst>
+                                    <p:cond delay="0"/>
+                                  </p:stCondLst>
+                                  <p:childTnLst>
+                                    <p:set>
+                                      <p:cBhvr>
+                                        <p:cTn id="6" dur="1" fill="hold">
+                                          <p:stCondLst>
+                                            <p:cond delay="0"/>
+                                          </p:stCondLst>
+                                        </p:cTn>
+                                        <p:tgtEl>
+                                          <p:spTgt spid="3">
+                                            <p:txEl>
+                                              <p:pRg st="2" end="2"/>
+                                            </p:txEl>
+                                          </p:spTgt>
+                                        </p:tgtEl>
+                                        <p:attrNameLst>
+                                          <p:attrName>style.visibility</p:attrName>
+                                        </p:attrNameLst>
+                                      </p:cBhvr>
+                                      <p:to>
+                                        <p:strVal val="visible"/>
+                                      </p:to>
+                                    </p:set>
+                                    <p:anim calcmode="lin" valueType="num">
+                                      <p:cBhvr additive="base">
+                                        <p:cTn id="7" dur="500" fill="hold"/>
+                                        <p:tgtEl>
+                                          <p:spTgt spid="3">
+                                            <p:txEl>
+                                              <p:pRg st="2" end="2"/>
+                                            </p:txEl>
+                                          </p:spTgt>
+                                        </p:tgtEl>
+                                        <p:attrNameLst>
+                                          <p:attrName>ppt_x</p:attrName>
+                                        </p:attrNameLst>
+                                      </p:cBhvr>
+                                      <p:tavLst>
+                                        <p:tav tm="0">
+                                          <p:val>
+                                            <p:strVal val="#ppt_x"/>
+                                          </p:val>
+                                        </p:tav>
+                                        <p:tav tm="100000">
+                                          <p:val>
+                                            <p:strVal val="#ppt_x"/>
+                                          </p:val>
+                                        </p:tav>
+                                      </p:tavLst>
+                                    </p:anim>
+                                    <p:anim calcmode="lin" valueType="num">
+                                      <p:cBhvr additive="base">
+                                        <p:cTn id="8" dur="500" fill="hold"/>
+                                        <p:tgtEl>
+                                          <p:spTgt spid="3">
+                                            <p:txEl>
+                                              <p:pRg st="2" end="2"/>
+                                            </p:txEl>
+                                          </p:spTgt>
+                                        </p:tgtEl>
+                                        <p:attrNameLst>
+                                          <p:attrName>ppt_y</p:attrName>
+                                        </p:attrNameLst>
+                                      </p:cBhvr>
+                                      <p:tavLst>
+                                        <p:tav tm="0">
+                                          <p:val>
+                                            <p:strVal val="1+#ppt_h/2"/>
+                                          </p:val>
+                                        </p:tav>
+                                        <p:tav tm="100000">
+                                          <p:val>
+                                            <p:strVal val="#ppt_y"/>
+                                          </p:val>
+                                        </p:tav>
+                                      </p:tavLst>
+                                    </p:anim>
+                                  </p:childTnLst>
+                                </p:cTn>
+                              </p:par>
+                            </p:childTnLst>
+                          </p:cTn>
+                        </p:par>
+                      </p:childTnLst>
+                    </p:cTn>
+                  </p:par>
+                  <p:par>
+                    <p:cTn id="9" fill="hold">
+                      <p:stCondLst>
+                        <p:cond delay="indefinite"/>
+                      </p:stCondLst>
+                      <p:childTnLst>
+                        <p:par>
+                          <p:cTn id="10" fill="hold">
+                            <p:stCondLst>
+                              <p:cond delay="0"/>
+                            </p:stCondLst>
+                            <p:childTnLst>
+                              <p:par>
+                                <p:cTn id="11" presetID="2" presetClass="entr" presetSubtype="4" fill="hold" nodeType="clickEffect">
+                                  <p:stCondLst>
+                                    <p:cond delay="0"/>
+                                  </p:stCondLst>
+                                  <p:childTnLst>
+                                    <p:set>
+                                      <p:cBhvr>
+                                        <p:cTn id="12" dur="1" fill="hold">
+                                          <p:stCondLst>
+                                            <p:cond delay="0"/>
+                                          </p:stCondLst>
+                                        </p:cTn>
+                                        <p:tgtEl>
+                                          <p:spTgt spid="3">
+                                            <p:txEl>
+                                              <p:pRg st="3" end="3"/>
+                                            </p:txEl>
+                                          </p:spTgt>
+                                        </p:tgtEl>
+                                        <p:attrNameLst>
+                                          <p:attrName>style.visibility</p:attrName>
+                                        </p:attrNameLst>
+                                      </p:cBhvr>
+                                      <p:to>
+                                        <p:strVal val="visible"/>
+                                      </p:to>
+                                    </p:set>
+                                    <p:anim calcmode="lin" valueType="num">
+                                      <p:cBhvr additive="base">
+                                        <p:cTn id="13" dur="500" fill="hold"/>
+                                        <p:tgtEl>
+                                          <p:spTgt spid="3">
+                                            <p:txEl>
+                                              <p:pRg st="3" end="3"/>
+                                            </p:txEl>
+                                          </p:spTgt>
+                                        </p:tgtEl>
+                                        <p:attrNameLst>
+                                          <p:attrName>ppt_x</p:attrName>
+                                        </p:attrNameLst>
+                                      </p:cBhvr>
+                                      <p:tavLst>
+                                        <p:tav tm="0">
+                                          <p:val>
+                                            <p:strVal val="#ppt_x"/>
+                                          </p:val>
+                                        </p:tav>
+                                        <p:tav tm="100000">
+                                          <p:val>
+                                            <p:strVal val="#ppt_x"/>
+                                          </p:val>
+                                        </p:tav>
+                                      </p:tavLst>
+                                    </p:anim>
+                                    <p:anim calcmode="lin" valueType="num">
+                                      <p:cBhvr additive="base">
+                                        <p:cTn id="14" dur="500" fill="hold"/>
+                                        <p:tgtEl>
+                                          <p:spTgt spid="3">
+                                            <p:txEl>
+                                              <p:pRg st="3" end="3"/>
+                                            </p:txEl>
+                                          </p:spTgt>
+                                        </p:tgtEl>
+                                        <p:attrNameLst>
+                                          <p:attrName>ppt_y</p:attrName>
+                                        </p:attrNameLst>
+                                      </p:cBhvr>
+                                      <p:tavLst>
+                                        <p:tav tm="0">
+                                          <p:val>
+                                            <p:strVal val="1+#ppt_h/2"/>
+                                          </p:val>
+                                        </p:tav>
+                                        <p:tav tm="100000">
+                                          <p:val>
+                                            <p:strVal val="#ppt_y"/>
+                                          </p:val>
+                                        </p:tav>
+                                      </p:tavLst>
+                                    </p:anim>
+                                  </p:childTnLst>
+                                </p:cTn>
+                              </p:par>
+                            </p:childTnLst>
+                          </p:cTn>
+                        </p:par>
+                      </p:childTnLst>
+                    </p:cTn>
+                  </p:par>
+                  <p:par>
+                    <p:cTn id="15" fill="hold">
+                      <p:stCondLst>
+                        <p:cond delay="indefinite"/>
+                      </p:stCondLst>
+                      <p:childTnLst>
+                        <p:par>
+                          <p:cTn id="16" fill="hold">
+                            <p:stCondLst>
+                              <p:cond delay="0"/>
+                            </p:stCondLst>
+                            <p:childTnLst>
+                              <p:par>
+                                <p:cTn id="17" presetID="2" presetClass="entr" presetSubtype="4" fill="hold" nodeType="clickEffect">
+                                  <p:stCondLst>
+                                    <p:cond delay="0"/>
+                                  </p:stCondLst>
+                                  <p:childTnLst>
+                                    <p:set>
+                                      <p:cBhvr>
+                                        <p:cTn id="18" dur="1" fill="hold">
+                                          <p:stCondLst>
+                                            <p:cond delay="0"/>
+                                          </p:stCondLst>
+                                        </p:cTn>
+                                        <p:tgtEl>
+                                          <p:spTgt spid="3">
+                                            <p:txEl>
+                                              <p:pRg st="4" end="4"/>
+                                            </p:txEl>
+                                          </p:spTgt>
+                                        </p:tgtEl>
+                                        <p:attrNameLst>
+                                          <p:attrName>style.visibility</p:attrName>
+                                        </p:attrNameLst>
+                                      </p:cBhvr>
+                                      <p:to>
+                                        <p:strVal val="visible"/>
+                                      </p:to>
+                                    </p:set>
+                                    <p:anim calcmode="lin" valueType="num">
+                                      <p:cBhvr additive="base">
+                                        <p:cTn id="19" dur="500" fill="hold"/>
+                                        <p:tgtEl>
+                                          <p:spTgt spid="3">
+                                            <p:txEl>
+                                              <p:pRg st="4" end="4"/>
+                                            </p:txEl>
+                                          </p:spTgt>
+                                        </p:tgtEl>
+                                        <p:attrNameLst>
+                                          <p:attrName>ppt_x</p:attrName>
+                                        </p:attrNameLst>
+                                      </p:cBhvr>
+                                      <p:tavLst>
+                                        <p:tav tm="0">
+                                          <p:val>
+                                            <p:strVal val="#ppt_x"/>
+                                          </p:val>
+                                        </p:tav>
+                                        <p:tav tm="100000">
+                                          <p:val>
+                                            <p:strVal val="#ppt_x"/>
+                                          </p:val>
+                                        </p:tav>
+                                      </p:tavLst>
+                                    </p:anim>
+                                    <p:anim calcmode="lin" valueType="num">
+                                      <p:cBhvr additive="base">
+                                        <p:cTn id="20" dur="500" fill="hold"/>
+                                        <p:tgtEl>
+                                          <p:spTgt spid="3">
+                                            <p:txEl>
+                                              <p:pRg st="4" end="4"/>
+                                            </p:txEl>
+                                          </p:spTgt>
+                                        </p:tgtEl>
+                                        <p:attrNameLst>
+                                          <p:attrName>ppt_y</p:attrName>
+                                        </p:attrNameLst>
+                                      </p:cBhvr>
+                                      <p:tavLst>
+                                        <p:tav tm="0">
+                                          <p:val>
+                                            <p:strVal val="1+#ppt_h/2"/>
+                                          </p:val>
+                                        </p:tav>
+                                        <p:tav tm="100000">
+                                          <p:val>
+                                            <p:strVal val="#ppt_y"/>
+                                          </p:val>
+                                        </p:tav>
+                                      </p:tavLst>
+                                    </p:anim>
+                                  </p:childTnLst>
+                                </p:cTn>
+                              </p:par>
+                            </p:childTnLst>
+                          </p:cTn>
+                        </p:par>
+                      </p:childTnLst>
+                    </p:cTn>
+                  </p:par>
+                  <p:par>
+                    <p:cTn id="21" fill="hold">
+                      <p:stCondLst>
+                        <p:cond delay="indefinite"/>
+                      </p:stCondLst>
+                      <p:childTnLst>
+                        <p:par>
+                          <p:cTn id="22" fill="hold">
+                            <p:stCondLst>
+                              <p:cond delay="0"/>
+                            </p:stCondLst>
+                            <p:childTnLst>
+                              <p:par>
+                                <p:cTn id="23" presetID="9" presetClass="entr" presetSubtype="0" fill="hold" nodeType="clickEffect">
+                                  <p:stCondLst>
+                                    <p:cond delay="0"/>
+                                  </p:stCondLst>
+                                  <p:childTnLst>
+                                    <p:set>
+                                      <p:cBhvr>
+                                        <p:cTn id="24" dur="1" fill="hold">
+                                          <p:stCondLst>
+                                            <p:cond delay="0"/>
+                                          </p:stCondLst>
+                                        </p:cTn>
+                                        <p:tgtEl>
+                                          <p:spTgt spid="18"/>
+                                        </p:tgtEl>
+                                        <p:attrNameLst>
+                                          <p:attrName>style.visibility</p:attrName>
+                                        </p:attrNameLst>
+                                      </p:cBhvr>
+                                      <p:to>
+                                        <p:strVal val="visible"/>
+                                      </p:to>
+                                    </p:set>
+                                    <p:animEffect transition="in" filter="dissolve">
+                                      <p:cBhvr>
+                                        <p:cTn id="25" dur="500"/>
+                                        <p:tgtEl>
+                                          <p:spTgt spid="18"/>
+                                        </p:tgtEl>
+                                      </p:cBhvr>
+                                    </p:animEffect>
+                                  </p:childTnLst>
+                                </p:cTn>
+                              </p:par>
+                            </p:childTnLst>
+                          </p:cTn>
+                        </p:par>
+                      </p:childTnLst>
+                    </p:cTn>
+                  </p:par>
+                </p:childTnLst>
+              </p:cTn>
+              <p:prevCondLst>
+                <p:cond evt="onPrev" delay="0">
+                  <p:tgtEl>
+                    <p:sldTgt/>
+                  </p:tgtEl>
+                </p:cond>
+              </p:prevCondLst>
+              <p:nextCondLst>
+                <p:cond evt="onNext" delay="0">
+                  <p:tgtEl>
+                    <p:sldTgt/>
+                  </p:tgtEl>
+                </p:cond>
+              </p:nextCondLst>
+            </p:seq>
+          </p:childTnLst>
+        </p:cTn>
+      </p:par>
+    </p:tnLst>
+  </p:timing>
 </p:sld>
 </file>
 
-<file path=ppt/slides/slide16.xml><?xml version="1.0" encoding="utf-8"?>
+<file path=ppt/slides/slide15.xml><?xml version="1.0" encoding="utf-8"?>
 <p:sld xmlns:a="http://schemas.openxmlformats.org/drawingml/2006/main" xmlns:r="http://schemas.openxmlformats.org/officeDocument/2006/relationships" xmlns:p="http://schemas.openxmlformats.org/presentationml/2006/main">
   <p:cSld>
     <p:spTree>
@@ -11515,7 +11455,7 @@
 </p:sld>
 </file>
 
-<file path=ppt/slides/slide17.xml><?xml version="1.0" encoding="utf-8"?>
+<file path=ppt/slides/slide16.xml><?xml version="1.0" encoding="utf-8"?>
 <p:sld xmlns:a="http://schemas.openxmlformats.org/drawingml/2006/main" xmlns:r="http://schemas.openxmlformats.org/officeDocument/2006/relationships" xmlns:p="http://schemas.openxmlformats.org/presentationml/2006/main">
   <p:cSld>
     <p:spTree>
@@ -11690,7 +11630,7 @@
 </p:sld>
 </file>
 
-<file path=ppt/slides/slide18.xml><?xml version="1.0" encoding="utf-8"?>
+<file path=ppt/slides/slide17.xml><?xml version="1.0" encoding="utf-8"?>
 <p:sld xmlns:a="http://schemas.openxmlformats.org/drawingml/2006/main" xmlns:r="http://schemas.openxmlformats.org/officeDocument/2006/relationships" xmlns:p="http://schemas.openxmlformats.org/presentationml/2006/main">
   <p:cSld>
     <p:spTree>
@@ -11846,7 +11786,7 @@
             <a:fld id="{3C70A08B-371D-5A4D-978C-9F5470823ED6}" type="slidenum">
               <a:rPr lang="en-US" smtClean="0"/>
               <a:pPr algn="ctr"/>
-              <a:t>18</a:t>
+              <a:t>17</a:t>
             </a:fld>
             <a:endParaRPr lang="en-US" dirty="0"/>
           </a:p>
@@ -11862,6 +11802,533 @@
   <p:clrMapOvr>
     <a:masterClrMapping/>
   </p:clrMapOvr>
+  <p:timing>
+    <p:tnLst>
+      <p:par>
+        <p:cTn id="1" dur="indefinite" restart="never" nodeType="tmRoot">
+          <p:childTnLst>
+            <p:seq concurrent="1" nextAc="seek">
+              <p:cTn id="2" dur="indefinite" nodeType="mainSeq">
+                <p:childTnLst>
+                  <p:par>
+                    <p:cTn id="3" fill="hold">
+                      <p:stCondLst>
+                        <p:cond delay="indefinite"/>
+                      </p:stCondLst>
+                      <p:childTnLst>
+                        <p:par>
+                          <p:cTn id="4" fill="hold">
+                            <p:stCondLst>
+                              <p:cond delay="0"/>
+                            </p:stCondLst>
+                            <p:childTnLst>
+                              <p:par>
+                                <p:cTn id="5" presetID="2" presetClass="entr" presetSubtype="4" fill="hold" nodeType="clickEffect">
+                                  <p:stCondLst>
+                                    <p:cond delay="0"/>
+                                  </p:stCondLst>
+                                  <p:childTnLst>
+                                    <p:set>
+                                      <p:cBhvr>
+                                        <p:cTn id="6" dur="1" fill="hold">
+                                          <p:stCondLst>
+                                            <p:cond delay="0"/>
+                                          </p:stCondLst>
+                                        </p:cTn>
+                                        <p:tgtEl>
+                                          <p:spTgt spid="3">
+                                            <p:txEl>
+                                              <p:pRg st="0" end="0"/>
+                                            </p:txEl>
+                                          </p:spTgt>
+                                        </p:tgtEl>
+                                        <p:attrNameLst>
+                                          <p:attrName>style.visibility</p:attrName>
+                                        </p:attrNameLst>
+                                      </p:cBhvr>
+                                      <p:to>
+                                        <p:strVal val="visible"/>
+                                      </p:to>
+                                    </p:set>
+                                    <p:anim calcmode="lin" valueType="num">
+                                      <p:cBhvr additive="base">
+                                        <p:cTn id="7" dur="500" fill="hold"/>
+                                        <p:tgtEl>
+                                          <p:spTgt spid="3">
+                                            <p:txEl>
+                                              <p:pRg st="0" end="0"/>
+                                            </p:txEl>
+                                          </p:spTgt>
+                                        </p:tgtEl>
+                                        <p:attrNameLst>
+                                          <p:attrName>ppt_x</p:attrName>
+                                        </p:attrNameLst>
+                                      </p:cBhvr>
+                                      <p:tavLst>
+                                        <p:tav tm="0">
+                                          <p:val>
+                                            <p:strVal val="#ppt_x"/>
+                                          </p:val>
+                                        </p:tav>
+                                        <p:tav tm="100000">
+                                          <p:val>
+                                            <p:strVal val="#ppt_x"/>
+                                          </p:val>
+                                        </p:tav>
+                                      </p:tavLst>
+                                    </p:anim>
+                                    <p:anim calcmode="lin" valueType="num">
+                                      <p:cBhvr additive="base">
+                                        <p:cTn id="8" dur="500" fill="hold"/>
+                                        <p:tgtEl>
+                                          <p:spTgt spid="3">
+                                            <p:txEl>
+                                              <p:pRg st="0" end="0"/>
+                                            </p:txEl>
+                                          </p:spTgt>
+                                        </p:tgtEl>
+                                        <p:attrNameLst>
+                                          <p:attrName>ppt_y</p:attrName>
+                                        </p:attrNameLst>
+                                      </p:cBhvr>
+                                      <p:tavLst>
+                                        <p:tav tm="0">
+                                          <p:val>
+                                            <p:strVal val="1+#ppt_h/2"/>
+                                          </p:val>
+                                        </p:tav>
+                                        <p:tav tm="100000">
+                                          <p:val>
+                                            <p:strVal val="#ppt_y"/>
+                                          </p:val>
+                                        </p:tav>
+                                      </p:tavLst>
+                                    </p:anim>
+                                  </p:childTnLst>
+                                </p:cTn>
+                              </p:par>
+                            </p:childTnLst>
+                          </p:cTn>
+                        </p:par>
+                      </p:childTnLst>
+                    </p:cTn>
+                  </p:par>
+                  <p:par>
+                    <p:cTn id="9" fill="hold">
+                      <p:stCondLst>
+                        <p:cond delay="indefinite"/>
+                      </p:stCondLst>
+                      <p:childTnLst>
+                        <p:par>
+                          <p:cTn id="10" fill="hold">
+                            <p:stCondLst>
+                              <p:cond delay="0"/>
+                            </p:stCondLst>
+                            <p:childTnLst>
+                              <p:par>
+                                <p:cTn id="11" presetID="2" presetClass="entr" presetSubtype="4" fill="hold" nodeType="clickEffect">
+                                  <p:stCondLst>
+                                    <p:cond delay="0"/>
+                                  </p:stCondLst>
+                                  <p:childTnLst>
+                                    <p:set>
+                                      <p:cBhvr>
+                                        <p:cTn id="12" dur="1" fill="hold">
+                                          <p:stCondLst>
+                                            <p:cond delay="0"/>
+                                          </p:stCondLst>
+                                        </p:cTn>
+                                        <p:tgtEl>
+                                          <p:spTgt spid="3">
+                                            <p:txEl>
+                                              <p:pRg st="1" end="1"/>
+                                            </p:txEl>
+                                          </p:spTgt>
+                                        </p:tgtEl>
+                                        <p:attrNameLst>
+                                          <p:attrName>style.visibility</p:attrName>
+                                        </p:attrNameLst>
+                                      </p:cBhvr>
+                                      <p:to>
+                                        <p:strVal val="visible"/>
+                                      </p:to>
+                                    </p:set>
+                                    <p:anim calcmode="lin" valueType="num">
+                                      <p:cBhvr additive="base">
+                                        <p:cTn id="13" dur="500" fill="hold"/>
+                                        <p:tgtEl>
+                                          <p:spTgt spid="3">
+                                            <p:txEl>
+                                              <p:pRg st="1" end="1"/>
+                                            </p:txEl>
+                                          </p:spTgt>
+                                        </p:tgtEl>
+                                        <p:attrNameLst>
+                                          <p:attrName>ppt_x</p:attrName>
+                                        </p:attrNameLst>
+                                      </p:cBhvr>
+                                      <p:tavLst>
+                                        <p:tav tm="0">
+                                          <p:val>
+                                            <p:strVal val="#ppt_x"/>
+                                          </p:val>
+                                        </p:tav>
+                                        <p:tav tm="100000">
+                                          <p:val>
+                                            <p:strVal val="#ppt_x"/>
+                                          </p:val>
+                                        </p:tav>
+                                      </p:tavLst>
+                                    </p:anim>
+                                    <p:anim calcmode="lin" valueType="num">
+                                      <p:cBhvr additive="base">
+                                        <p:cTn id="14" dur="500" fill="hold"/>
+                                        <p:tgtEl>
+                                          <p:spTgt spid="3">
+                                            <p:txEl>
+                                              <p:pRg st="1" end="1"/>
+                                            </p:txEl>
+                                          </p:spTgt>
+                                        </p:tgtEl>
+                                        <p:attrNameLst>
+                                          <p:attrName>ppt_y</p:attrName>
+                                        </p:attrNameLst>
+                                      </p:cBhvr>
+                                      <p:tavLst>
+                                        <p:tav tm="0">
+                                          <p:val>
+                                            <p:strVal val="1+#ppt_h/2"/>
+                                          </p:val>
+                                        </p:tav>
+                                        <p:tav tm="100000">
+                                          <p:val>
+                                            <p:strVal val="#ppt_y"/>
+                                          </p:val>
+                                        </p:tav>
+                                      </p:tavLst>
+                                    </p:anim>
+                                  </p:childTnLst>
+                                </p:cTn>
+                              </p:par>
+                            </p:childTnLst>
+                          </p:cTn>
+                        </p:par>
+                      </p:childTnLst>
+                    </p:cTn>
+                  </p:par>
+                  <p:par>
+                    <p:cTn id="15" fill="hold">
+                      <p:stCondLst>
+                        <p:cond delay="indefinite"/>
+                      </p:stCondLst>
+                      <p:childTnLst>
+                        <p:par>
+                          <p:cTn id="16" fill="hold">
+                            <p:stCondLst>
+                              <p:cond delay="0"/>
+                            </p:stCondLst>
+                            <p:childTnLst>
+                              <p:par>
+                                <p:cTn id="17" presetID="2" presetClass="entr" presetSubtype="4" fill="hold" nodeType="clickEffect">
+                                  <p:stCondLst>
+                                    <p:cond delay="0"/>
+                                  </p:stCondLst>
+                                  <p:childTnLst>
+                                    <p:set>
+                                      <p:cBhvr>
+                                        <p:cTn id="18" dur="1" fill="hold">
+                                          <p:stCondLst>
+                                            <p:cond delay="0"/>
+                                          </p:stCondLst>
+                                        </p:cTn>
+                                        <p:tgtEl>
+                                          <p:spTgt spid="3">
+                                            <p:txEl>
+                                              <p:pRg st="2" end="2"/>
+                                            </p:txEl>
+                                          </p:spTgt>
+                                        </p:tgtEl>
+                                        <p:attrNameLst>
+                                          <p:attrName>style.visibility</p:attrName>
+                                        </p:attrNameLst>
+                                      </p:cBhvr>
+                                      <p:to>
+                                        <p:strVal val="visible"/>
+                                      </p:to>
+                                    </p:set>
+                                    <p:anim calcmode="lin" valueType="num">
+                                      <p:cBhvr additive="base">
+                                        <p:cTn id="19" dur="500" fill="hold"/>
+                                        <p:tgtEl>
+                                          <p:spTgt spid="3">
+                                            <p:txEl>
+                                              <p:pRg st="2" end="2"/>
+                                            </p:txEl>
+                                          </p:spTgt>
+                                        </p:tgtEl>
+                                        <p:attrNameLst>
+                                          <p:attrName>ppt_x</p:attrName>
+                                        </p:attrNameLst>
+                                      </p:cBhvr>
+                                      <p:tavLst>
+                                        <p:tav tm="0">
+                                          <p:val>
+                                            <p:strVal val="#ppt_x"/>
+                                          </p:val>
+                                        </p:tav>
+                                        <p:tav tm="100000">
+                                          <p:val>
+                                            <p:strVal val="#ppt_x"/>
+                                          </p:val>
+                                        </p:tav>
+                                      </p:tavLst>
+                                    </p:anim>
+                                    <p:anim calcmode="lin" valueType="num">
+                                      <p:cBhvr additive="base">
+                                        <p:cTn id="20" dur="500" fill="hold"/>
+                                        <p:tgtEl>
+                                          <p:spTgt spid="3">
+                                            <p:txEl>
+                                              <p:pRg st="2" end="2"/>
+                                            </p:txEl>
+                                          </p:spTgt>
+                                        </p:tgtEl>
+                                        <p:attrNameLst>
+                                          <p:attrName>ppt_y</p:attrName>
+                                        </p:attrNameLst>
+                                      </p:cBhvr>
+                                      <p:tavLst>
+                                        <p:tav tm="0">
+                                          <p:val>
+                                            <p:strVal val="1+#ppt_h/2"/>
+                                          </p:val>
+                                        </p:tav>
+                                        <p:tav tm="100000">
+                                          <p:val>
+                                            <p:strVal val="#ppt_y"/>
+                                          </p:val>
+                                        </p:tav>
+                                      </p:tavLst>
+                                    </p:anim>
+                                  </p:childTnLst>
+                                </p:cTn>
+                              </p:par>
+                              <p:par>
+                                <p:cTn id="21" presetID="2" presetClass="entr" presetSubtype="4" fill="hold" nodeType="withEffect">
+                                  <p:stCondLst>
+                                    <p:cond delay="0"/>
+                                  </p:stCondLst>
+                                  <p:childTnLst>
+                                    <p:set>
+                                      <p:cBhvr>
+                                        <p:cTn id="22" dur="1" fill="hold">
+                                          <p:stCondLst>
+                                            <p:cond delay="0"/>
+                                          </p:stCondLst>
+                                        </p:cTn>
+                                        <p:tgtEl>
+                                          <p:spTgt spid="3">
+                                            <p:txEl>
+                                              <p:pRg st="3" end="3"/>
+                                            </p:txEl>
+                                          </p:spTgt>
+                                        </p:tgtEl>
+                                        <p:attrNameLst>
+                                          <p:attrName>style.visibility</p:attrName>
+                                        </p:attrNameLst>
+                                      </p:cBhvr>
+                                      <p:to>
+                                        <p:strVal val="visible"/>
+                                      </p:to>
+                                    </p:set>
+                                    <p:anim calcmode="lin" valueType="num">
+                                      <p:cBhvr additive="base">
+                                        <p:cTn id="23" dur="500" fill="hold"/>
+                                        <p:tgtEl>
+                                          <p:spTgt spid="3">
+                                            <p:txEl>
+                                              <p:pRg st="3" end="3"/>
+                                            </p:txEl>
+                                          </p:spTgt>
+                                        </p:tgtEl>
+                                        <p:attrNameLst>
+                                          <p:attrName>ppt_x</p:attrName>
+                                        </p:attrNameLst>
+                                      </p:cBhvr>
+                                      <p:tavLst>
+                                        <p:tav tm="0">
+                                          <p:val>
+                                            <p:strVal val="#ppt_x"/>
+                                          </p:val>
+                                        </p:tav>
+                                        <p:tav tm="100000">
+                                          <p:val>
+                                            <p:strVal val="#ppt_x"/>
+                                          </p:val>
+                                        </p:tav>
+                                      </p:tavLst>
+                                    </p:anim>
+                                    <p:anim calcmode="lin" valueType="num">
+                                      <p:cBhvr additive="base">
+                                        <p:cTn id="24" dur="500" fill="hold"/>
+                                        <p:tgtEl>
+                                          <p:spTgt spid="3">
+                                            <p:txEl>
+                                              <p:pRg st="3" end="3"/>
+                                            </p:txEl>
+                                          </p:spTgt>
+                                        </p:tgtEl>
+                                        <p:attrNameLst>
+                                          <p:attrName>ppt_y</p:attrName>
+                                        </p:attrNameLst>
+                                      </p:cBhvr>
+                                      <p:tavLst>
+                                        <p:tav tm="0">
+                                          <p:val>
+                                            <p:strVal val="1+#ppt_h/2"/>
+                                          </p:val>
+                                        </p:tav>
+                                        <p:tav tm="100000">
+                                          <p:val>
+                                            <p:strVal val="#ppt_y"/>
+                                          </p:val>
+                                        </p:tav>
+                                      </p:tavLst>
+                                    </p:anim>
+                                  </p:childTnLst>
+                                </p:cTn>
+                              </p:par>
+                            </p:childTnLst>
+                          </p:cTn>
+                        </p:par>
+                      </p:childTnLst>
+                    </p:cTn>
+                  </p:par>
+                  <p:par>
+                    <p:cTn id="25" fill="hold">
+                      <p:stCondLst>
+                        <p:cond delay="indefinite"/>
+                      </p:stCondLst>
+                      <p:childTnLst>
+                        <p:par>
+                          <p:cTn id="26" fill="hold">
+                            <p:stCondLst>
+                              <p:cond delay="0"/>
+                            </p:stCondLst>
+                            <p:childTnLst>
+                              <p:par>
+                                <p:cTn id="27" presetID="2" presetClass="entr" presetSubtype="4" fill="hold" nodeType="clickEffect">
+                                  <p:stCondLst>
+                                    <p:cond delay="0"/>
+                                  </p:stCondLst>
+                                  <p:childTnLst>
+                                    <p:set>
+                                      <p:cBhvr>
+                                        <p:cTn id="28" dur="1" fill="hold">
+                                          <p:stCondLst>
+                                            <p:cond delay="0"/>
+                                          </p:stCondLst>
+                                        </p:cTn>
+                                        <p:tgtEl>
+                                          <p:spTgt spid="3">
+                                            <p:txEl>
+                                              <p:pRg st="4" end="4"/>
+                                            </p:txEl>
+                                          </p:spTgt>
+                                        </p:tgtEl>
+                                        <p:attrNameLst>
+                                          <p:attrName>style.visibility</p:attrName>
+                                        </p:attrNameLst>
+                                      </p:cBhvr>
+                                      <p:to>
+                                        <p:strVal val="visible"/>
+                                      </p:to>
+                                    </p:set>
+                                    <p:anim calcmode="lin" valueType="num">
+                                      <p:cBhvr additive="base">
+                                        <p:cTn id="29" dur="500" fill="hold"/>
+                                        <p:tgtEl>
+                                          <p:spTgt spid="3">
+                                            <p:txEl>
+                                              <p:pRg st="4" end="4"/>
+                                            </p:txEl>
+                                          </p:spTgt>
+                                        </p:tgtEl>
+                                        <p:attrNameLst>
+                                          <p:attrName>ppt_x</p:attrName>
+                                        </p:attrNameLst>
+                                      </p:cBhvr>
+                                      <p:tavLst>
+                                        <p:tav tm="0">
+                                          <p:val>
+                                            <p:strVal val="#ppt_x"/>
+                                          </p:val>
+                                        </p:tav>
+                                        <p:tav tm="100000">
+                                          <p:val>
+                                            <p:strVal val="#ppt_x"/>
+                                          </p:val>
+                                        </p:tav>
+                                      </p:tavLst>
+                                    </p:anim>
+                                    <p:anim calcmode="lin" valueType="num">
+                                      <p:cBhvr additive="base">
+                                        <p:cTn id="30" dur="500" fill="hold"/>
+                                        <p:tgtEl>
+                                          <p:spTgt spid="3">
+                                            <p:txEl>
+                                              <p:pRg st="4" end="4"/>
+                                            </p:txEl>
+                                          </p:spTgt>
+                                        </p:tgtEl>
+                                        <p:attrNameLst>
+                                          <p:attrName>ppt_y</p:attrName>
+                                        </p:attrNameLst>
+                                      </p:cBhvr>
+                                      <p:tavLst>
+                                        <p:tav tm="0">
+                                          <p:val>
+                                            <p:strVal val="1+#ppt_h/2"/>
+                                          </p:val>
+                                        </p:tav>
+                                        <p:tav tm="100000">
+                                          <p:val>
+                                            <p:strVal val="#ppt_y"/>
+                                          </p:val>
+                                        </p:tav>
+                                      </p:tavLst>
+                                    </p:anim>
+                                  </p:childTnLst>
+                                </p:cTn>
+                              </p:par>
+                            </p:childTnLst>
+                          </p:cTn>
+                        </p:par>
+                      </p:childTnLst>
+                    </p:cTn>
+                  </p:par>
+                </p:childTnLst>
+              </p:cTn>
+              <p:prevCondLst>
+                <p:cond evt="onPrev" delay="0">
+                  <p:tgtEl>
+                    <p:sldTgt/>
+                  </p:tgtEl>
+                </p:cond>
+              </p:prevCondLst>
+              <p:nextCondLst>
+                <p:cond evt="onNext" delay="0">
+                  <p:tgtEl>
+                    <p:sldTgt/>
+                  </p:tgtEl>
+                </p:cond>
+              </p:nextCondLst>
+            </p:seq>
+          </p:childTnLst>
+        </p:cTn>
+      </p:par>
+    </p:tnLst>
+  </p:timing>
 </p:sld>
 </file>
 
@@ -12228,6 +12695,654 @@
   <p:clrMapOvr>
     <a:masterClrMapping/>
   </p:clrMapOvr>
+  <p:timing>
+    <p:tnLst>
+      <p:par>
+        <p:cTn id="1" dur="indefinite" restart="never" nodeType="tmRoot">
+          <p:childTnLst>
+            <p:seq concurrent="1" nextAc="seek">
+              <p:cTn id="2" dur="indefinite" nodeType="mainSeq">
+                <p:childTnLst>
+                  <p:par>
+                    <p:cTn id="3" fill="hold">
+                      <p:stCondLst>
+                        <p:cond delay="indefinite"/>
+                      </p:stCondLst>
+                      <p:childTnLst>
+                        <p:par>
+                          <p:cTn id="4" fill="hold">
+                            <p:stCondLst>
+                              <p:cond delay="0"/>
+                            </p:stCondLst>
+                            <p:childTnLst>
+                              <p:par>
+                                <p:cTn id="5" presetID="2" presetClass="entr" presetSubtype="4" fill="hold" nodeType="clickEffect">
+                                  <p:stCondLst>
+                                    <p:cond delay="0"/>
+                                  </p:stCondLst>
+                                  <p:childTnLst>
+                                    <p:set>
+                                      <p:cBhvr>
+                                        <p:cTn id="6" dur="1" fill="hold">
+                                          <p:stCondLst>
+                                            <p:cond delay="0"/>
+                                          </p:stCondLst>
+                                        </p:cTn>
+                                        <p:tgtEl>
+                                          <p:spTgt spid="3">
+                                            <p:txEl>
+                                              <p:pRg st="0" end="0"/>
+                                            </p:txEl>
+                                          </p:spTgt>
+                                        </p:tgtEl>
+                                        <p:attrNameLst>
+                                          <p:attrName>style.visibility</p:attrName>
+                                        </p:attrNameLst>
+                                      </p:cBhvr>
+                                      <p:to>
+                                        <p:strVal val="visible"/>
+                                      </p:to>
+                                    </p:set>
+                                    <p:anim calcmode="lin" valueType="num">
+                                      <p:cBhvr additive="base">
+                                        <p:cTn id="7" dur="500" fill="hold"/>
+                                        <p:tgtEl>
+                                          <p:spTgt spid="3">
+                                            <p:txEl>
+                                              <p:pRg st="0" end="0"/>
+                                            </p:txEl>
+                                          </p:spTgt>
+                                        </p:tgtEl>
+                                        <p:attrNameLst>
+                                          <p:attrName>ppt_x</p:attrName>
+                                        </p:attrNameLst>
+                                      </p:cBhvr>
+                                      <p:tavLst>
+                                        <p:tav tm="0">
+                                          <p:val>
+                                            <p:strVal val="#ppt_x"/>
+                                          </p:val>
+                                        </p:tav>
+                                        <p:tav tm="100000">
+                                          <p:val>
+                                            <p:strVal val="#ppt_x"/>
+                                          </p:val>
+                                        </p:tav>
+                                      </p:tavLst>
+                                    </p:anim>
+                                    <p:anim calcmode="lin" valueType="num">
+                                      <p:cBhvr additive="base">
+                                        <p:cTn id="8" dur="500" fill="hold"/>
+                                        <p:tgtEl>
+                                          <p:spTgt spid="3">
+                                            <p:txEl>
+                                              <p:pRg st="0" end="0"/>
+                                            </p:txEl>
+                                          </p:spTgt>
+                                        </p:tgtEl>
+                                        <p:attrNameLst>
+                                          <p:attrName>ppt_y</p:attrName>
+                                        </p:attrNameLst>
+                                      </p:cBhvr>
+                                      <p:tavLst>
+                                        <p:tav tm="0">
+                                          <p:val>
+                                            <p:strVal val="1+#ppt_h/2"/>
+                                          </p:val>
+                                        </p:tav>
+                                        <p:tav tm="100000">
+                                          <p:val>
+                                            <p:strVal val="#ppt_y"/>
+                                          </p:val>
+                                        </p:tav>
+                                      </p:tavLst>
+                                    </p:anim>
+                                  </p:childTnLst>
+                                </p:cTn>
+                              </p:par>
+                            </p:childTnLst>
+                          </p:cTn>
+                        </p:par>
+                      </p:childTnLst>
+                    </p:cTn>
+                  </p:par>
+                  <p:par>
+                    <p:cTn id="9" fill="hold">
+                      <p:stCondLst>
+                        <p:cond delay="indefinite"/>
+                      </p:stCondLst>
+                      <p:childTnLst>
+                        <p:par>
+                          <p:cTn id="10" fill="hold">
+                            <p:stCondLst>
+                              <p:cond delay="0"/>
+                            </p:stCondLst>
+                            <p:childTnLst>
+                              <p:par>
+                                <p:cTn id="11" presetID="2" presetClass="entr" presetSubtype="4" fill="hold" nodeType="clickEffect">
+                                  <p:stCondLst>
+                                    <p:cond delay="0"/>
+                                  </p:stCondLst>
+                                  <p:childTnLst>
+                                    <p:set>
+                                      <p:cBhvr>
+                                        <p:cTn id="12" dur="1" fill="hold">
+                                          <p:stCondLst>
+                                            <p:cond delay="0"/>
+                                          </p:stCondLst>
+                                        </p:cTn>
+                                        <p:tgtEl>
+                                          <p:spTgt spid="3">
+                                            <p:txEl>
+                                              <p:pRg st="1" end="1"/>
+                                            </p:txEl>
+                                          </p:spTgt>
+                                        </p:tgtEl>
+                                        <p:attrNameLst>
+                                          <p:attrName>style.visibility</p:attrName>
+                                        </p:attrNameLst>
+                                      </p:cBhvr>
+                                      <p:to>
+                                        <p:strVal val="visible"/>
+                                      </p:to>
+                                    </p:set>
+                                    <p:anim calcmode="lin" valueType="num">
+                                      <p:cBhvr additive="base">
+                                        <p:cTn id="13" dur="500" fill="hold"/>
+                                        <p:tgtEl>
+                                          <p:spTgt spid="3">
+                                            <p:txEl>
+                                              <p:pRg st="1" end="1"/>
+                                            </p:txEl>
+                                          </p:spTgt>
+                                        </p:tgtEl>
+                                        <p:attrNameLst>
+                                          <p:attrName>ppt_x</p:attrName>
+                                        </p:attrNameLst>
+                                      </p:cBhvr>
+                                      <p:tavLst>
+                                        <p:tav tm="0">
+                                          <p:val>
+                                            <p:strVal val="#ppt_x"/>
+                                          </p:val>
+                                        </p:tav>
+                                        <p:tav tm="100000">
+                                          <p:val>
+                                            <p:strVal val="#ppt_x"/>
+                                          </p:val>
+                                        </p:tav>
+                                      </p:tavLst>
+                                    </p:anim>
+                                    <p:anim calcmode="lin" valueType="num">
+                                      <p:cBhvr additive="base">
+                                        <p:cTn id="14" dur="500" fill="hold"/>
+                                        <p:tgtEl>
+                                          <p:spTgt spid="3">
+                                            <p:txEl>
+                                              <p:pRg st="1" end="1"/>
+                                            </p:txEl>
+                                          </p:spTgt>
+                                        </p:tgtEl>
+                                        <p:attrNameLst>
+                                          <p:attrName>ppt_y</p:attrName>
+                                        </p:attrNameLst>
+                                      </p:cBhvr>
+                                      <p:tavLst>
+                                        <p:tav tm="0">
+                                          <p:val>
+                                            <p:strVal val="1+#ppt_h/2"/>
+                                          </p:val>
+                                        </p:tav>
+                                        <p:tav tm="100000">
+                                          <p:val>
+                                            <p:strVal val="#ppt_y"/>
+                                          </p:val>
+                                        </p:tav>
+                                      </p:tavLst>
+                                    </p:anim>
+                                  </p:childTnLst>
+                                </p:cTn>
+                              </p:par>
+                            </p:childTnLst>
+                          </p:cTn>
+                        </p:par>
+                      </p:childTnLst>
+                    </p:cTn>
+                  </p:par>
+                  <p:par>
+                    <p:cTn id="15" fill="hold">
+                      <p:stCondLst>
+                        <p:cond delay="indefinite"/>
+                      </p:stCondLst>
+                      <p:childTnLst>
+                        <p:par>
+                          <p:cTn id="16" fill="hold">
+                            <p:stCondLst>
+                              <p:cond delay="0"/>
+                            </p:stCondLst>
+                            <p:childTnLst>
+                              <p:par>
+                                <p:cTn id="17" presetID="2" presetClass="entr" presetSubtype="4" fill="hold" nodeType="clickEffect">
+                                  <p:stCondLst>
+                                    <p:cond delay="0"/>
+                                  </p:stCondLst>
+                                  <p:childTnLst>
+                                    <p:set>
+                                      <p:cBhvr>
+                                        <p:cTn id="18" dur="1" fill="hold">
+                                          <p:stCondLst>
+                                            <p:cond delay="0"/>
+                                          </p:stCondLst>
+                                        </p:cTn>
+                                        <p:tgtEl>
+                                          <p:spTgt spid="3">
+                                            <p:txEl>
+                                              <p:pRg st="2" end="2"/>
+                                            </p:txEl>
+                                          </p:spTgt>
+                                        </p:tgtEl>
+                                        <p:attrNameLst>
+                                          <p:attrName>style.visibility</p:attrName>
+                                        </p:attrNameLst>
+                                      </p:cBhvr>
+                                      <p:to>
+                                        <p:strVal val="visible"/>
+                                      </p:to>
+                                    </p:set>
+                                    <p:anim calcmode="lin" valueType="num">
+                                      <p:cBhvr additive="base">
+                                        <p:cTn id="19" dur="500" fill="hold"/>
+                                        <p:tgtEl>
+                                          <p:spTgt spid="3">
+                                            <p:txEl>
+                                              <p:pRg st="2" end="2"/>
+                                            </p:txEl>
+                                          </p:spTgt>
+                                        </p:tgtEl>
+                                        <p:attrNameLst>
+                                          <p:attrName>ppt_x</p:attrName>
+                                        </p:attrNameLst>
+                                      </p:cBhvr>
+                                      <p:tavLst>
+                                        <p:tav tm="0">
+                                          <p:val>
+                                            <p:strVal val="#ppt_x"/>
+                                          </p:val>
+                                        </p:tav>
+                                        <p:tav tm="100000">
+                                          <p:val>
+                                            <p:strVal val="#ppt_x"/>
+                                          </p:val>
+                                        </p:tav>
+                                      </p:tavLst>
+                                    </p:anim>
+                                    <p:anim calcmode="lin" valueType="num">
+                                      <p:cBhvr additive="base">
+                                        <p:cTn id="20" dur="500" fill="hold"/>
+                                        <p:tgtEl>
+                                          <p:spTgt spid="3">
+                                            <p:txEl>
+                                              <p:pRg st="2" end="2"/>
+                                            </p:txEl>
+                                          </p:spTgt>
+                                        </p:tgtEl>
+                                        <p:attrNameLst>
+                                          <p:attrName>ppt_y</p:attrName>
+                                        </p:attrNameLst>
+                                      </p:cBhvr>
+                                      <p:tavLst>
+                                        <p:tav tm="0">
+                                          <p:val>
+                                            <p:strVal val="1+#ppt_h/2"/>
+                                          </p:val>
+                                        </p:tav>
+                                        <p:tav tm="100000">
+                                          <p:val>
+                                            <p:strVal val="#ppt_y"/>
+                                          </p:val>
+                                        </p:tav>
+                                      </p:tavLst>
+                                    </p:anim>
+                                  </p:childTnLst>
+                                </p:cTn>
+                              </p:par>
+                            </p:childTnLst>
+                          </p:cTn>
+                        </p:par>
+                      </p:childTnLst>
+                    </p:cTn>
+                  </p:par>
+                  <p:par>
+                    <p:cTn id="21" fill="hold">
+                      <p:stCondLst>
+                        <p:cond delay="indefinite"/>
+                      </p:stCondLst>
+                      <p:childTnLst>
+                        <p:par>
+                          <p:cTn id="22" fill="hold">
+                            <p:stCondLst>
+                              <p:cond delay="0"/>
+                            </p:stCondLst>
+                            <p:childTnLst>
+                              <p:par>
+                                <p:cTn id="23" presetID="2" presetClass="entr" presetSubtype="4" fill="hold" nodeType="clickEffect">
+                                  <p:stCondLst>
+                                    <p:cond delay="0"/>
+                                  </p:stCondLst>
+                                  <p:childTnLst>
+                                    <p:set>
+                                      <p:cBhvr>
+                                        <p:cTn id="24" dur="1" fill="hold">
+                                          <p:stCondLst>
+                                            <p:cond delay="0"/>
+                                          </p:stCondLst>
+                                        </p:cTn>
+                                        <p:tgtEl>
+                                          <p:spTgt spid="3">
+                                            <p:txEl>
+                                              <p:pRg st="3" end="3"/>
+                                            </p:txEl>
+                                          </p:spTgt>
+                                        </p:tgtEl>
+                                        <p:attrNameLst>
+                                          <p:attrName>style.visibility</p:attrName>
+                                        </p:attrNameLst>
+                                      </p:cBhvr>
+                                      <p:to>
+                                        <p:strVal val="visible"/>
+                                      </p:to>
+                                    </p:set>
+                                    <p:anim calcmode="lin" valueType="num">
+                                      <p:cBhvr additive="base">
+                                        <p:cTn id="25" dur="500" fill="hold"/>
+                                        <p:tgtEl>
+                                          <p:spTgt spid="3">
+                                            <p:txEl>
+                                              <p:pRg st="3" end="3"/>
+                                            </p:txEl>
+                                          </p:spTgt>
+                                        </p:tgtEl>
+                                        <p:attrNameLst>
+                                          <p:attrName>ppt_x</p:attrName>
+                                        </p:attrNameLst>
+                                      </p:cBhvr>
+                                      <p:tavLst>
+                                        <p:tav tm="0">
+                                          <p:val>
+                                            <p:strVal val="#ppt_x"/>
+                                          </p:val>
+                                        </p:tav>
+                                        <p:tav tm="100000">
+                                          <p:val>
+                                            <p:strVal val="#ppt_x"/>
+                                          </p:val>
+                                        </p:tav>
+                                      </p:tavLst>
+                                    </p:anim>
+                                    <p:anim calcmode="lin" valueType="num">
+                                      <p:cBhvr additive="base">
+                                        <p:cTn id="26" dur="500" fill="hold"/>
+                                        <p:tgtEl>
+                                          <p:spTgt spid="3">
+                                            <p:txEl>
+                                              <p:pRg st="3" end="3"/>
+                                            </p:txEl>
+                                          </p:spTgt>
+                                        </p:tgtEl>
+                                        <p:attrNameLst>
+                                          <p:attrName>ppt_y</p:attrName>
+                                        </p:attrNameLst>
+                                      </p:cBhvr>
+                                      <p:tavLst>
+                                        <p:tav tm="0">
+                                          <p:val>
+                                            <p:strVal val="1+#ppt_h/2"/>
+                                          </p:val>
+                                        </p:tav>
+                                        <p:tav tm="100000">
+                                          <p:val>
+                                            <p:strVal val="#ppt_y"/>
+                                          </p:val>
+                                        </p:tav>
+                                      </p:tavLst>
+                                    </p:anim>
+                                  </p:childTnLst>
+                                </p:cTn>
+                              </p:par>
+                            </p:childTnLst>
+                          </p:cTn>
+                        </p:par>
+                      </p:childTnLst>
+                    </p:cTn>
+                  </p:par>
+                  <p:par>
+                    <p:cTn id="27" fill="hold">
+                      <p:stCondLst>
+                        <p:cond delay="indefinite"/>
+                      </p:stCondLst>
+                      <p:childTnLst>
+                        <p:par>
+                          <p:cTn id="28" fill="hold">
+                            <p:stCondLst>
+                              <p:cond delay="0"/>
+                            </p:stCondLst>
+                            <p:childTnLst>
+                              <p:par>
+                                <p:cTn id="29" presetID="2" presetClass="entr" presetSubtype="4" fill="hold" nodeType="clickEffect">
+                                  <p:stCondLst>
+                                    <p:cond delay="0"/>
+                                  </p:stCondLst>
+                                  <p:childTnLst>
+                                    <p:set>
+                                      <p:cBhvr>
+                                        <p:cTn id="30" dur="1" fill="hold">
+                                          <p:stCondLst>
+                                            <p:cond delay="0"/>
+                                          </p:stCondLst>
+                                        </p:cTn>
+                                        <p:tgtEl>
+                                          <p:spTgt spid="3">
+                                            <p:txEl>
+                                              <p:pRg st="4" end="4"/>
+                                            </p:txEl>
+                                          </p:spTgt>
+                                        </p:tgtEl>
+                                        <p:attrNameLst>
+                                          <p:attrName>style.visibility</p:attrName>
+                                        </p:attrNameLst>
+                                      </p:cBhvr>
+                                      <p:to>
+                                        <p:strVal val="visible"/>
+                                      </p:to>
+                                    </p:set>
+                                    <p:anim calcmode="lin" valueType="num">
+                                      <p:cBhvr additive="base">
+                                        <p:cTn id="31" dur="500" fill="hold"/>
+                                        <p:tgtEl>
+                                          <p:spTgt spid="3">
+                                            <p:txEl>
+                                              <p:pRg st="4" end="4"/>
+                                            </p:txEl>
+                                          </p:spTgt>
+                                        </p:tgtEl>
+                                        <p:attrNameLst>
+                                          <p:attrName>ppt_x</p:attrName>
+                                        </p:attrNameLst>
+                                      </p:cBhvr>
+                                      <p:tavLst>
+                                        <p:tav tm="0">
+                                          <p:val>
+                                            <p:strVal val="#ppt_x"/>
+                                          </p:val>
+                                        </p:tav>
+                                        <p:tav tm="100000">
+                                          <p:val>
+                                            <p:strVal val="#ppt_x"/>
+                                          </p:val>
+                                        </p:tav>
+                                      </p:tavLst>
+                                    </p:anim>
+                                    <p:anim calcmode="lin" valueType="num">
+                                      <p:cBhvr additive="base">
+                                        <p:cTn id="32" dur="500" fill="hold"/>
+                                        <p:tgtEl>
+                                          <p:spTgt spid="3">
+                                            <p:txEl>
+                                              <p:pRg st="4" end="4"/>
+                                            </p:txEl>
+                                          </p:spTgt>
+                                        </p:tgtEl>
+                                        <p:attrNameLst>
+                                          <p:attrName>ppt_y</p:attrName>
+                                        </p:attrNameLst>
+                                      </p:cBhvr>
+                                      <p:tavLst>
+                                        <p:tav tm="0">
+                                          <p:val>
+                                            <p:strVal val="1+#ppt_h/2"/>
+                                          </p:val>
+                                        </p:tav>
+                                        <p:tav tm="100000">
+                                          <p:val>
+                                            <p:strVal val="#ppt_y"/>
+                                          </p:val>
+                                        </p:tav>
+                                      </p:tavLst>
+                                    </p:anim>
+                                  </p:childTnLst>
+                                </p:cTn>
+                              </p:par>
+                            </p:childTnLst>
+                          </p:cTn>
+                        </p:par>
+                      </p:childTnLst>
+                    </p:cTn>
+                  </p:par>
+                  <p:par>
+                    <p:cTn id="33" fill="hold">
+                      <p:stCondLst>
+                        <p:cond delay="indefinite"/>
+                      </p:stCondLst>
+                      <p:childTnLst>
+                        <p:par>
+                          <p:cTn id="34" fill="hold">
+                            <p:stCondLst>
+                              <p:cond delay="0"/>
+                            </p:stCondLst>
+                            <p:childTnLst>
+                              <p:par>
+                                <p:cTn id="35" presetID="2" presetClass="entr" presetSubtype="4" fill="hold" nodeType="clickEffect">
+                                  <p:stCondLst>
+                                    <p:cond delay="0"/>
+                                  </p:stCondLst>
+                                  <p:childTnLst>
+                                    <p:set>
+                                      <p:cBhvr>
+                                        <p:cTn id="36" dur="1" fill="hold">
+                                          <p:stCondLst>
+                                            <p:cond delay="0"/>
+                                          </p:stCondLst>
+                                        </p:cTn>
+                                        <p:tgtEl>
+                                          <p:spTgt spid="3">
+                                            <p:txEl>
+                                              <p:pRg st="5" end="5"/>
+                                            </p:txEl>
+                                          </p:spTgt>
+                                        </p:tgtEl>
+                                        <p:attrNameLst>
+                                          <p:attrName>style.visibility</p:attrName>
+                                        </p:attrNameLst>
+                                      </p:cBhvr>
+                                      <p:to>
+                                        <p:strVal val="visible"/>
+                                      </p:to>
+                                    </p:set>
+                                    <p:anim calcmode="lin" valueType="num">
+                                      <p:cBhvr additive="base">
+                                        <p:cTn id="37" dur="500" fill="hold"/>
+                                        <p:tgtEl>
+                                          <p:spTgt spid="3">
+                                            <p:txEl>
+                                              <p:pRg st="5" end="5"/>
+                                            </p:txEl>
+                                          </p:spTgt>
+                                        </p:tgtEl>
+                                        <p:attrNameLst>
+                                          <p:attrName>ppt_x</p:attrName>
+                                        </p:attrNameLst>
+                                      </p:cBhvr>
+                                      <p:tavLst>
+                                        <p:tav tm="0">
+                                          <p:val>
+                                            <p:strVal val="#ppt_x"/>
+                                          </p:val>
+                                        </p:tav>
+                                        <p:tav tm="100000">
+                                          <p:val>
+                                            <p:strVal val="#ppt_x"/>
+                                          </p:val>
+                                        </p:tav>
+                                      </p:tavLst>
+                                    </p:anim>
+                                    <p:anim calcmode="lin" valueType="num">
+                                      <p:cBhvr additive="base">
+                                        <p:cTn id="38" dur="500" fill="hold"/>
+                                        <p:tgtEl>
+                                          <p:spTgt spid="3">
+                                            <p:txEl>
+                                              <p:pRg st="5" end="5"/>
+                                            </p:txEl>
+                                          </p:spTgt>
+                                        </p:tgtEl>
+                                        <p:attrNameLst>
+                                          <p:attrName>ppt_y</p:attrName>
+                                        </p:attrNameLst>
+                                      </p:cBhvr>
+                                      <p:tavLst>
+                                        <p:tav tm="0">
+                                          <p:val>
+                                            <p:strVal val="1+#ppt_h/2"/>
+                                          </p:val>
+                                        </p:tav>
+                                        <p:tav tm="100000">
+                                          <p:val>
+                                            <p:strVal val="#ppt_y"/>
+                                          </p:val>
+                                        </p:tav>
+                                      </p:tavLst>
+                                    </p:anim>
+                                  </p:childTnLst>
+                                </p:cTn>
+                              </p:par>
+                            </p:childTnLst>
+                          </p:cTn>
+                        </p:par>
+                      </p:childTnLst>
+                    </p:cTn>
+                  </p:par>
+                </p:childTnLst>
+              </p:cTn>
+              <p:prevCondLst>
+                <p:cond evt="onPrev" delay="0">
+                  <p:tgtEl>
+                    <p:sldTgt/>
+                  </p:tgtEl>
+                </p:cond>
+              </p:prevCondLst>
+              <p:nextCondLst>
+                <p:cond evt="onNext" delay="0">
+                  <p:tgtEl>
+                    <p:sldTgt/>
+                  </p:tgtEl>
+                </p:cond>
+              </p:nextCondLst>
+            </p:seq>
+          </p:childTnLst>
+        </p:cTn>
+      </p:par>
+    </p:tnLst>
+  </p:timing>
 </p:sld>
 </file>
 
@@ -12902,6 +14017,635 @@
   <p:clrMapOvr>
     <a:masterClrMapping/>
   </p:clrMapOvr>
+  <p:timing>
+    <p:tnLst>
+      <p:par>
+        <p:cTn id="1" dur="indefinite" restart="never" nodeType="tmRoot">
+          <p:childTnLst>
+            <p:seq concurrent="1" nextAc="seek">
+              <p:cTn id="2" dur="indefinite" nodeType="mainSeq">
+                <p:childTnLst>
+                  <p:par>
+                    <p:cTn id="3" fill="hold">
+                      <p:stCondLst>
+                        <p:cond delay="indefinite"/>
+                      </p:stCondLst>
+                      <p:childTnLst>
+                        <p:par>
+                          <p:cTn id="4" fill="hold">
+                            <p:stCondLst>
+                              <p:cond delay="0"/>
+                            </p:stCondLst>
+                            <p:childTnLst>
+                              <p:par>
+                                <p:cTn id="5" presetID="2" presetClass="entr" presetSubtype="4" fill="hold" nodeType="clickEffect">
+                                  <p:stCondLst>
+                                    <p:cond delay="0"/>
+                                  </p:stCondLst>
+                                  <p:childTnLst>
+                                    <p:set>
+                                      <p:cBhvr>
+                                        <p:cTn id="6" dur="1" fill="hold">
+                                          <p:stCondLst>
+                                            <p:cond delay="0"/>
+                                          </p:stCondLst>
+                                        </p:cTn>
+                                        <p:tgtEl>
+                                          <p:spTgt spid="3">
+                                            <p:txEl>
+                                              <p:pRg st="1" end="1"/>
+                                            </p:txEl>
+                                          </p:spTgt>
+                                        </p:tgtEl>
+                                        <p:attrNameLst>
+                                          <p:attrName>style.visibility</p:attrName>
+                                        </p:attrNameLst>
+                                      </p:cBhvr>
+                                      <p:to>
+                                        <p:strVal val="visible"/>
+                                      </p:to>
+                                    </p:set>
+                                    <p:anim calcmode="lin" valueType="num">
+                                      <p:cBhvr additive="base">
+                                        <p:cTn id="7" dur="500" fill="hold"/>
+                                        <p:tgtEl>
+                                          <p:spTgt spid="3">
+                                            <p:txEl>
+                                              <p:pRg st="1" end="1"/>
+                                            </p:txEl>
+                                          </p:spTgt>
+                                        </p:tgtEl>
+                                        <p:attrNameLst>
+                                          <p:attrName>ppt_x</p:attrName>
+                                        </p:attrNameLst>
+                                      </p:cBhvr>
+                                      <p:tavLst>
+                                        <p:tav tm="0">
+                                          <p:val>
+                                            <p:strVal val="#ppt_x"/>
+                                          </p:val>
+                                        </p:tav>
+                                        <p:tav tm="100000">
+                                          <p:val>
+                                            <p:strVal val="#ppt_x"/>
+                                          </p:val>
+                                        </p:tav>
+                                      </p:tavLst>
+                                    </p:anim>
+                                    <p:anim calcmode="lin" valueType="num">
+                                      <p:cBhvr additive="base">
+                                        <p:cTn id="8" dur="500" fill="hold"/>
+                                        <p:tgtEl>
+                                          <p:spTgt spid="3">
+                                            <p:txEl>
+                                              <p:pRg st="1" end="1"/>
+                                            </p:txEl>
+                                          </p:spTgt>
+                                        </p:tgtEl>
+                                        <p:attrNameLst>
+                                          <p:attrName>ppt_y</p:attrName>
+                                        </p:attrNameLst>
+                                      </p:cBhvr>
+                                      <p:tavLst>
+                                        <p:tav tm="0">
+                                          <p:val>
+                                            <p:strVal val="1+#ppt_h/2"/>
+                                          </p:val>
+                                        </p:tav>
+                                        <p:tav tm="100000">
+                                          <p:val>
+                                            <p:strVal val="#ppt_y"/>
+                                          </p:val>
+                                        </p:tav>
+                                      </p:tavLst>
+                                    </p:anim>
+                                  </p:childTnLst>
+                                </p:cTn>
+                              </p:par>
+                              <p:par>
+                                <p:cTn id="9" presetID="2" presetClass="entr" presetSubtype="4" fill="hold" nodeType="withEffect">
+                                  <p:stCondLst>
+                                    <p:cond delay="0"/>
+                                  </p:stCondLst>
+                                  <p:childTnLst>
+                                    <p:set>
+                                      <p:cBhvr>
+                                        <p:cTn id="10" dur="1" fill="hold">
+                                          <p:stCondLst>
+                                            <p:cond delay="0"/>
+                                          </p:stCondLst>
+                                        </p:cTn>
+                                        <p:tgtEl>
+                                          <p:spTgt spid="3">
+                                            <p:txEl>
+                                              <p:pRg st="2" end="2"/>
+                                            </p:txEl>
+                                          </p:spTgt>
+                                        </p:tgtEl>
+                                        <p:attrNameLst>
+                                          <p:attrName>style.visibility</p:attrName>
+                                        </p:attrNameLst>
+                                      </p:cBhvr>
+                                      <p:to>
+                                        <p:strVal val="visible"/>
+                                      </p:to>
+                                    </p:set>
+                                    <p:anim calcmode="lin" valueType="num">
+                                      <p:cBhvr additive="base">
+                                        <p:cTn id="11" dur="500" fill="hold"/>
+                                        <p:tgtEl>
+                                          <p:spTgt spid="3">
+                                            <p:txEl>
+                                              <p:pRg st="2" end="2"/>
+                                            </p:txEl>
+                                          </p:spTgt>
+                                        </p:tgtEl>
+                                        <p:attrNameLst>
+                                          <p:attrName>ppt_x</p:attrName>
+                                        </p:attrNameLst>
+                                      </p:cBhvr>
+                                      <p:tavLst>
+                                        <p:tav tm="0">
+                                          <p:val>
+                                            <p:strVal val="#ppt_x"/>
+                                          </p:val>
+                                        </p:tav>
+                                        <p:tav tm="100000">
+                                          <p:val>
+                                            <p:strVal val="#ppt_x"/>
+                                          </p:val>
+                                        </p:tav>
+                                      </p:tavLst>
+                                    </p:anim>
+                                    <p:anim calcmode="lin" valueType="num">
+                                      <p:cBhvr additive="base">
+                                        <p:cTn id="12" dur="500" fill="hold"/>
+                                        <p:tgtEl>
+                                          <p:spTgt spid="3">
+                                            <p:txEl>
+                                              <p:pRg st="2" end="2"/>
+                                            </p:txEl>
+                                          </p:spTgt>
+                                        </p:tgtEl>
+                                        <p:attrNameLst>
+                                          <p:attrName>ppt_y</p:attrName>
+                                        </p:attrNameLst>
+                                      </p:cBhvr>
+                                      <p:tavLst>
+                                        <p:tav tm="0">
+                                          <p:val>
+                                            <p:strVal val="1+#ppt_h/2"/>
+                                          </p:val>
+                                        </p:tav>
+                                        <p:tav tm="100000">
+                                          <p:val>
+                                            <p:strVal val="#ppt_y"/>
+                                          </p:val>
+                                        </p:tav>
+                                      </p:tavLst>
+                                    </p:anim>
+                                  </p:childTnLst>
+                                </p:cTn>
+                              </p:par>
+                              <p:par>
+                                <p:cTn id="13" presetID="2" presetClass="entr" presetSubtype="4" fill="hold" nodeType="withEffect">
+                                  <p:stCondLst>
+                                    <p:cond delay="0"/>
+                                  </p:stCondLst>
+                                  <p:childTnLst>
+                                    <p:set>
+                                      <p:cBhvr>
+                                        <p:cTn id="14" dur="1" fill="hold">
+                                          <p:stCondLst>
+                                            <p:cond delay="0"/>
+                                          </p:stCondLst>
+                                        </p:cTn>
+                                        <p:tgtEl>
+                                          <p:spTgt spid="3">
+                                            <p:txEl>
+                                              <p:pRg st="3" end="3"/>
+                                            </p:txEl>
+                                          </p:spTgt>
+                                        </p:tgtEl>
+                                        <p:attrNameLst>
+                                          <p:attrName>style.visibility</p:attrName>
+                                        </p:attrNameLst>
+                                      </p:cBhvr>
+                                      <p:to>
+                                        <p:strVal val="visible"/>
+                                      </p:to>
+                                    </p:set>
+                                    <p:anim calcmode="lin" valueType="num">
+                                      <p:cBhvr additive="base">
+                                        <p:cTn id="15" dur="500" fill="hold"/>
+                                        <p:tgtEl>
+                                          <p:spTgt spid="3">
+                                            <p:txEl>
+                                              <p:pRg st="3" end="3"/>
+                                            </p:txEl>
+                                          </p:spTgt>
+                                        </p:tgtEl>
+                                        <p:attrNameLst>
+                                          <p:attrName>ppt_x</p:attrName>
+                                        </p:attrNameLst>
+                                      </p:cBhvr>
+                                      <p:tavLst>
+                                        <p:tav tm="0">
+                                          <p:val>
+                                            <p:strVal val="#ppt_x"/>
+                                          </p:val>
+                                        </p:tav>
+                                        <p:tav tm="100000">
+                                          <p:val>
+                                            <p:strVal val="#ppt_x"/>
+                                          </p:val>
+                                        </p:tav>
+                                      </p:tavLst>
+                                    </p:anim>
+                                    <p:anim calcmode="lin" valueType="num">
+                                      <p:cBhvr additive="base">
+                                        <p:cTn id="16" dur="500" fill="hold"/>
+                                        <p:tgtEl>
+                                          <p:spTgt spid="3">
+                                            <p:txEl>
+                                              <p:pRg st="3" end="3"/>
+                                            </p:txEl>
+                                          </p:spTgt>
+                                        </p:tgtEl>
+                                        <p:attrNameLst>
+                                          <p:attrName>ppt_y</p:attrName>
+                                        </p:attrNameLst>
+                                      </p:cBhvr>
+                                      <p:tavLst>
+                                        <p:tav tm="0">
+                                          <p:val>
+                                            <p:strVal val="1+#ppt_h/2"/>
+                                          </p:val>
+                                        </p:tav>
+                                        <p:tav tm="100000">
+                                          <p:val>
+                                            <p:strVal val="#ppt_y"/>
+                                          </p:val>
+                                        </p:tav>
+                                      </p:tavLst>
+                                    </p:anim>
+                                  </p:childTnLst>
+                                </p:cTn>
+                              </p:par>
+                            </p:childTnLst>
+                          </p:cTn>
+                        </p:par>
+                      </p:childTnLst>
+                    </p:cTn>
+                  </p:par>
+                  <p:par>
+                    <p:cTn id="17" fill="hold">
+                      <p:stCondLst>
+                        <p:cond delay="indefinite"/>
+                      </p:stCondLst>
+                      <p:childTnLst>
+                        <p:par>
+                          <p:cTn id="18" fill="hold">
+                            <p:stCondLst>
+                              <p:cond delay="0"/>
+                            </p:stCondLst>
+                            <p:childTnLst>
+                              <p:par>
+                                <p:cTn id="19" presetID="9" presetClass="entr" presetSubtype="0" fill="hold" nodeType="clickEffect">
+                                  <p:stCondLst>
+                                    <p:cond delay="0"/>
+                                  </p:stCondLst>
+                                  <p:childTnLst>
+                                    <p:set>
+                                      <p:cBhvr>
+                                        <p:cTn id="20" dur="1" fill="hold">
+                                          <p:stCondLst>
+                                            <p:cond delay="0"/>
+                                          </p:stCondLst>
+                                        </p:cTn>
+                                        <p:tgtEl>
+                                          <p:spTgt spid="7"/>
+                                        </p:tgtEl>
+                                        <p:attrNameLst>
+                                          <p:attrName>style.visibility</p:attrName>
+                                        </p:attrNameLst>
+                                      </p:cBhvr>
+                                      <p:to>
+                                        <p:strVal val="visible"/>
+                                      </p:to>
+                                    </p:set>
+                                    <p:animEffect transition="in" filter="dissolve">
+                                      <p:cBhvr>
+                                        <p:cTn id="21" dur="500"/>
+                                        <p:tgtEl>
+                                          <p:spTgt spid="7"/>
+                                        </p:tgtEl>
+                                      </p:cBhvr>
+                                    </p:animEffect>
+                                  </p:childTnLst>
+                                </p:cTn>
+                              </p:par>
+                            </p:childTnLst>
+                          </p:cTn>
+                        </p:par>
+                      </p:childTnLst>
+                    </p:cTn>
+                  </p:par>
+                  <p:par>
+                    <p:cTn id="22" fill="hold">
+                      <p:stCondLst>
+                        <p:cond delay="indefinite"/>
+                      </p:stCondLst>
+                      <p:childTnLst>
+                        <p:par>
+                          <p:cTn id="23" fill="hold">
+                            <p:stCondLst>
+                              <p:cond delay="0"/>
+                            </p:stCondLst>
+                            <p:childTnLst>
+                              <p:par>
+                                <p:cTn id="24" presetID="2" presetClass="entr" presetSubtype="4" fill="hold" nodeType="clickEffect">
+                                  <p:stCondLst>
+                                    <p:cond delay="0"/>
+                                  </p:stCondLst>
+                                  <p:childTnLst>
+                                    <p:set>
+                                      <p:cBhvr>
+                                        <p:cTn id="25" dur="1" fill="hold">
+                                          <p:stCondLst>
+                                            <p:cond delay="0"/>
+                                          </p:stCondLst>
+                                        </p:cTn>
+                                        <p:tgtEl>
+                                          <p:spTgt spid="3">
+                                            <p:txEl>
+                                              <p:pRg st="4" end="4"/>
+                                            </p:txEl>
+                                          </p:spTgt>
+                                        </p:tgtEl>
+                                        <p:attrNameLst>
+                                          <p:attrName>style.visibility</p:attrName>
+                                        </p:attrNameLst>
+                                      </p:cBhvr>
+                                      <p:to>
+                                        <p:strVal val="visible"/>
+                                      </p:to>
+                                    </p:set>
+                                    <p:anim calcmode="lin" valueType="num">
+                                      <p:cBhvr additive="base">
+                                        <p:cTn id="26" dur="500" fill="hold"/>
+                                        <p:tgtEl>
+                                          <p:spTgt spid="3">
+                                            <p:txEl>
+                                              <p:pRg st="4" end="4"/>
+                                            </p:txEl>
+                                          </p:spTgt>
+                                        </p:tgtEl>
+                                        <p:attrNameLst>
+                                          <p:attrName>ppt_x</p:attrName>
+                                        </p:attrNameLst>
+                                      </p:cBhvr>
+                                      <p:tavLst>
+                                        <p:tav tm="0">
+                                          <p:val>
+                                            <p:strVal val="#ppt_x"/>
+                                          </p:val>
+                                        </p:tav>
+                                        <p:tav tm="100000">
+                                          <p:val>
+                                            <p:strVal val="#ppt_x"/>
+                                          </p:val>
+                                        </p:tav>
+                                      </p:tavLst>
+                                    </p:anim>
+                                    <p:anim calcmode="lin" valueType="num">
+                                      <p:cBhvr additive="base">
+                                        <p:cTn id="27" dur="500" fill="hold"/>
+                                        <p:tgtEl>
+                                          <p:spTgt spid="3">
+                                            <p:txEl>
+                                              <p:pRg st="4" end="4"/>
+                                            </p:txEl>
+                                          </p:spTgt>
+                                        </p:tgtEl>
+                                        <p:attrNameLst>
+                                          <p:attrName>ppt_y</p:attrName>
+                                        </p:attrNameLst>
+                                      </p:cBhvr>
+                                      <p:tavLst>
+                                        <p:tav tm="0">
+                                          <p:val>
+                                            <p:strVal val="1+#ppt_h/2"/>
+                                          </p:val>
+                                        </p:tav>
+                                        <p:tav tm="100000">
+                                          <p:val>
+                                            <p:strVal val="#ppt_y"/>
+                                          </p:val>
+                                        </p:tav>
+                                      </p:tavLst>
+                                    </p:anim>
+                                  </p:childTnLst>
+                                </p:cTn>
+                              </p:par>
+                              <p:par>
+                                <p:cTn id="28" presetID="2" presetClass="entr" presetSubtype="4" fill="hold" nodeType="withEffect">
+                                  <p:stCondLst>
+                                    <p:cond delay="0"/>
+                                  </p:stCondLst>
+                                  <p:childTnLst>
+                                    <p:set>
+                                      <p:cBhvr>
+                                        <p:cTn id="29" dur="1" fill="hold">
+                                          <p:stCondLst>
+                                            <p:cond delay="0"/>
+                                          </p:stCondLst>
+                                        </p:cTn>
+                                        <p:tgtEl>
+                                          <p:spTgt spid="3">
+                                            <p:txEl>
+                                              <p:pRg st="5" end="5"/>
+                                            </p:txEl>
+                                          </p:spTgt>
+                                        </p:tgtEl>
+                                        <p:attrNameLst>
+                                          <p:attrName>style.visibility</p:attrName>
+                                        </p:attrNameLst>
+                                      </p:cBhvr>
+                                      <p:to>
+                                        <p:strVal val="visible"/>
+                                      </p:to>
+                                    </p:set>
+                                    <p:anim calcmode="lin" valueType="num">
+                                      <p:cBhvr additive="base">
+                                        <p:cTn id="30" dur="500" fill="hold"/>
+                                        <p:tgtEl>
+                                          <p:spTgt spid="3">
+                                            <p:txEl>
+                                              <p:pRg st="5" end="5"/>
+                                            </p:txEl>
+                                          </p:spTgt>
+                                        </p:tgtEl>
+                                        <p:attrNameLst>
+                                          <p:attrName>ppt_x</p:attrName>
+                                        </p:attrNameLst>
+                                      </p:cBhvr>
+                                      <p:tavLst>
+                                        <p:tav tm="0">
+                                          <p:val>
+                                            <p:strVal val="#ppt_x"/>
+                                          </p:val>
+                                        </p:tav>
+                                        <p:tav tm="100000">
+                                          <p:val>
+                                            <p:strVal val="#ppt_x"/>
+                                          </p:val>
+                                        </p:tav>
+                                      </p:tavLst>
+                                    </p:anim>
+                                    <p:anim calcmode="lin" valueType="num">
+                                      <p:cBhvr additive="base">
+                                        <p:cTn id="31" dur="500" fill="hold"/>
+                                        <p:tgtEl>
+                                          <p:spTgt spid="3">
+                                            <p:txEl>
+                                              <p:pRg st="5" end="5"/>
+                                            </p:txEl>
+                                          </p:spTgt>
+                                        </p:tgtEl>
+                                        <p:attrNameLst>
+                                          <p:attrName>ppt_y</p:attrName>
+                                        </p:attrNameLst>
+                                      </p:cBhvr>
+                                      <p:tavLst>
+                                        <p:tav tm="0">
+                                          <p:val>
+                                            <p:strVal val="1+#ppt_h/2"/>
+                                          </p:val>
+                                        </p:tav>
+                                        <p:tav tm="100000">
+                                          <p:val>
+                                            <p:strVal val="#ppt_y"/>
+                                          </p:val>
+                                        </p:tav>
+                                      </p:tavLst>
+                                    </p:anim>
+                                  </p:childTnLst>
+                                </p:cTn>
+                              </p:par>
+                              <p:par>
+                                <p:cTn id="32" presetID="2" presetClass="entr" presetSubtype="4" fill="hold" nodeType="withEffect">
+                                  <p:stCondLst>
+                                    <p:cond delay="0"/>
+                                  </p:stCondLst>
+                                  <p:childTnLst>
+                                    <p:set>
+                                      <p:cBhvr>
+                                        <p:cTn id="33" dur="1" fill="hold">
+                                          <p:stCondLst>
+                                            <p:cond delay="0"/>
+                                          </p:stCondLst>
+                                        </p:cTn>
+                                        <p:tgtEl>
+                                          <p:spTgt spid="3">
+                                            <p:txEl>
+                                              <p:pRg st="6" end="6"/>
+                                            </p:txEl>
+                                          </p:spTgt>
+                                        </p:tgtEl>
+                                        <p:attrNameLst>
+                                          <p:attrName>style.visibility</p:attrName>
+                                        </p:attrNameLst>
+                                      </p:cBhvr>
+                                      <p:to>
+                                        <p:strVal val="visible"/>
+                                      </p:to>
+                                    </p:set>
+                                    <p:anim calcmode="lin" valueType="num">
+                                      <p:cBhvr additive="base">
+                                        <p:cTn id="34" dur="500" fill="hold"/>
+                                        <p:tgtEl>
+                                          <p:spTgt spid="3">
+                                            <p:txEl>
+                                              <p:pRg st="6" end="6"/>
+                                            </p:txEl>
+                                          </p:spTgt>
+                                        </p:tgtEl>
+                                        <p:attrNameLst>
+                                          <p:attrName>ppt_x</p:attrName>
+                                        </p:attrNameLst>
+                                      </p:cBhvr>
+                                      <p:tavLst>
+                                        <p:tav tm="0">
+                                          <p:val>
+                                            <p:strVal val="#ppt_x"/>
+                                          </p:val>
+                                        </p:tav>
+                                        <p:tav tm="100000">
+                                          <p:val>
+                                            <p:strVal val="#ppt_x"/>
+                                          </p:val>
+                                        </p:tav>
+                                      </p:tavLst>
+                                    </p:anim>
+                                    <p:anim calcmode="lin" valueType="num">
+                                      <p:cBhvr additive="base">
+                                        <p:cTn id="35" dur="500" fill="hold"/>
+                                        <p:tgtEl>
+                                          <p:spTgt spid="3">
+                                            <p:txEl>
+                                              <p:pRg st="6" end="6"/>
+                                            </p:txEl>
+                                          </p:spTgt>
+                                        </p:tgtEl>
+                                        <p:attrNameLst>
+                                          <p:attrName>ppt_y</p:attrName>
+                                        </p:attrNameLst>
+                                      </p:cBhvr>
+                                      <p:tavLst>
+                                        <p:tav tm="0">
+                                          <p:val>
+                                            <p:strVal val="1+#ppt_h/2"/>
+                                          </p:val>
+                                        </p:tav>
+                                        <p:tav tm="100000">
+                                          <p:val>
+                                            <p:strVal val="#ppt_y"/>
+                                          </p:val>
+                                        </p:tav>
+                                      </p:tavLst>
+                                    </p:anim>
+                                  </p:childTnLst>
+                                </p:cTn>
+                              </p:par>
+                            </p:childTnLst>
+                          </p:cTn>
+                        </p:par>
+                      </p:childTnLst>
+                    </p:cTn>
+                  </p:par>
+                </p:childTnLst>
+              </p:cTn>
+              <p:prevCondLst>
+                <p:cond evt="onPrev" delay="0">
+                  <p:tgtEl>
+                    <p:sldTgt/>
+                  </p:tgtEl>
+                </p:cond>
+              </p:prevCondLst>
+              <p:nextCondLst>
+                <p:cond evt="onNext" delay="0">
+                  <p:tgtEl>
+                    <p:sldTgt/>
+                  </p:tgtEl>
+                </p:cond>
+              </p:nextCondLst>
+            </p:seq>
+          </p:childTnLst>
+        </p:cTn>
+      </p:par>
+    </p:tnLst>
+  </p:timing>
 </p:sld>
 </file>
 
@@ -13459,6 +15203,242 @@
   <p:clrMapOvr>
     <a:masterClrMapping/>
   </p:clrMapOvr>
+  <p:timing>
+    <p:tnLst>
+      <p:par>
+        <p:cTn id="1" dur="indefinite" restart="never" nodeType="tmRoot">
+          <p:childTnLst>
+            <p:seq concurrent="1" nextAc="seek">
+              <p:cTn id="2" dur="indefinite" nodeType="mainSeq">
+                <p:childTnLst>
+                  <p:par>
+                    <p:cTn id="3" fill="hold">
+                      <p:stCondLst>
+                        <p:cond delay="indefinite"/>
+                      </p:stCondLst>
+                      <p:childTnLst>
+                        <p:par>
+                          <p:cTn id="4" fill="hold">
+                            <p:stCondLst>
+                              <p:cond delay="0"/>
+                            </p:stCondLst>
+                            <p:childTnLst>
+                              <p:par>
+                                <p:cTn id="5" presetID="2" presetClass="entr" presetSubtype="4" fill="hold" nodeType="clickEffect">
+                                  <p:stCondLst>
+                                    <p:cond delay="0"/>
+                                  </p:stCondLst>
+                                  <p:childTnLst>
+                                    <p:set>
+                                      <p:cBhvr>
+                                        <p:cTn id="6" dur="1" fill="hold">
+                                          <p:stCondLst>
+                                            <p:cond delay="0"/>
+                                          </p:stCondLst>
+                                        </p:cTn>
+                                        <p:tgtEl>
+                                          <p:spTgt spid="3">
+                                            <p:txEl>
+                                              <p:pRg st="1" end="1"/>
+                                            </p:txEl>
+                                          </p:spTgt>
+                                        </p:tgtEl>
+                                        <p:attrNameLst>
+                                          <p:attrName>style.visibility</p:attrName>
+                                        </p:attrNameLst>
+                                      </p:cBhvr>
+                                      <p:to>
+                                        <p:strVal val="visible"/>
+                                      </p:to>
+                                    </p:set>
+                                    <p:anim calcmode="lin" valueType="num">
+                                      <p:cBhvr additive="base">
+                                        <p:cTn id="7" dur="500" fill="hold"/>
+                                        <p:tgtEl>
+                                          <p:spTgt spid="3">
+                                            <p:txEl>
+                                              <p:pRg st="1" end="1"/>
+                                            </p:txEl>
+                                          </p:spTgt>
+                                        </p:tgtEl>
+                                        <p:attrNameLst>
+                                          <p:attrName>ppt_x</p:attrName>
+                                        </p:attrNameLst>
+                                      </p:cBhvr>
+                                      <p:tavLst>
+                                        <p:tav tm="0">
+                                          <p:val>
+                                            <p:strVal val="#ppt_x"/>
+                                          </p:val>
+                                        </p:tav>
+                                        <p:tav tm="100000">
+                                          <p:val>
+                                            <p:strVal val="#ppt_x"/>
+                                          </p:val>
+                                        </p:tav>
+                                      </p:tavLst>
+                                    </p:anim>
+                                    <p:anim calcmode="lin" valueType="num">
+                                      <p:cBhvr additive="base">
+                                        <p:cTn id="8" dur="500" fill="hold"/>
+                                        <p:tgtEl>
+                                          <p:spTgt spid="3">
+                                            <p:txEl>
+                                              <p:pRg st="1" end="1"/>
+                                            </p:txEl>
+                                          </p:spTgt>
+                                        </p:tgtEl>
+                                        <p:attrNameLst>
+                                          <p:attrName>ppt_y</p:attrName>
+                                        </p:attrNameLst>
+                                      </p:cBhvr>
+                                      <p:tavLst>
+                                        <p:tav tm="0">
+                                          <p:val>
+                                            <p:strVal val="1+#ppt_h/2"/>
+                                          </p:val>
+                                        </p:tav>
+                                        <p:tav tm="100000">
+                                          <p:val>
+                                            <p:strVal val="#ppt_y"/>
+                                          </p:val>
+                                        </p:tav>
+                                      </p:tavLst>
+                                    </p:anim>
+                                  </p:childTnLst>
+                                </p:cTn>
+                              </p:par>
+                            </p:childTnLst>
+                          </p:cTn>
+                        </p:par>
+                      </p:childTnLst>
+                    </p:cTn>
+                  </p:par>
+                  <p:par>
+                    <p:cTn id="9" fill="hold">
+                      <p:stCondLst>
+                        <p:cond delay="indefinite"/>
+                      </p:stCondLst>
+                      <p:childTnLst>
+                        <p:par>
+                          <p:cTn id="10" fill="hold">
+                            <p:stCondLst>
+                              <p:cond delay="0"/>
+                            </p:stCondLst>
+                            <p:childTnLst>
+                              <p:par>
+                                <p:cTn id="11" presetID="2" presetClass="entr" presetSubtype="4" fill="hold" nodeType="clickEffect">
+                                  <p:stCondLst>
+                                    <p:cond delay="0"/>
+                                  </p:stCondLst>
+                                  <p:childTnLst>
+                                    <p:set>
+                                      <p:cBhvr>
+                                        <p:cTn id="12" dur="1" fill="hold">
+                                          <p:stCondLst>
+                                            <p:cond delay="0"/>
+                                          </p:stCondLst>
+                                        </p:cTn>
+                                        <p:tgtEl>
+                                          <p:spTgt spid="3">
+                                            <p:txEl>
+                                              <p:pRg st="2" end="2"/>
+                                            </p:txEl>
+                                          </p:spTgt>
+                                        </p:tgtEl>
+                                        <p:attrNameLst>
+                                          <p:attrName>style.visibility</p:attrName>
+                                        </p:attrNameLst>
+                                      </p:cBhvr>
+                                      <p:to>
+                                        <p:strVal val="visible"/>
+                                      </p:to>
+                                    </p:set>
+                                    <p:anim calcmode="lin" valueType="num">
+                                      <p:cBhvr additive="base">
+                                        <p:cTn id="13" dur="500" fill="hold"/>
+                                        <p:tgtEl>
+                                          <p:spTgt spid="3">
+                                            <p:txEl>
+                                              <p:pRg st="2" end="2"/>
+                                            </p:txEl>
+                                          </p:spTgt>
+                                        </p:tgtEl>
+                                        <p:attrNameLst>
+                                          <p:attrName>ppt_x</p:attrName>
+                                        </p:attrNameLst>
+                                      </p:cBhvr>
+                                      <p:tavLst>
+                                        <p:tav tm="0">
+                                          <p:val>
+                                            <p:strVal val="#ppt_x"/>
+                                          </p:val>
+                                        </p:tav>
+                                        <p:tav tm="100000">
+                                          <p:val>
+                                            <p:strVal val="#ppt_x"/>
+                                          </p:val>
+                                        </p:tav>
+                                      </p:tavLst>
+                                    </p:anim>
+                                    <p:anim calcmode="lin" valueType="num">
+                                      <p:cBhvr additive="base">
+                                        <p:cTn id="14" dur="500" fill="hold"/>
+                                        <p:tgtEl>
+                                          <p:spTgt spid="3">
+                                            <p:txEl>
+                                              <p:pRg st="2" end="2"/>
+                                            </p:txEl>
+                                          </p:spTgt>
+                                        </p:tgtEl>
+                                        <p:attrNameLst>
+                                          <p:attrName>ppt_y</p:attrName>
+                                        </p:attrNameLst>
+                                      </p:cBhvr>
+                                      <p:tavLst>
+                                        <p:tav tm="0">
+                                          <p:val>
+                                            <p:strVal val="1+#ppt_h/2"/>
+                                          </p:val>
+                                        </p:tav>
+                                        <p:tav tm="100000">
+                                          <p:val>
+                                            <p:strVal val="#ppt_y"/>
+                                          </p:val>
+                                        </p:tav>
+                                      </p:tavLst>
+                                    </p:anim>
+                                  </p:childTnLst>
+                                </p:cTn>
+                              </p:par>
+                            </p:childTnLst>
+                          </p:cTn>
+                        </p:par>
+                      </p:childTnLst>
+                    </p:cTn>
+                  </p:par>
+                </p:childTnLst>
+              </p:cTn>
+              <p:prevCondLst>
+                <p:cond evt="onPrev" delay="0">
+                  <p:tgtEl>
+                    <p:sldTgt/>
+                  </p:tgtEl>
+                </p:cond>
+              </p:prevCondLst>
+              <p:nextCondLst>
+                <p:cond evt="onNext" delay="0">
+                  <p:tgtEl>
+                    <p:sldTgt/>
+                  </p:tgtEl>
+                </p:cond>
+              </p:nextCondLst>
+            </p:seq>
+          </p:childTnLst>
+        </p:cTn>
+      </p:par>
+    </p:tnLst>
+  </p:timing>
 </p:sld>
 </file>
 
@@ -14090,6 +16070,242 @@
   <p:clrMapOvr>
     <a:masterClrMapping/>
   </p:clrMapOvr>
+  <p:timing>
+    <p:tnLst>
+      <p:par>
+        <p:cTn id="1" dur="indefinite" restart="never" nodeType="tmRoot">
+          <p:childTnLst>
+            <p:seq concurrent="1" nextAc="seek">
+              <p:cTn id="2" dur="indefinite" nodeType="mainSeq">
+                <p:childTnLst>
+                  <p:par>
+                    <p:cTn id="3" fill="hold">
+                      <p:stCondLst>
+                        <p:cond delay="indefinite"/>
+                      </p:stCondLst>
+                      <p:childTnLst>
+                        <p:par>
+                          <p:cTn id="4" fill="hold">
+                            <p:stCondLst>
+                              <p:cond delay="0"/>
+                            </p:stCondLst>
+                            <p:childTnLst>
+                              <p:par>
+                                <p:cTn id="5" presetID="2" presetClass="entr" presetSubtype="4" fill="hold" nodeType="clickEffect">
+                                  <p:stCondLst>
+                                    <p:cond delay="0"/>
+                                  </p:stCondLst>
+                                  <p:childTnLst>
+                                    <p:set>
+                                      <p:cBhvr>
+                                        <p:cTn id="6" dur="1" fill="hold">
+                                          <p:stCondLst>
+                                            <p:cond delay="0"/>
+                                          </p:stCondLst>
+                                        </p:cTn>
+                                        <p:tgtEl>
+                                          <p:spTgt spid="3">
+                                            <p:txEl>
+                                              <p:pRg st="1" end="1"/>
+                                            </p:txEl>
+                                          </p:spTgt>
+                                        </p:tgtEl>
+                                        <p:attrNameLst>
+                                          <p:attrName>style.visibility</p:attrName>
+                                        </p:attrNameLst>
+                                      </p:cBhvr>
+                                      <p:to>
+                                        <p:strVal val="visible"/>
+                                      </p:to>
+                                    </p:set>
+                                    <p:anim calcmode="lin" valueType="num">
+                                      <p:cBhvr additive="base">
+                                        <p:cTn id="7" dur="500" fill="hold"/>
+                                        <p:tgtEl>
+                                          <p:spTgt spid="3">
+                                            <p:txEl>
+                                              <p:pRg st="1" end="1"/>
+                                            </p:txEl>
+                                          </p:spTgt>
+                                        </p:tgtEl>
+                                        <p:attrNameLst>
+                                          <p:attrName>ppt_x</p:attrName>
+                                        </p:attrNameLst>
+                                      </p:cBhvr>
+                                      <p:tavLst>
+                                        <p:tav tm="0">
+                                          <p:val>
+                                            <p:strVal val="#ppt_x"/>
+                                          </p:val>
+                                        </p:tav>
+                                        <p:tav tm="100000">
+                                          <p:val>
+                                            <p:strVal val="#ppt_x"/>
+                                          </p:val>
+                                        </p:tav>
+                                      </p:tavLst>
+                                    </p:anim>
+                                    <p:anim calcmode="lin" valueType="num">
+                                      <p:cBhvr additive="base">
+                                        <p:cTn id="8" dur="500" fill="hold"/>
+                                        <p:tgtEl>
+                                          <p:spTgt spid="3">
+                                            <p:txEl>
+                                              <p:pRg st="1" end="1"/>
+                                            </p:txEl>
+                                          </p:spTgt>
+                                        </p:tgtEl>
+                                        <p:attrNameLst>
+                                          <p:attrName>ppt_y</p:attrName>
+                                        </p:attrNameLst>
+                                      </p:cBhvr>
+                                      <p:tavLst>
+                                        <p:tav tm="0">
+                                          <p:val>
+                                            <p:strVal val="1+#ppt_h/2"/>
+                                          </p:val>
+                                        </p:tav>
+                                        <p:tav tm="100000">
+                                          <p:val>
+                                            <p:strVal val="#ppt_y"/>
+                                          </p:val>
+                                        </p:tav>
+                                      </p:tavLst>
+                                    </p:anim>
+                                  </p:childTnLst>
+                                </p:cTn>
+                              </p:par>
+                            </p:childTnLst>
+                          </p:cTn>
+                        </p:par>
+                      </p:childTnLst>
+                    </p:cTn>
+                  </p:par>
+                  <p:par>
+                    <p:cTn id="9" fill="hold">
+                      <p:stCondLst>
+                        <p:cond delay="indefinite"/>
+                      </p:stCondLst>
+                      <p:childTnLst>
+                        <p:par>
+                          <p:cTn id="10" fill="hold">
+                            <p:stCondLst>
+                              <p:cond delay="0"/>
+                            </p:stCondLst>
+                            <p:childTnLst>
+                              <p:par>
+                                <p:cTn id="11" presetID="2" presetClass="entr" presetSubtype="4" fill="hold" nodeType="clickEffect">
+                                  <p:stCondLst>
+                                    <p:cond delay="0"/>
+                                  </p:stCondLst>
+                                  <p:childTnLst>
+                                    <p:set>
+                                      <p:cBhvr>
+                                        <p:cTn id="12" dur="1" fill="hold">
+                                          <p:stCondLst>
+                                            <p:cond delay="0"/>
+                                          </p:stCondLst>
+                                        </p:cTn>
+                                        <p:tgtEl>
+                                          <p:spTgt spid="3">
+                                            <p:txEl>
+                                              <p:pRg st="2" end="2"/>
+                                            </p:txEl>
+                                          </p:spTgt>
+                                        </p:tgtEl>
+                                        <p:attrNameLst>
+                                          <p:attrName>style.visibility</p:attrName>
+                                        </p:attrNameLst>
+                                      </p:cBhvr>
+                                      <p:to>
+                                        <p:strVal val="visible"/>
+                                      </p:to>
+                                    </p:set>
+                                    <p:anim calcmode="lin" valueType="num">
+                                      <p:cBhvr additive="base">
+                                        <p:cTn id="13" dur="500" fill="hold"/>
+                                        <p:tgtEl>
+                                          <p:spTgt spid="3">
+                                            <p:txEl>
+                                              <p:pRg st="2" end="2"/>
+                                            </p:txEl>
+                                          </p:spTgt>
+                                        </p:tgtEl>
+                                        <p:attrNameLst>
+                                          <p:attrName>ppt_x</p:attrName>
+                                        </p:attrNameLst>
+                                      </p:cBhvr>
+                                      <p:tavLst>
+                                        <p:tav tm="0">
+                                          <p:val>
+                                            <p:strVal val="#ppt_x"/>
+                                          </p:val>
+                                        </p:tav>
+                                        <p:tav tm="100000">
+                                          <p:val>
+                                            <p:strVal val="#ppt_x"/>
+                                          </p:val>
+                                        </p:tav>
+                                      </p:tavLst>
+                                    </p:anim>
+                                    <p:anim calcmode="lin" valueType="num">
+                                      <p:cBhvr additive="base">
+                                        <p:cTn id="14" dur="500" fill="hold"/>
+                                        <p:tgtEl>
+                                          <p:spTgt spid="3">
+                                            <p:txEl>
+                                              <p:pRg st="2" end="2"/>
+                                            </p:txEl>
+                                          </p:spTgt>
+                                        </p:tgtEl>
+                                        <p:attrNameLst>
+                                          <p:attrName>ppt_y</p:attrName>
+                                        </p:attrNameLst>
+                                      </p:cBhvr>
+                                      <p:tavLst>
+                                        <p:tav tm="0">
+                                          <p:val>
+                                            <p:strVal val="1+#ppt_h/2"/>
+                                          </p:val>
+                                        </p:tav>
+                                        <p:tav tm="100000">
+                                          <p:val>
+                                            <p:strVal val="#ppt_y"/>
+                                          </p:val>
+                                        </p:tav>
+                                      </p:tavLst>
+                                    </p:anim>
+                                  </p:childTnLst>
+                                </p:cTn>
+                              </p:par>
+                            </p:childTnLst>
+                          </p:cTn>
+                        </p:par>
+                      </p:childTnLst>
+                    </p:cTn>
+                  </p:par>
+                </p:childTnLst>
+              </p:cTn>
+              <p:prevCondLst>
+                <p:cond evt="onPrev" delay="0">
+                  <p:tgtEl>
+                    <p:sldTgt/>
+                  </p:tgtEl>
+                </p:cond>
+              </p:prevCondLst>
+              <p:nextCondLst>
+                <p:cond evt="onNext" delay="0">
+                  <p:tgtEl>
+                    <p:sldTgt/>
+                  </p:tgtEl>
+                </p:cond>
+              </p:nextCondLst>
+            </p:seq>
+          </p:childTnLst>
+        </p:cTn>
+      </p:par>
+    </p:tnLst>
+  </p:timing>
 </p:sld>
 </file>
 
@@ -15233,6 +17449,242 @@
   <p:clrMapOvr>
     <a:masterClrMapping/>
   </p:clrMapOvr>
+  <p:timing>
+    <p:tnLst>
+      <p:par>
+        <p:cTn id="1" dur="indefinite" restart="never" nodeType="tmRoot">
+          <p:childTnLst>
+            <p:seq concurrent="1" nextAc="seek">
+              <p:cTn id="2" dur="indefinite" nodeType="mainSeq">
+                <p:childTnLst>
+                  <p:par>
+                    <p:cTn id="3" fill="hold">
+                      <p:stCondLst>
+                        <p:cond delay="indefinite"/>
+                      </p:stCondLst>
+                      <p:childTnLst>
+                        <p:par>
+                          <p:cTn id="4" fill="hold">
+                            <p:stCondLst>
+                              <p:cond delay="0"/>
+                            </p:stCondLst>
+                            <p:childTnLst>
+                              <p:par>
+                                <p:cTn id="5" presetID="2" presetClass="entr" presetSubtype="4" fill="hold" nodeType="clickEffect">
+                                  <p:stCondLst>
+                                    <p:cond delay="0"/>
+                                  </p:stCondLst>
+                                  <p:childTnLst>
+                                    <p:set>
+                                      <p:cBhvr>
+                                        <p:cTn id="6" dur="1" fill="hold">
+                                          <p:stCondLst>
+                                            <p:cond delay="0"/>
+                                          </p:stCondLst>
+                                        </p:cTn>
+                                        <p:tgtEl>
+                                          <p:spTgt spid="3">
+                                            <p:txEl>
+                                              <p:pRg st="1" end="1"/>
+                                            </p:txEl>
+                                          </p:spTgt>
+                                        </p:tgtEl>
+                                        <p:attrNameLst>
+                                          <p:attrName>style.visibility</p:attrName>
+                                        </p:attrNameLst>
+                                      </p:cBhvr>
+                                      <p:to>
+                                        <p:strVal val="visible"/>
+                                      </p:to>
+                                    </p:set>
+                                    <p:anim calcmode="lin" valueType="num">
+                                      <p:cBhvr additive="base">
+                                        <p:cTn id="7" dur="500" fill="hold"/>
+                                        <p:tgtEl>
+                                          <p:spTgt spid="3">
+                                            <p:txEl>
+                                              <p:pRg st="1" end="1"/>
+                                            </p:txEl>
+                                          </p:spTgt>
+                                        </p:tgtEl>
+                                        <p:attrNameLst>
+                                          <p:attrName>ppt_x</p:attrName>
+                                        </p:attrNameLst>
+                                      </p:cBhvr>
+                                      <p:tavLst>
+                                        <p:tav tm="0">
+                                          <p:val>
+                                            <p:strVal val="#ppt_x"/>
+                                          </p:val>
+                                        </p:tav>
+                                        <p:tav tm="100000">
+                                          <p:val>
+                                            <p:strVal val="#ppt_x"/>
+                                          </p:val>
+                                        </p:tav>
+                                      </p:tavLst>
+                                    </p:anim>
+                                    <p:anim calcmode="lin" valueType="num">
+                                      <p:cBhvr additive="base">
+                                        <p:cTn id="8" dur="500" fill="hold"/>
+                                        <p:tgtEl>
+                                          <p:spTgt spid="3">
+                                            <p:txEl>
+                                              <p:pRg st="1" end="1"/>
+                                            </p:txEl>
+                                          </p:spTgt>
+                                        </p:tgtEl>
+                                        <p:attrNameLst>
+                                          <p:attrName>ppt_y</p:attrName>
+                                        </p:attrNameLst>
+                                      </p:cBhvr>
+                                      <p:tavLst>
+                                        <p:tav tm="0">
+                                          <p:val>
+                                            <p:strVal val="1+#ppt_h/2"/>
+                                          </p:val>
+                                        </p:tav>
+                                        <p:tav tm="100000">
+                                          <p:val>
+                                            <p:strVal val="#ppt_y"/>
+                                          </p:val>
+                                        </p:tav>
+                                      </p:tavLst>
+                                    </p:anim>
+                                  </p:childTnLst>
+                                </p:cTn>
+                              </p:par>
+                            </p:childTnLst>
+                          </p:cTn>
+                        </p:par>
+                      </p:childTnLst>
+                    </p:cTn>
+                  </p:par>
+                  <p:par>
+                    <p:cTn id="9" fill="hold">
+                      <p:stCondLst>
+                        <p:cond delay="indefinite"/>
+                      </p:stCondLst>
+                      <p:childTnLst>
+                        <p:par>
+                          <p:cTn id="10" fill="hold">
+                            <p:stCondLst>
+                              <p:cond delay="0"/>
+                            </p:stCondLst>
+                            <p:childTnLst>
+                              <p:par>
+                                <p:cTn id="11" presetID="2" presetClass="entr" presetSubtype="4" fill="hold" nodeType="clickEffect">
+                                  <p:stCondLst>
+                                    <p:cond delay="0"/>
+                                  </p:stCondLst>
+                                  <p:childTnLst>
+                                    <p:set>
+                                      <p:cBhvr>
+                                        <p:cTn id="12" dur="1" fill="hold">
+                                          <p:stCondLst>
+                                            <p:cond delay="0"/>
+                                          </p:stCondLst>
+                                        </p:cTn>
+                                        <p:tgtEl>
+                                          <p:spTgt spid="3">
+                                            <p:txEl>
+                                              <p:pRg st="2" end="2"/>
+                                            </p:txEl>
+                                          </p:spTgt>
+                                        </p:tgtEl>
+                                        <p:attrNameLst>
+                                          <p:attrName>style.visibility</p:attrName>
+                                        </p:attrNameLst>
+                                      </p:cBhvr>
+                                      <p:to>
+                                        <p:strVal val="visible"/>
+                                      </p:to>
+                                    </p:set>
+                                    <p:anim calcmode="lin" valueType="num">
+                                      <p:cBhvr additive="base">
+                                        <p:cTn id="13" dur="500" fill="hold"/>
+                                        <p:tgtEl>
+                                          <p:spTgt spid="3">
+                                            <p:txEl>
+                                              <p:pRg st="2" end="2"/>
+                                            </p:txEl>
+                                          </p:spTgt>
+                                        </p:tgtEl>
+                                        <p:attrNameLst>
+                                          <p:attrName>ppt_x</p:attrName>
+                                        </p:attrNameLst>
+                                      </p:cBhvr>
+                                      <p:tavLst>
+                                        <p:tav tm="0">
+                                          <p:val>
+                                            <p:strVal val="#ppt_x"/>
+                                          </p:val>
+                                        </p:tav>
+                                        <p:tav tm="100000">
+                                          <p:val>
+                                            <p:strVal val="#ppt_x"/>
+                                          </p:val>
+                                        </p:tav>
+                                      </p:tavLst>
+                                    </p:anim>
+                                    <p:anim calcmode="lin" valueType="num">
+                                      <p:cBhvr additive="base">
+                                        <p:cTn id="14" dur="500" fill="hold"/>
+                                        <p:tgtEl>
+                                          <p:spTgt spid="3">
+                                            <p:txEl>
+                                              <p:pRg st="2" end="2"/>
+                                            </p:txEl>
+                                          </p:spTgt>
+                                        </p:tgtEl>
+                                        <p:attrNameLst>
+                                          <p:attrName>ppt_y</p:attrName>
+                                        </p:attrNameLst>
+                                      </p:cBhvr>
+                                      <p:tavLst>
+                                        <p:tav tm="0">
+                                          <p:val>
+                                            <p:strVal val="1+#ppt_h/2"/>
+                                          </p:val>
+                                        </p:tav>
+                                        <p:tav tm="100000">
+                                          <p:val>
+                                            <p:strVal val="#ppt_y"/>
+                                          </p:val>
+                                        </p:tav>
+                                      </p:tavLst>
+                                    </p:anim>
+                                  </p:childTnLst>
+                                </p:cTn>
+                              </p:par>
+                            </p:childTnLst>
+                          </p:cTn>
+                        </p:par>
+                      </p:childTnLst>
+                    </p:cTn>
+                  </p:par>
+                </p:childTnLst>
+              </p:cTn>
+              <p:prevCondLst>
+                <p:cond evt="onPrev" delay="0">
+                  <p:tgtEl>
+                    <p:sldTgt/>
+                  </p:tgtEl>
+                </p:cond>
+              </p:prevCondLst>
+              <p:nextCondLst>
+                <p:cond evt="onNext" delay="0">
+                  <p:tgtEl>
+                    <p:sldTgt/>
+                  </p:tgtEl>
+                </p:cond>
+              </p:nextCondLst>
+            </p:seq>
+          </p:childTnLst>
+        </p:cTn>
+      </p:par>
+    </p:tnLst>
+  </p:timing>
 </p:sld>
 </file>
 
@@ -16175,6 +18627,139 @@
   <p:clrMapOvr>
     <a:masterClrMapping/>
   </p:clrMapOvr>
+  <p:timing>
+    <p:tnLst>
+      <p:par>
+        <p:cTn id="1" dur="indefinite" restart="never" nodeType="tmRoot">
+          <p:childTnLst>
+            <p:seq concurrent="1" nextAc="seek">
+              <p:cTn id="2" dur="indefinite" nodeType="mainSeq">
+                <p:childTnLst>
+                  <p:par>
+                    <p:cTn id="3" fill="hold">
+                      <p:stCondLst>
+                        <p:cond delay="indefinite"/>
+                      </p:stCondLst>
+                      <p:childTnLst>
+                        <p:par>
+                          <p:cTn id="4" fill="hold">
+                            <p:stCondLst>
+                              <p:cond delay="0"/>
+                            </p:stCondLst>
+                            <p:childTnLst>
+                              <p:par>
+                                <p:cTn id="5" presetID="2" presetClass="entr" presetSubtype="4" fill="hold" nodeType="clickEffect">
+                                  <p:stCondLst>
+                                    <p:cond delay="0"/>
+                                  </p:stCondLst>
+                                  <p:childTnLst>
+                                    <p:set>
+                                      <p:cBhvr>
+                                        <p:cTn id="6" dur="1" fill="hold">
+                                          <p:stCondLst>
+                                            <p:cond delay="0"/>
+                                          </p:stCondLst>
+                                        </p:cTn>
+                                        <p:tgtEl>
+                                          <p:spTgt spid="3">
+                                            <p:txEl>
+                                              <p:pRg st="1" end="1"/>
+                                            </p:txEl>
+                                          </p:spTgt>
+                                        </p:tgtEl>
+                                        <p:attrNameLst>
+                                          <p:attrName>style.visibility</p:attrName>
+                                        </p:attrNameLst>
+                                      </p:cBhvr>
+                                      <p:to>
+                                        <p:strVal val="visible"/>
+                                      </p:to>
+                                    </p:set>
+                                    <p:anim calcmode="lin" valueType="num">
+                                      <p:cBhvr additive="base">
+                                        <p:cTn id="7" dur="500" fill="hold"/>
+                                        <p:tgtEl>
+                                          <p:spTgt spid="3">
+                                            <p:txEl>
+                                              <p:pRg st="1" end="1"/>
+                                            </p:txEl>
+                                          </p:spTgt>
+                                        </p:tgtEl>
+                                        <p:attrNameLst>
+                                          <p:attrName>ppt_x</p:attrName>
+                                        </p:attrNameLst>
+                                      </p:cBhvr>
+                                      <p:tavLst>
+                                        <p:tav tm="0">
+                                          <p:val>
+                                            <p:strVal val="#ppt_x"/>
+                                          </p:val>
+                                        </p:tav>
+                                        <p:tav tm="100000">
+                                          <p:val>
+                                            <p:strVal val="#ppt_x"/>
+                                          </p:val>
+                                        </p:tav>
+                                      </p:tavLst>
+                                    </p:anim>
+                                    <p:anim calcmode="lin" valueType="num">
+                                      <p:cBhvr additive="base">
+                                        <p:cTn id="8" dur="500" fill="hold"/>
+                                        <p:tgtEl>
+                                          <p:spTgt spid="3">
+                                            <p:txEl>
+                                              <p:pRg st="1" end="1"/>
+                                            </p:txEl>
+                                          </p:spTgt>
+                                        </p:tgtEl>
+                                        <p:attrNameLst>
+                                          <p:attrName>ppt_y</p:attrName>
+                                        </p:attrNameLst>
+                                      </p:cBhvr>
+                                      <p:tavLst>
+                                        <p:tav tm="0">
+                                          <p:val>
+                                            <p:strVal val="1+#ppt_h/2"/>
+                                          </p:val>
+                                        </p:tav>
+                                        <p:tav tm="100000">
+                                          <p:val>
+                                            <p:strVal val="#ppt_y"/>
+                                          </p:val>
+                                        </p:tav>
+                                      </p:tavLst>
+                                    </p:anim>
+                                  </p:childTnLst>
+                                </p:cTn>
+                              </p:par>
+                            </p:childTnLst>
+                          </p:cTn>
+                        </p:par>
+                      </p:childTnLst>
+                    </p:cTn>
+                  </p:par>
+                </p:childTnLst>
+              </p:cTn>
+              <p:prevCondLst>
+                <p:cond evt="onPrev" delay="0">
+                  <p:tgtEl>
+                    <p:sldTgt/>
+                  </p:tgtEl>
+                </p:cond>
+              </p:prevCondLst>
+              <p:nextCondLst>
+                <p:cond evt="onNext" delay="0">
+                  <p:tgtEl>
+                    <p:sldTgt/>
+                  </p:tgtEl>
+                </p:cond>
+              </p:nextCondLst>
+            </p:seq>
+          </p:childTnLst>
+        </p:cTn>
+      </p:par>
+    </p:tnLst>
+  </p:timing>
 </p:sld>
 </file>
 
